--- a/Machine Learning II/Clase 5 - ML2.pptx
+++ b/Machine Learning II/Clase 5 - ML2.pptx
@@ -6,7 +6,7 @@
     <p:sldMasterId id="2147483660" r:id="rId2"/>
   </p:sldMasterIdLst>
   <p:notesMasterIdLst>
-    <p:notesMasterId r:id="rId13"/>
+    <p:notesMasterId r:id="rId20"/>
   </p:notesMasterIdLst>
   <p:sldIdLst>
     <p:sldId id="259" r:id="rId3"/>
@@ -18,7 +18,14 @@
     <p:sldId id="679" r:id="rId9"/>
     <p:sldId id="676" r:id="rId10"/>
     <p:sldId id="677" r:id="rId11"/>
-    <p:sldId id="680" r:id="rId12"/>
+    <p:sldId id="681" r:id="rId12"/>
+    <p:sldId id="685" r:id="rId13"/>
+    <p:sldId id="686" r:id="rId14"/>
+    <p:sldId id="687" r:id="rId15"/>
+    <p:sldId id="688" r:id="rId16"/>
+    <p:sldId id="682" r:id="rId17"/>
+    <p:sldId id="683" r:id="rId18"/>
+    <p:sldId id="684" r:id="rId19"/>
   </p:sldIdLst>
   <p:sldSz cx="12192000" cy="6858000"/>
   <p:notesSz cx="6858000" cy="9144000"/>
@@ -125,6 +132,331 @@
 </p:presentation>
 </file>
 
+<file path=ppt/revisionInfo.xml><?xml version="1.0" encoding="utf-8"?>
+<p1510:revInfo xmlns:a="http://schemas.openxmlformats.org/drawingml/2006/main" xmlns:r="http://schemas.openxmlformats.org/officeDocument/2006/relationships" xmlns:p1510="http://schemas.microsoft.com/office/powerpoint/2015/10/main">
+  <p1510:revLst>
+    <p1510:client id="{301918D1-A79B-4CB2-904D-FA6930757E5B}" v="154" dt="2023-08-03T22:27:23.436"/>
+  </p1510:revLst>
+</p1510:revInfo>
+</file>
+
+<file path=ppt/changesInfos/changesInfo1.xml><?xml version="1.0" encoding="utf-8"?>
+<pc:chgInfo xmlns:a="http://schemas.openxmlformats.org/drawingml/2006/main" xmlns:r="http://schemas.openxmlformats.org/officeDocument/2006/relationships" xmlns:ac="http://schemas.microsoft.com/office/drawing/2013/main/command" xmlns:pc="http://schemas.microsoft.com/office/powerpoint/2013/main/command">
+  <pc:docChgLst>
+    <pc:chgData name="Jorge Alexis Castillo Sepúlveda" userId="46b6423b4a08acb9" providerId="LiveId" clId="{301918D1-A79B-4CB2-904D-FA6930757E5B}"/>
+    <pc:docChg chg="undo redo custSel addSld delSld modSld">
+      <pc:chgData name="Jorge Alexis Castillo Sepúlveda" userId="46b6423b4a08acb9" providerId="LiveId" clId="{301918D1-A79B-4CB2-904D-FA6930757E5B}" dt="2023-08-03T23:08:55.430" v="1948" actId="1076"/>
+      <pc:docMkLst>
+        <pc:docMk/>
+      </pc:docMkLst>
+      <pc:sldChg chg="del">
+        <pc:chgData name="Jorge Alexis Castillo Sepúlveda" userId="46b6423b4a08acb9" providerId="LiveId" clId="{301918D1-A79B-4CB2-904D-FA6930757E5B}" dt="2023-08-03T20:56:26.594" v="182" actId="47"/>
+        <pc:sldMkLst>
+          <pc:docMk/>
+          <pc:sldMk cId="980567383" sldId="680"/>
+        </pc:sldMkLst>
+      </pc:sldChg>
+      <pc:sldChg chg="modSp add mod">
+        <pc:chgData name="Jorge Alexis Castillo Sepúlveda" userId="46b6423b4a08acb9" providerId="LiveId" clId="{301918D1-A79B-4CB2-904D-FA6930757E5B}" dt="2023-08-03T22:23:42.006" v="1328" actId="113"/>
+        <pc:sldMkLst>
+          <pc:docMk/>
+          <pc:sldMk cId="2866050063" sldId="681"/>
+        </pc:sldMkLst>
+        <pc:spChg chg="mod">
+          <ac:chgData name="Jorge Alexis Castillo Sepúlveda" userId="46b6423b4a08acb9" providerId="LiveId" clId="{301918D1-A79B-4CB2-904D-FA6930757E5B}" dt="2023-08-03T22:23:42.006" v="1328" actId="113"/>
+          <ac:spMkLst>
+            <pc:docMk/>
+            <pc:sldMk cId="2866050063" sldId="681"/>
+            <ac:spMk id="3" creationId="{509E6064-0DA4-0C53-386D-947EDD127B7D}"/>
+          </ac:spMkLst>
+        </pc:spChg>
+        <pc:spChg chg="mod">
+          <ac:chgData name="Jorge Alexis Castillo Sepúlveda" userId="46b6423b4a08acb9" providerId="LiveId" clId="{301918D1-A79B-4CB2-904D-FA6930757E5B}" dt="2023-08-03T19:50:33.218" v="35" actId="20577"/>
+          <ac:spMkLst>
+            <pc:docMk/>
+            <pc:sldMk cId="2866050063" sldId="681"/>
+            <ac:spMk id="6" creationId="{B9BF6B8A-1DB3-C04A-9FC5-D2A10722D782}"/>
+          </ac:spMkLst>
+        </pc:spChg>
+        <pc:spChg chg="mod">
+          <ac:chgData name="Jorge Alexis Castillo Sepúlveda" userId="46b6423b4a08acb9" providerId="LiveId" clId="{301918D1-A79B-4CB2-904D-FA6930757E5B}" dt="2023-08-03T22:06:53.939" v="189" actId="20577"/>
+          <ac:spMkLst>
+            <pc:docMk/>
+            <pc:sldMk cId="2866050063" sldId="681"/>
+            <ac:spMk id="8" creationId="{F22B2A3D-7090-9A77-BBC2-684E97930BAE}"/>
+          </ac:spMkLst>
+        </pc:spChg>
+      </pc:sldChg>
+      <pc:sldChg chg="addSp modSp add mod">
+        <pc:chgData name="Jorge Alexis Castillo Sepúlveda" userId="46b6423b4a08acb9" providerId="LiveId" clId="{301918D1-A79B-4CB2-904D-FA6930757E5B}" dt="2023-08-03T22:28:13.901" v="1383" actId="20577"/>
+        <pc:sldMkLst>
+          <pc:docMk/>
+          <pc:sldMk cId="1987186583" sldId="682"/>
+        </pc:sldMkLst>
+        <pc:spChg chg="add mod">
+          <ac:chgData name="Jorge Alexis Castillo Sepúlveda" userId="46b6423b4a08acb9" providerId="LiveId" clId="{301918D1-A79B-4CB2-904D-FA6930757E5B}" dt="2023-08-03T22:26:20.233" v="1345" actId="1076"/>
+          <ac:spMkLst>
+            <pc:docMk/>
+            <pc:sldMk cId="1987186583" sldId="682"/>
+            <ac:spMk id="5" creationId="{DD87DE0B-EFFC-3B06-FE2B-4B12A87CF991}"/>
+          </ac:spMkLst>
+        </pc:spChg>
+        <pc:spChg chg="mod">
+          <ac:chgData name="Jorge Alexis Castillo Sepúlveda" userId="46b6423b4a08acb9" providerId="LiveId" clId="{301918D1-A79B-4CB2-904D-FA6930757E5B}" dt="2023-08-03T22:28:13.901" v="1383" actId="20577"/>
+          <ac:spMkLst>
+            <pc:docMk/>
+            <pc:sldMk cId="1987186583" sldId="682"/>
+            <ac:spMk id="6" creationId="{B9BF6B8A-1DB3-C04A-9FC5-D2A10722D782}"/>
+          </ac:spMkLst>
+        </pc:spChg>
+        <pc:spChg chg="add mod">
+          <ac:chgData name="Jorge Alexis Castillo Sepúlveda" userId="46b6423b4a08acb9" providerId="LiveId" clId="{301918D1-A79B-4CB2-904D-FA6930757E5B}" dt="2023-08-03T22:27:38.703" v="1369" actId="1076"/>
+          <ac:spMkLst>
+            <pc:docMk/>
+            <pc:sldMk cId="1987186583" sldId="682"/>
+            <ac:spMk id="14" creationId="{48FCBA5D-4DAA-D347-6E6D-9F92487F2593}"/>
+          </ac:spMkLst>
+        </pc:spChg>
+        <pc:picChg chg="add mod">
+          <ac:chgData name="Jorge Alexis Castillo Sepúlveda" userId="46b6423b4a08acb9" providerId="LiveId" clId="{301918D1-A79B-4CB2-904D-FA6930757E5B}" dt="2023-08-03T22:26:21.941" v="1346" actId="1076"/>
+          <ac:picMkLst>
+            <pc:docMk/>
+            <pc:sldMk cId="1987186583" sldId="682"/>
+            <ac:picMk id="4" creationId="{4ADA9822-9437-654E-ACD3-7555691CFC2A}"/>
+          </ac:picMkLst>
+        </pc:picChg>
+        <pc:cxnChg chg="add mod">
+          <ac:chgData name="Jorge Alexis Castillo Sepúlveda" userId="46b6423b4a08acb9" providerId="LiveId" clId="{301918D1-A79B-4CB2-904D-FA6930757E5B}" dt="2023-08-03T22:27:11.997" v="1352" actId="14100"/>
+          <ac:cxnSpMkLst>
+            <pc:docMk/>
+            <pc:sldMk cId="1987186583" sldId="682"/>
+            <ac:cxnSpMk id="9" creationId="{F3AEC9B2-BA66-B6C8-6C71-C50E79B7503F}"/>
+          </ac:cxnSpMkLst>
+        </pc:cxnChg>
+      </pc:sldChg>
+      <pc:sldChg chg="addSp modSp add mod">
+        <pc:chgData name="Jorge Alexis Castillo Sepúlveda" userId="46b6423b4a08acb9" providerId="LiveId" clId="{301918D1-A79B-4CB2-904D-FA6930757E5B}" dt="2023-08-03T23:08:55.430" v="1948" actId="1076"/>
+        <pc:sldMkLst>
+          <pc:docMk/>
+          <pc:sldMk cId="2560598862" sldId="683"/>
+        </pc:sldMkLst>
+        <pc:spChg chg="mod">
+          <ac:chgData name="Jorge Alexis Castillo Sepúlveda" userId="46b6423b4a08acb9" providerId="LiveId" clId="{301918D1-A79B-4CB2-904D-FA6930757E5B}" dt="2023-08-03T23:08:50.914" v="1946" actId="20577"/>
+          <ac:spMkLst>
+            <pc:docMk/>
+            <pc:sldMk cId="2560598862" sldId="683"/>
+            <ac:spMk id="3" creationId="{509E6064-0DA4-0C53-386D-947EDD127B7D}"/>
+          </ac:spMkLst>
+        </pc:spChg>
+        <pc:spChg chg="mod">
+          <ac:chgData name="Jorge Alexis Castillo Sepúlveda" userId="46b6423b4a08acb9" providerId="LiveId" clId="{301918D1-A79B-4CB2-904D-FA6930757E5B}" dt="2023-08-03T22:30:07.253" v="1432" actId="1076"/>
+          <ac:spMkLst>
+            <pc:docMk/>
+            <pc:sldMk cId="2560598862" sldId="683"/>
+            <ac:spMk id="6" creationId="{B9BF6B8A-1DB3-C04A-9FC5-D2A10722D782}"/>
+          </ac:spMkLst>
+        </pc:spChg>
+        <pc:spChg chg="mod">
+          <ac:chgData name="Jorge Alexis Castillo Sepúlveda" userId="46b6423b4a08acb9" providerId="LiveId" clId="{301918D1-A79B-4CB2-904D-FA6930757E5B}" dt="2023-08-03T22:30:10.597" v="1433" actId="1076"/>
+          <ac:spMkLst>
+            <pc:docMk/>
+            <pc:sldMk cId="2560598862" sldId="683"/>
+            <ac:spMk id="8" creationId="{F22B2A3D-7090-9A77-BBC2-684E97930BAE}"/>
+          </ac:spMkLst>
+        </pc:spChg>
+        <pc:spChg chg="mod">
+          <ac:chgData name="Jorge Alexis Castillo Sepúlveda" userId="46b6423b4a08acb9" providerId="LiveId" clId="{301918D1-A79B-4CB2-904D-FA6930757E5B}" dt="2023-08-03T22:30:14.008" v="1437" actId="20577"/>
+          <ac:spMkLst>
+            <pc:docMk/>
+            <pc:sldMk cId="2560598862" sldId="683"/>
+            <ac:spMk id="10" creationId="{DBD3B9B2-9415-82BF-01C3-1837C11C66FF}"/>
+          </ac:spMkLst>
+        </pc:spChg>
+        <pc:picChg chg="add mod">
+          <ac:chgData name="Jorge Alexis Castillo Sepúlveda" userId="46b6423b4a08acb9" providerId="LiveId" clId="{301918D1-A79B-4CB2-904D-FA6930757E5B}" dt="2023-08-03T23:06:13.433" v="1721" actId="1076"/>
+          <ac:picMkLst>
+            <pc:docMk/>
+            <pc:sldMk cId="2560598862" sldId="683"/>
+            <ac:picMk id="4" creationId="{EC6D0DBD-38B1-66A3-9D2F-B42871BBCD12}"/>
+          </ac:picMkLst>
+        </pc:picChg>
+        <pc:picChg chg="add mod">
+          <ac:chgData name="Jorge Alexis Castillo Sepúlveda" userId="46b6423b4a08acb9" providerId="LiveId" clId="{301918D1-A79B-4CB2-904D-FA6930757E5B}" dt="2023-08-03T23:08:53.588" v="1947" actId="1076"/>
+          <ac:picMkLst>
+            <pc:docMk/>
+            <pc:sldMk cId="2560598862" sldId="683"/>
+            <ac:picMk id="7" creationId="{649BDBEF-26DB-1E00-9900-45C5726F0572}"/>
+          </ac:picMkLst>
+        </pc:picChg>
+        <pc:picChg chg="add mod">
+          <ac:chgData name="Jorge Alexis Castillo Sepúlveda" userId="46b6423b4a08acb9" providerId="LiveId" clId="{301918D1-A79B-4CB2-904D-FA6930757E5B}" dt="2023-08-03T23:08:55.430" v="1948" actId="1076"/>
+          <ac:picMkLst>
+            <pc:docMk/>
+            <pc:sldMk cId="2560598862" sldId="683"/>
+            <ac:picMk id="11" creationId="{F4DDEC3C-ED14-FF30-20F4-AA1C271A0931}"/>
+          </ac:picMkLst>
+        </pc:picChg>
+      </pc:sldChg>
+      <pc:sldChg chg="modSp add mod">
+        <pc:chgData name="Jorge Alexis Castillo Sepúlveda" userId="46b6423b4a08acb9" providerId="LiveId" clId="{301918D1-A79B-4CB2-904D-FA6930757E5B}" dt="2023-08-03T19:51:59.712" v="181" actId="20577"/>
+        <pc:sldMkLst>
+          <pc:docMk/>
+          <pc:sldMk cId="2892188802" sldId="684"/>
+        </pc:sldMkLst>
+        <pc:spChg chg="mod">
+          <ac:chgData name="Jorge Alexis Castillo Sepúlveda" userId="46b6423b4a08acb9" providerId="LiveId" clId="{301918D1-A79B-4CB2-904D-FA6930757E5B}" dt="2023-08-03T19:51:59.712" v="181" actId="20577"/>
+          <ac:spMkLst>
+            <pc:docMk/>
+            <pc:sldMk cId="2892188802" sldId="684"/>
+            <ac:spMk id="6" creationId="{B9BF6B8A-1DB3-C04A-9FC5-D2A10722D782}"/>
+          </ac:spMkLst>
+        </pc:spChg>
+      </pc:sldChg>
+      <pc:sldChg chg="addSp delSp modSp add mod">
+        <pc:chgData name="Jorge Alexis Castillo Sepúlveda" userId="46b6423b4a08acb9" providerId="LiveId" clId="{301918D1-A79B-4CB2-904D-FA6930757E5B}" dt="2023-08-03T22:28:45.847" v="1431" actId="20577"/>
+        <pc:sldMkLst>
+          <pc:docMk/>
+          <pc:sldMk cId="6222100" sldId="685"/>
+        </pc:sldMkLst>
+        <pc:spChg chg="del">
+          <ac:chgData name="Jorge Alexis Castillo Sepúlveda" userId="46b6423b4a08acb9" providerId="LiveId" clId="{301918D1-A79B-4CB2-904D-FA6930757E5B}" dt="2023-08-03T22:20:16.125" v="1226" actId="478"/>
+          <ac:spMkLst>
+            <pc:docMk/>
+            <pc:sldMk cId="6222100" sldId="685"/>
+            <ac:spMk id="3" creationId="{509E6064-0DA4-0C53-386D-947EDD127B7D}"/>
+          </ac:spMkLst>
+        </pc:spChg>
+        <pc:spChg chg="add del mod">
+          <ac:chgData name="Jorge Alexis Castillo Sepúlveda" userId="46b6423b4a08acb9" providerId="LiveId" clId="{301918D1-A79B-4CB2-904D-FA6930757E5B}" dt="2023-08-03T22:21:33.092" v="1236" actId="478"/>
+          <ac:spMkLst>
+            <pc:docMk/>
+            <pc:sldMk cId="6222100" sldId="685"/>
+            <ac:spMk id="4" creationId="{72D3A5C7-1652-1759-B662-87213A4C4986}"/>
+          </ac:spMkLst>
+        </pc:spChg>
+        <pc:spChg chg="mod">
+          <ac:chgData name="Jorge Alexis Castillo Sepúlveda" userId="46b6423b4a08acb9" providerId="LiveId" clId="{301918D1-A79B-4CB2-904D-FA6930757E5B}" dt="2023-08-03T22:28:45.847" v="1431" actId="20577"/>
+          <ac:spMkLst>
+            <pc:docMk/>
+            <pc:sldMk cId="6222100" sldId="685"/>
+            <ac:spMk id="6" creationId="{B9BF6B8A-1DB3-C04A-9FC5-D2A10722D782}"/>
+          </ac:spMkLst>
+        </pc:spChg>
+        <pc:picChg chg="add mod">
+          <ac:chgData name="Jorge Alexis Castillo Sepúlveda" userId="46b6423b4a08acb9" providerId="LiveId" clId="{301918D1-A79B-4CB2-904D-FA6930757E5B}" dt="2023-08-03T22:21:29.912" v="1235" actId="1076"/>
+          <ac:picMkLst>
+            <pc:docMk/>
+            <pc:sldMk cId="6222100" sldId="685"/>
+            <ac:picMk id="7" creationId="{1DB48064-7E18-C698-FD5D-4E0DF57CF474}"/>
+          </ac:picMkLst>
+        </pc:picChg>
+        <pc:picChg chg="add del mod">
+          <ac:chgData name="Jorge Alexis Castillo Sepúlveda" userId="46b6423b4a08acb9" providerId="LiveId" clId="{301918D1-A79B-4CB2-904D-FA6930757E5B}" dt="2023-08-03T22:21:24.093" v="1233" actId="478"/>
+          <ac:picMkLst>
+            <pc:docMk/>
+            <pc:sldMk cId="6222100" sldId="685"/>
+            <ac:picMk id="11" creationId="{F36D1331-4F48-70A2-67A9-DFBF75F450DC}"/>
+          </ac:picMkLst>
+        </pc:picChg>
+      </pc:sldChg>
+      <pc:sldChg chg="addSp delSp modSp add mod">
+        <pc:chgData name="Jorge Alexis Castillo Sepúlveda" userId="46b6423b4a08acb9" providerId="LiveId" clId="{301918D1-A79B-4CB2-904D-FA6930757E5B}" dt="2023-08-03T22:28:36.629" v="1420" actId="20577"/>
+        <pc:sldMkLst>
+          <pc:docMk/>
+          <pc:sldMk cId="756965745" sldId="686"/>
+        </pc:sldMkLst>
+        <pc:spChg chg="del">
+          <ac:chgData name="Jorge Alexis Castillo Sepúlveda" userId="46b6423b4a08acb9" providerId="LiveId" clId="{301918D1-A79B-4CB2-904D-FA6930757E5B}" dt="2023-08-03T22:22:13.750" v="1240" actId="478"/>
+          <ac:spMkLst>
+            <pc:docMk/>
+            <pc:sldMk cId="756965745" sldId="686"/>
+            <ac:spMk id="4" creationId="{72D3A5C7-1652-1759-B662-87213A4C4986}"/>
+          </ac:spMkLst>
+        </pc:spChg>
+        <pc:spChg chg="mod">
+          <ac:chgData name="Jorge Alexis Castillo Sepúlveda" userId="46b6423b4a08acb9" providerId="LiveId" clId="{301918D1-A79B-4CB2-904D-FA6930757E5B}" dt="2023-08-03T22:28:36.629" v="1420" actId="20577"/>
+          <ac:spMkLst>
+            <pc:docMk/>
+            <pc:sldMk cId="756965745" sldId="686"/>
+            <ac:spMk id="6" creationId="{B9BF6B8A-1DB3-C04A-9FC5-D2A10722D782}"/>
+          </ac:spMkLst>
+        </pc:spChg>
+        <pc:picChg chg="add">
+          <ac:chgData name="Jorge Alexis Castillo Sepúlveda" userId="46b6423b4a08acb9" providerId="LiveId" clId="{301918D1-A79B-4CB2-904D-FA6930757E5B}" dt="2023-08-03T22:22:10.940" v="1239" actId="22"/>
+          <ac:picMkLst>
+            <pc:docMk/>
+            <pc:sldMk cId="756965745" sldId="686"/>
+            <ac:picMk id="3" creationId="{A07757FE-BD74-4F0B-FBAC-B2B3B8554443}"/>
+          </ac:picMkLst>
+        </pc:picChg>
+      </pc:sldChg>
+      <pc:sldChg chg="addSp modSp add mod">
+        <pc:chgData name="Jorge Alexis Castillo Sepúlveda" userId="46b6423b4a08acb9" providerId="LiveId" clId="{301918D1-A79B-4CB2-904D-FA6930757E5B}" dt="2023-08-03T22:28:29.007" v="1409" actId="20577"/>
+        <pc:sldMkLst>
+          <pc:docMk/>
+          <pc:sldMk cId="3231400977" sldId="687"/>
+        </pc:sldMkLst>
+        <pc:spChg chg="mod">
+          <ac:chgData name="Jorge Alexis Castillo Sepúlveda" userId="46b6423b4a08acb9" providerId="LiveId" clId="{301918D1-A79B-4CB2-904D-FA6930757E5B}" dt="2023-08-03T22:28:29.007" v="1409" actId="20577"/>
+          <ac:spMkLst>
+            <pc:docMk/>
+            <pc:sldMk cId="3231400977" sldId="687"/>
+            <ac:spMk id="6" creationId="{B9BF6B8A-1DB3-C04A-9FC5-D2A10722D782}"/>
+          </ac:spMkLst>
+        </pc:spChg>
+        <pc:picChg chg="add">
+          <ac:chgData name="Jorge Alexis Castillo Sepúlveda" userId="46b6423b4a08acb9" providerId="LiveId" clId="{301918D1-A79B-4CB2-904D-FA6930757E5B}" dt="2023-08-03T22:22:31.469" v="1241" actId="22"/>
+          <ac:picMkLst>
+            <pc:docMk/>
+            <pc:sldMk cId="3231400977" sldId="687"/>
+            <ac:picMk id="3" creationId="{17680E6F-4444-12F8-F91F-62DC5A12D7BB}"/>
+          </ac:picMkLst>
+        </pc:picChg>
+      </pc:sldChg>
+      <pc:sldChg chg="addSp delSp modSp add mod">
+        <pc:chgData name="Jorge Alexis Castillo Sepúlveda" userId="46b6423b4a08acb9" providerId="LiveId" clId="{301918D1-A79B-4CB2-904D-FA6930757E5B}" dt="2023-08-03T22:28:19.602" v="1395" actId="20577"/>
+        <pc:sldMkLst>
+          <pc:docMk/>
+          <pc:sldMk cId="1677216944" sldId="688"/>
+        </pc:sldMkLst>
+        <pc:spChg chg="del">
+          <ac:chgData name="Jorge Alexis Castillo Sepúlveda" userId="46b6423b4a08acb9" providerId="LiveId" clId="{301918D1-A79B-4CB2-904D-FA6930757E5B}" dt="2023-08-03T22:23:57.926" v="1329" actId="22"/>
+          <ac:spMkLst>
+            <pc:docMk/>
+            <pc:sldMk cId="1677216944" sldId="688"/>
+            <ac:spMk id="4" creationId="{72D3A5C7-1652-1759-B662-87213A4C4986}"/>
+          </ac:spMkLst>
+        </pc:spChg>
+        <pc:spChg chg="add mod">
+          <ac:chgData name="Jorge Alexis Castillo Sepúlveda" userId="46b6423b4a08acb9" providerId="LiveId" clId="{301918D1-A79B-4CB2-904D-FA6930757E5B}" dt="2023-08-03T22:25:25.879" v="1336" actId="1076"/>
+          <ac:spMkLst>
+            <pc:docMk/>
+            <pc:sldMk cId="1677216944" sldId="688"/>
+            <ac:spMk id="5" creationId="{8763D14F-3283-EC05-7A6C-72A09EC2A501}"/>
+          </ac:spMkLst>
+        </pc:spChg>
+        <pc:spChg chg="mod">
+          <ac:chgData name="Jorge Alexis Castillo Sepúlveda" userId="46b6423b4a08acb9" providerId="LiveId" clId="{301918D1-A79B-4CB2-904D-FA6930757E5B}" dt="2023-08-03T22:28:19.602" v="1395" actId="20577"/>
+          <ac:spMkLst>
+            <pc:docMk/>
+            <pc:sldMk cId="1677216944" sldId="688"/>
+            <ac:spMk id="6" creationId="{B9BF6B8A-1DB3-C04A-9FC5-D2A10722D782}"/>
+          </ac:spMkLst>
+        </pc:spChg>
+        <pc:picChg chg="add mod ord">
+          <ac:chgData name="Jorge Alexis Castillo Sepúlveda" userId="46b6423b4a08acb9" providerId="LiveId" clId="{301918D1-A79B-4CB2-904D-FA6930757E5B}" dt="2023-08-03T22:24:02.708" v="1331" actId="1076"/>
+          <ac:picMkLst>
+            <pc:docMk/>
+            <pc:sldMk cId="1677216944" sldId="688"/>
+            <ac:picMk id="3" creationId="{B72481A1-CD6C-4E80-7751-3A1F9793A652}"/>
+          </ac:picMkLst>
+        </pc:picChg>
+      </pc:sldChg>
+    </pc:docChg>
+  </pc:docChgLst>
+</pc:chgInfo>
+</file>
+
 <file path=ppt/notesMasters/notesMaster1.xml><?xml version="1.0" encoding="utf-8"?>
 <p:notesMaster xmlns:a="http://schemas.openxmlformats.org/drawingml/2006/main" xmlns:r="http://schemas.openxmlformats.org/officeDocument/2006/relationships" xmlns:p="http://schemas.openxmlformats.org/presentationml/2006/main">
   <p:cSld>
@@ -207,7 +539,7 @@
           <a:p>
             <a:fld id="{156DE64D-4B6D-4D84-8993-C60ED856220D}" type="datetimeFigureOut">
               <a:rPr lang="es-CL" smtClean="0"/>
-              <a:t>29-07-2023</a:t>
+              <a:t>03-08-2023</a:t>
             </a:fld>
             <a:endParaRPr lang="es-CL"/>
           </a:p>
@@ -728,7 +1060,7 @@
           <a:p>
             <a:fld id="{AD3C3AD6-729F-4D31-9583-EBE3FD049FAF}" type="datetimeFigureOut">
               <a:rPr lang="es-CL" smtClean="0"/>
-              <a:t>29-07-2023</a:t>
+              <a:t>03-08-2023</a:t>
             </a:fld>
             <a:endParaRPr lang="es-CL"/>
           </a:p>
@@ -928,7 +1260,7 @@
           <a:p>
             <a:fld id="{AD3C3AD6-729F-4D31-9583-EBE3FD049FAF}" type="datetimeFigureOut">
               <a:rPr lang="es-CL" smtClean="0"/>
-              <a:t>29-07-2023</a:t>
+              <a:t>03-08-2023</a:t>
             </a:fld>
             <a:endParaRPr lang="es-CL"/>
           </a:p>
@@ -1138,7 +1470,7 @@
           <a:p>
             <a:fld id="{AD3C3AD6-729F-4D31-9583-EBE3FD049FAF}" type="datetimeFigureOut">
               <a:rPr lang="es-CL" smtClean="0"/>
-              <a:t>29-07-2023</a:t>
+              <a:t>03-08-2023</a:t>
             </a:fld>
             <a:endParaRPr lang="es-CL"/>
           </a:p>
@@ -3009,7 +3341,7 @@
           <a:p>
             <a:fld id="{AD3C3AD6-729F-4D31-9583-EBE3FD049FAF}" type="datetimeFigureOut">
               <a:rPr lang="es-CL" smtClean="0"/>
-              <a:t>29-07-2023</a:t>
+              <a:t>03-08-2023</a:t>
             </a:fld>
             <a:endParaRPr lang="es-CL"/>
           </a:p>
@@ -3285,7 +3617,7 @@
           <a:p>
             <a:fld id="{AD3C3AD6-729F-4D31-9583-EBE3FD049FAF}" type="datetimeFigureOut">
               <a:rPr lang="es-CL" smtClean="0"/>
-              <a:t>29-07-2023</a:t>
+              <a:t>03-08-2023</a:t>
             </a:fld>
             <a:endParaRPr lang="es-CL"/>
           </a:p>
@@ -3553,7 +3885,7 @@
           <a:p>
             <a:fld id="{AD3C3AD6-729F-4D31-9583-EBE3FD049FAF}" type="datetimeFigureOut">
               <a:rPr lang="es-CL" smtClean="0"/>
-              <a:t>29-07-2023</a:t>
+              <a:t>03-08-2023</a:t>
             </a:fld>
             <a:endParaRPr lang="es-CL"/>
           </a:p>
@@ -3968,7 +4300,7 @@
           <a:p>
             <a:fld id="{AD3C3AD6-729F-4D31-9583-EBE3FD049FAF}" type="datetimeFigureOut">
               <a:rPr lang="es-CL" smtClean="0"/>
-              <a:t>29-07-2023</a:t>
+              <a:t>03-08-2023</a:t>
             </a:fld>
             <a:endParaRPr lang="es-CL"/>
           </a:p>
@@ -4110,7 +4442,7 @@
           <a:p>
             <a:fld id="{AD3C3AD6-729F-4D31-9583-EBE3FD049FAF}" type="datetimeFigureOut">
               <a:rPr lang="es-CL" smtClean="0"/>
-              <a:t>29-07-2023</a:t>
+              <a:t>03-08-2023</a:t>
             </a:fld>
             <a:endParaRPr lang="es-CL"/>
           </a:p>
@@ -4223,7 +4555,7 @@
           <a:p>
             <a:fld id="{AD3C3AD6-729F-4D31-9583-EBE3FD049FAF}" type="datetimeFigureOut">
               <a:rPr lang="es-CL" smtClean="0"/>
-              <a:t>29-07-2023</a:t>
+              <a:t>03-08-2023</a:t>
             </a:fld>
             <a:endParaRPr lang="es-CL"/>
           </a:p>
@@ -4536,7 +4868,7 @@
           <a:p>
             <a:fld id="{AD3C3AD6-729F-4D31-9583-EBE3FD049FAF}" type="datetimeFigureOut">
               <a:rPr lang="es-CL" smtClean="0"/>
-              <a:t>29-07-2023</a:t>
+              <a:t>03-08-2023</a:t>
             </a:fld>
             <a:endParaRPr lang="es-CL"/>
           </a:p>
@@ -4825,7 +5157,7 @@
           <a:p>
             <a:fld id="{AD3C3AD6-729F-4D31-9583-EBE3FD049FAF}" type="datetimeFigureOut">
               <a:rPr lang="es-CL" smtClean="0"/>
-              <a:t>29-07-2023</a:t>
+              <a:t>03-08-2023</a:t>
             </a:fld>
             <a:endParaRPr lang="es-CL"/>
           </a:p>
@@ -5076,7 +5408,7 @@
           <a:p>
             <a:fld id="{AD3C3AD6-729F-4D31-9583-EBE3FD049FAF}" type="datetimeFigureOut">
               <a:rPr lang="es-CL" smtClean="0"/>
-              <a:t>29-07-2023</a:t>
+              <a:t>03-08-2023</a:t>
             </a:fld>
             <a:endParaRPr lang="es-CL"/>
           </a:p>
@@ -7732,7 +8064,7 @@
           <a:lstStyle/>
           <a:p>
             <a:r>
-              <a:rPr lang="es-ES" b="1" dirty="0">
+              <a:rPr lang="es-ES" b="1" dirty="0" err="1">
                 <a:solidFill>
                   <a:schemeClr val="bg1"/>
                 </a:solidFill>
@@ -7740,7 +8072,18 @@
                 <a:ea typeface="Arial Narrow" charset="0"/>
                 <a:cs typeface="Arial Narrow" charset="0"/>
               </a:rPr>
-              <a:t>¿Qué sigue?</a:t>
+              <a:t>Overtfitting</a:t>
+            </a:r>
+            <a:r>
+              <a:rPr lang="es-ES" b="1" dirty="0">
+                <a:solidFill>
+                  <a:schemeClr val="bg1"/>
+                </a:solidFill>
+                <a:latin typeface="Myriad Pro Cond" panose="020B0506030403020204" pitchFamily="34" charset="0"/>
+                <a:ea typeface="Arial Narrow" charset="0"/>
+                <a:cs typeface="Arial Narrow" charset="0"/>
+              </a:rPr>
+              <a:t> en árboles de decisión</a:t>
             </a:r>
             <a:endParaRPr lang="es-ES_tradnl" b="1" dirty="0">
               <a:solidFill>
@@ -7753,99 +8096,872 @@
           </a:p>
         </p:txBody>
       </p:sp>
+      <mc:AlternateContent xmlns:mc="http://schemas.openxmlformats.org/markup-compatibility/2006">
+        <mc:Choice xmlns:a14="http://schemas.microsoft.com/office/drawing/2010/main" Requires="a14">
+          <p:sp>
+            <p:nvSpPr>
+              <p:cNvPr id="3" name="Marcador de contenido 1">
+                <a:extLst>
+                  <a:ext uri="{FF2B5EF4-FFF2-40B4-BE49-F238E27FC236}">
+                    <a16:creationId xmlns:a16="http://schemas.microsoft.com/office/drawing/2014/main" id="{509E6064-0DA4-0C53-386D-947EDD127B7D}"/>
+                  </a:ext>
+                </a:extLst>
+              </p:cNvPr>
+              <p:cNvSpPr>
+                <a:spLocks noGrp="1"/>
+              </p:cNvSpPr>
+              <p:nvPr>
+                <p:ph idx="1"/>
+              </p:nvPr>
+            </p:nvSpPr>
+            <p:spPr>
+              <a:xfrm>
+                <a:off x="171225" y="935916"/>
+                <a:ext cx="6795633" cy="5766097"/>
+              </a:xfrm>
+            </p:spPr>
+            <p:txBody>
+              <a:bodyPr>
+                <a:normAutofit/>
+              </a:bodyPr>
+              <a:lstStyle/>
+              <a:p>
+                <a:pPr marL="0" indent="0">
+                  <a:buNone/>
+                </a:pPr>
+                <a:r>
+                  <a:rPr lang="es-CL" dirty="0"/>
+                  <a:t>El sobreajuste es una de las desventajas más notorias en el modelamiento de los árboles de decisión. Sin embargo, hay maneras de evitarlo y frente a ello, tenemos dos enfoques principales:</a:t>
+                </a:r>
+              </a:p>
+              <a:p>
+                <a:pPr marL="285750" indent="-285750"/>
+                <a:r>
+                  <a:rPr lang="es-CL" dirty="0" err="1"/>
+                  <a:t>Pre-poda</a:t>
+                </a:r>
+                <a:r>
+                  <a:rPr lang="es-CL" dirty="0"/>
+                  <a:t>: antes del entrenamiento se restringen parámetros estructurales del árbol.</a:t>
+                </a:r>
+              </a:p>
+              <a:p>
+                <a:pPr marL="742950" lvl="1" indent="-285750"/>
+                <a:r>
+                  <a:rPr lang="es-CL" b="1" dirty="0"/>
+                  <a:t>Profundidad máxima (</a:t>
+                </a:r>
+                <a:r>
+                  <a:rPr lang="es-CL" b="1" dirty="0" err="1"/>
+                  <a:t>max_deepth</a:t>
+                </a:r>
+                <a:r>
+                  <a:rPr lang="es-CL" b="1" dirty="0"/>
+                  <a:t>). </a:t>
+                </a:r>
+                <a:r>
+                  <a:rPr lang="es-CL" dirty="0"/>
+                  <a:t>Entre más lejos esté el nodo terminal, más particiones del espacio hacemos, por lo que se pueden caer en regiones excesivamente pequeñas</a:t>
+                </a:r>
+              </a:p>
+              <a:p>
+                <a:pPr marL="742950" lvl="1" indent="-285750"/>
+                <a:r>
+                  <a:rPr lang="es-CL" b="1" dirty="0"/>
+                  <a:t>Mínimo de datos por nodo para separación (</a:t>
+                </a:r>
+                <a:r>
+                  <a:rPr lang="es-CL" b="1" dirty="0" err="1"/>
+                  <a:t>min_samples_split</a:t>
+                </a:r>
+                <a:r>
+                  <a:rPr lang="es-CL" b="1" dirty="0"/>
+                  <a:t>): </a:t>
+                </a:r>
+                <a:r>
+                  <a:rPr lang="es-CL" dirty="0"/>
+                  <a:t>controla cuales divisiones deberían hacerse en el proceso de entrenamiento. Por defecto es 2.</a:t>
+                </a:r>
+              </a:p>
+              <a:p>
+                <a:pPr marL="742950" lvl="1" indent="-285750"/>
+                <a:r>
+                  <a:rPr lang="es-CL" b="1" dirty="0"/>
+                  <a:t>Mínimo de datos por hoja (</a:t>
+                </a:r>
+                <a:r>
+                  <a:rPr lang="es-CL" b="1" dirty="0" err="1"/>
+                  <a:t>min_samples_leaf</a:t>
+                </a:r>
+                <a:r>
+                  <a:rPr lang="es-CL" b="1" dirty="0"/>
+                  <a:t>): </a:t>
+                </a:r>
+                <a:r>
+                  <a:rPr lang="es-CL" dirty="0"/>
+                  <a:t>Permite controlar el </a:t>
+                </a:r>
+                <a:r>
+                  <a:rPr lang="es-CL" dirty="0" err="1"/>
+                  <a:t>huprparámetro</a:t>
+                </a:r>
+                <a:r>
+                  <a:rPr lang="es-CL" dirty="0"/>
+                  <a:t> anterior. Obliga a que cada hoja (terminaciones de una rama) deba tener un mínimo de datos. Por defecto es 1</a:t>
+                </a:r>
+              </a:p>
+              <a:p>
+                <a:pPr marL="285750" indent="-285750"/>
+                <a:r>
+                  <a:rPr lang="es-CL" dirty="0" err="1"/>
+                  <a:t>Post-poda</a:t>
+                </a:r>
+                <a:r>
+                  <a:rPr lang="es-CL" dirty="0"/>
+                  <a:t>: </a:t>
+                </a:r>
+              </a:p>
+              <a:p>
+                <a:pPr marL="742950" lvl="1" indent="-285750"/>
+                <a:r>
+                  <a:rPr lang="es-CL" b="1" dirty="0" err="1"/>
+                  <a:t>Minimal</a:t>
+                </a:r>
+                <a:r>
+                  <a:rPr lang="es-CL" b="1" dirty="0"/>
+                  <a:t> </a:t>
+                </a:r>
+                <a:r>
+                  <a:rPr lang="es-CL" b="1" dirty="0" err="1"/>
+                  <a:t>Cost-Complexity</a:t>
+                </a:r>
+                <a:r>
+                  <a:rPr lang="es-CL" b="1" dirty="0"/>
+                  <a:t> </a:t>
+                </a:r>
+                <a:r>
+                  <a:rPr lang="es-CL" b="1" dirty="0" err="1"/>
+                  <a:t>Pruning</a:t>
+                </a:r>
+                <a:r>
+                  <a:rPr lang="es-CL" dirty="0"/>
+                  <a:t>: a través de un parámetro </a:t>
+                </a:r>
+                <a14:m>
+                  <m:oMath xmlns:m="http://schemas.openxmlformats.org/officeDocument/2006/math">
+                    <m:r>
+                      <a:rPr lang="es-CL" i="1" smtClean="0">
+                        <a:latin typeface="Cambria Math" panose="02040503050406030204" pitchFamily="18" charset="0"/>
+                        <a:ea typeface="Cambria Math" panose="02040503050406030204" pitchFamily="18" charset="0"/>
+                      </a:rPr>
+                      <m:t>𝛼</m:t>
+                    </m:r>
+                  </m:oMath>
+                </a14:m>
+                <a:r>
+                  <a:rPr lang="es-CL" dirty="0"/>
+                  <a:t> se podan ciertas ramas después del entrenamiento. Está controlado bajo el </a:t>
+                </a:r>
+                <a:r>
+                  <a:rPr lang="es-CL" dirty="0" err="1"/>
+                  <a:t>hiperpárametro</a:t>
+                </a:r>
+                <a:r>
+                  <a:rPr lang="es-CL" dirty="0"/>
+                  <a:t> </a:t>
+                </a:r>
+                <a:r>
+                  <a:rPr lang="en-US" b="1" dirty="0" err="1"/>
+                  <a:t>ccp_alpha</a:t>
+                </a:r>
+                <a:r>
+                  <a:rPr lang="en-US" dirty="0"/>
+                  <a:t> </a:t>
+                </a:r>
+                <a:r>
+                  <a:rPr lang="en-US" dirty="0" err="1"/>
+                  <a:t>en</a:t>
+                </a:r>
+                <a:r>
+                  <a:rPr lang="en-US" dirty="0"/>
+                  <a:t> la </a:t>
+                </a:r>
+                <a:r>
+                  <a:rPr lang="en-US" dirty="0" err="1"/>
+                  <a:t>implementación</a:t>
+                </a:r>
+                <a:r>
+                  <a:rPr lang="en-US" dirty="0"/>
+                  <a:t> </a:t>
+                </a:r>
+                <a:r>
+                  <a:rPr lang="en-US" dirty="0" err="1"/>
+                  <a:t>en</a:t>
+                </a:r>
+                <a:r>
+                  <a:rPr lang="en-US" dirty="0"/>
+                  <a:t> scikit-learn.</a:t>
+                </a:r>
+                <a:endParaRPr lang="es-CL" dirty="0"/>
+              </a:p>
+              <a:p>
+                <a:pPr marL="742950" lvl="1" indent="-285750"/>
+                <a:endParaRPr lang="es-CL" dirty="0"/>
+              </a:p>
+              <a:p>
+                <a:pPr marL="0" indent="0">
+                  <a:buNone/>
+                </a:pPr>
+                <a:endParaRPr lang="es-CL" dirty="0"/>
+              </a:p>
+              <a:p>
+                <a:pPr marL="0" indent="0">
+                  <a:buNone/>
+                </a:pPr>
+                <a:endParaRPr lang="es-CL" dirty="0"/>
+              </a:p>
+              <a:p>
+                <a:pPr marL="0" indent="0">
+                  <a:buNone/>
+                </a:pPr>
+                <a:endParaRPr lang="es-CL" dirty="0"/>
+              </a:p>
+              <a:p>
+                <a:pPr marL="0" indent="0">
+                  <a:buNone/>
+                </a:pPr>
+                <a:endParaRPr lang="es-CL" dirty="0"/>
+              </a:p>
+              <a:p>
+                <a:pPr marL="0" indent="0">
+                  <a:buNone/>
+                </a:pPr>
+                <a:endParaRPr lang="es-CL" dirty="0"/>
+              </a:p>
+            </p:txBody>
+          </p:sp>
+        </mc:Choice>
+        <mc:Fallback>
+          <p:sp>
+            <p:nvSpPr>
+              <p:cNvPr id="3" name="Marcador de contenido 1">
+                <a:extLst>
+                  <a:ext uri="{FF2B5EF4-FFF2-40B4-BE49-F238E27FC236}">
+                    <a16:creationId xmlns:a16="http://schemas.microsoft.com/office/drawing/2014/main" id="{509E6064-0DA4-0C53-386D-947EDD127B7D}"/>
+                  </a:ext>
+                </a:extLst>
+              </p:cNvPr>
+              <p:cNvSpPr>
+                <a:spLocks noGrp="1" noRot="1" noChangeAspect="1" noMove="1" noResize="1" noEditPoints="1" noAdjustHandles="1" noChangeArrowheads="1" noChangeShapeType="1" noTextEdit="1"/>
+              </p:cNvSpPr>
+              <p:nvPr>
+                <p:ph idx="1"/>
+              </p:nvPr>
+            </p:nvSpPr>
+            <p:spPr>
+              <a:xfrm>
+                <a:off x="171225" y="935916"/>
+                <a:ext cx="6795633" cy="5766097"/>
+              </a:xfrm>
+              <a:blipFill>
+                <a:blip r:embed="rId2"/>
+                <a:stretch>
+                  <a:fillRect l="-717" r="-897"/>
+                </a:stretch>
+              </a:blipFill>
+            </p:spPr>
+            <p:txBody>
+              <a:bodyPr/>
+              <a:lstStyle/>
+              <a:p>
+                <a:r>
+                  <a:rPr lang="en-US">
+                    <a:noFill/>
+                  </a:rPr>
+                  <a:t> </a:t>
+                </a:r>
+              </a:p>
+            </p:txBody>
+          </p:sp>
+        </mc:Fallback>
+      </mc:AlternateContent>
       <p:sp>
         <p:nvSpPr>
-          <p:cNvPr id="3" name="Marcador de contenido 1">
+          <p:cNvPr id="8" name="Marcador de contenido 1">
             <a:extLst>
               <a:ext uri="{FF2B5EF4-FFF2-40B4-BE49-F238E27FC236}">
-                <a16:creationId xmlns:a16="http://schemas.microsoft.com/office/drawing/2014/main" id="{509E6064-0DA4-0C53-386D-947EDD127B7D}"/>
+                <a16:creationId xmlns:a16="http://schemas.microsoft.com/office/drawing/2014/main" id="{F22B2A3D-7090-9A77-BBC2-684E97930BAE}"/>
               </a:ext>
             </a:extLst>
           </p:cNvPr>
-          <p:cNvSpPr>
-            <a:spLocks noGrp="1"/>
+          <p:cNvSpPr txBox="1">
+            <a:spLocks/>
           </p:cNvSpPr>
-          <p:nvPr>
-            <p:ph idx="1"/>
-          </p:nvPr>
+          <p:nvPr/>
         </p:nvSpPr>
         <p:spPr>
           <a:xfrm>
-            <a:off x="171226" y="935916"/>
-            <a:ext cx="6238452" cy="5766097"/>
+            <a:off x="476026" y="1240716"/>
+            <a:ext cx="11888096" cy="5766097"/>
           </a:xfrm>
+          <a:prstGeom prst="rect">
+            <a:avLst/>
+          </a:prstGeom>
         </p:spPr>
         <p:txBody>
-          <a:bodyPr>
+          <a:bodyPr vert="horz" lIns="91440" tIns="45720" rIns="91440" bIns="45720" rtlCol="0">
             <a:normAutofit/>
           </a:bodyPr>
+          <a:lstStyle>
+            <a:lvl1pPr marL="228600" indent="-228600" algn="l" defTabSz="914400" rtl="0" eaLnBrk="1" latinLnBrk="0" hangingPunct="1">
+              <a:lnSpc>
+                <a:spcPct val="90000"/>
+              </a:lnSpc>
+              <a:spcBef>
+                <a:spcPts val="1000"/>
+              </a:spcBef>
+              <a:buFont typeface="Arial" panose="020B0604020202020204" pitchFamily="34" charset="0"/>
+              <a:buChar char="•"/>
+              <a:defRPr sz="2800" kern="1200">
+                <a:solidFill>
+                  <a:schemeClr val="tx1"/>
+                </a:solidFill>
+                <a:latin typeface="+mn-lt"/>
+                <a:ea typeface="+mn-ea"/>
+                <a:cs typeface="+mn-cs"/>
+              </a:defRPr>
+            </a:lvl1pPr>
+            <a:lvl2pPr marL="685800" indent="-228600" algn="l" defTabSz="914400" rtl="0" eaLnBrk="1" latinLnBrk="0" hangingPunct="1">
+              <a:lnSpc>
+                <a:spcPct val="90000"/>
+              </a:lnSpc>
+              <a:spcBef>
+                <a:spcPts val="500"/>
+              </a:spcBef>
+              <a:buFont typeface="Arial" panose="020B0604020202020204" pitchFamily="34" charset="0"/>
+              <a:buChar char="•"/>
+              <a:defRPr sz="2400" kern="1200">
+                <a:solidFill>
+                  <a:schemeClr val="tx1"/>
+                </a:solidFill>
+                <a:latin typeface="+mn-lt"/>
+                <a:ea typeface="+mn-ea"/>
+                <a:cs typeface="+mn-cs"/>
+              </a:defRPr>
+            </a:lvl2pPr>
+            <a:lvl3pPr marL="1143000" indent="-228600" algn="l" defTabSz="914400" rtl="0" eaLnBrk="1" latinLnBrk="0" hangingPunct="1">
+              <a:lnSpc>
+                <a:spcPct val="90000"/>
+              </a:lnSpc>
+              <a:spcBef>
+                <a:spcPts val="500"/>
+              </a:spcBef>
+              <a:buFont typeface="Arial" panose="020B0604020202020204" pitchFamily="34" charset="0"/>
+              <a:buChar char="•"/>
+              <a:defRPr sz="2000" kern="1200">
+                <a:solidFill>
+                  <a:schemeClr val="tx1"/>
+                </a:solidFill>
+                <a:latin typeface="+mn-lt"/>
+                <a:ea typeface="+mn-ea"/>
+                <a:cs typeface="+mn-cs"/>
+              </a:defRPr>
+            </a:lvl3pPr>
+            <a:lvl4pPr marL="1600200" indent="-228600" algn="l" defTabSz="914400" rtl="0" eaLnBrk="1" latinLnBrk="0" hangingPunct="1">
+              <a:lnSpc>
+                <a:spcPct val="90000"/>
+              </a:lnSpc>
+              <a:spcBef>
+                <a:spcPts val="500"/>
+              </a:spcBef>
+              <a:buFont typeface="Arial" panose="020B0604020202020204" pitchFamily="34" charset="0"/>
+              <a:buChar char="•"/>
+              <a:defRPr sz="1800" kern="1200">
+                <a:solidFill>
+                  <a:schemeClr val="tx1"/>
+                </a:solidFill>
+                <a:latin typeface="+mn-lt"/>
+                <a:ea typeface="+mn-ea"/>
+                <a:cs typeface="+mn-cs"/>
+              </a:defRPr>
+            </a:lvl4pPr>
+            <a:lvl5pPr marL="2057400" indent="-228600" algn="l" defTabSz="914400" rtl="0" eaLnBrk="1" latinLnBrk="0" hangingPunct="1">
+              <a:lnSpc>
+                <a:spcPct val="90000"/>
+              </a:lnSpc>
+              <a:spcBef>
+                <a:spcPts val="500"/>
+              </a:spcBef>
+              <a:buFont typeface="Arial" panose="020B0604020202020204" pitchFamily="34" charset="0"/>
+              <a:buChar char="•"/>
+              <a:defRPr sz="1800" kern="1200">
+                <a:solidFill>
+                  <a:schemeClr val="tx1"/>
+                </a:solidFill>
+                <a:latin typeface="+mn-lt"/>
+                <a:ea typeface="+mn-ea"/>
+                <a:cs typeface="+mn-cs"/>
+              </a:defRPr>
+            </a:lvl5pPr>
+            <a:lvl6pPr marL="2514600" indent="-228600" algn="l" defTabSz="914400" rtl="0" eaLnBrk="1" latinLnBrk="0" hangingPunct="1">
+              <a:lnSpc>
+                <a:spcPct val="90000"/>
+              </a:lnSpc>
+              <a:spcBef>
+                <a:spcPts val="500"/>
+              </a:spcBef>
+              <a:buFont typeface="Arial" panose="020B0604020202020204" pitchFamily="34" charset="0"/>
+              <a:buChar char="•"/>
+              <a:defRPr sz="1800" kern="1200">
+                <a:solidFill>
+                  <a:schemeClr val="tx1"/>
+                </a:solidFill>
+                <a:latin typeface="+mn-lt"/>
+                <a:ea typeface="+mn-ea"/>
+                <a:cs typeface="+mn-cs"/>
+              </a:defRPr>
+            </a:lvl6pPr>
+            <a:lvl7pPr marL="2971800" indent="-228600" algn="l" defTabSz="914400" rtl="0" eaLnBrk="1" latinLnBrk="0" hangingPunct="1">
+              <a:lnSpc>
+                <a:spcPct val="90000"/>
+              </a:lnSpc>
+              <a:spcBef>
+                <a:spcPts val="500"/>
+              </a:spcBef>
+              <a:buFont typeface="Arial" panose="020B0604020202020204" pitchFamily="34" charset="0"/>
+              <a:buChar char="•"/>
+              <a:defRPr sz="1800" kern="1200">
+                <a:solidFill>
+                  <a:schemeClr val="tx1"/>
+                </a:solidFill>
+                <a:latin typeface="+mn-lt"/>
+                <a:ea typeface="+mn-ea"/>
+                <a:cs typeface="+mn-cs"/>
+              </a:defRPr>
+            </a:lvl7pPr>
+            <a:lvl8pPr marL="3429000" indent="-228600" algn="l" defTabSz="914400" rtl="0" eaLnBrk="1" latinLnBrk="0" hangingPunct="1">
+              <a:lnSpc>
+                <a:spcPct val="90000"/>
+              </a:lnSpc>
+              <a:spcBef>
+                <a:spcPts val="500"/>
+              </a:spcBef>
+              <a:buFont typeface="Arial" panose="020B0604020202020204" pitchFamily="34" charset="0"/>
+              <a:buChar char="•"/>
+              <a:defRPr sz="1800" kern="1200">
+                <a:solidFill>
+                  <a:schemeClr val="tx1"/>
+                </a:solidFill>
+                <a:latin typeface="+mn-lt"/>
+                <a:ea typeface="+mn-ea"/>
+                <a:cs typeface="+mn-cs"/>
+              </a:defRPr>
+            </a:lvl8pPr>
+            <a:lvl9pPr marL="3886200" indent="-228600" algn="l" defTabSz="914400" rtl="0" eaLnBrk="1" latinLnBrk="0" hangingPunct="1">
+              <a:lnSpc>
+                <a:spcPct val="90000"/>
+              </a:lnSpc>
+              <a:spcBef>
+                <a:spcPts val="500"/>
+              </a:spcBef>
+              <a:buFont typeface="Arial" panose="020B0604020202020204" pitchFamily="34" charset="0"/>
+              <a:buChar char="•"/>
+              <a:defRPr sz="1800" kern="1200">
+                <a:solidFill>
+                  <a:schemeClr val="tx1"/>
+                </a:solidFill>
+                <a:latin typeface="+mn-lt"/>
+                <a:ea typeface="+mn-ea"/>
+                <a:cs typeface="+mn-cs"/>
+              </a:defRPr>
+            </a:lvl9pPr>
+          </a:lstStyle>
+          <a:p>
+            <a:pPr marL="0" indent="0">
+              <a:buFont typeface="Arial" panose="020B0604020202020204" pitchFamily="34" charset="0"/>
+              <a:buNone/>
+            </a:pPr>
+            <a:endParaRPr lang="es-CL" dirty="0"/>
+          </a:p>
+          <a:p>
+            <a:pPr marL="0" indent="0">
+              <a:buFont typeface="Arial" panose="020B0604020202020204" pitchFamily="34" charset="0"/>
+              <a:buNone/>
+            </a:pPr>
+            <a:endParaRPr lang="es-CL" dirty="0"/>
+          </a:p>
+          <a:p>
+            <a:pPr marL="0" indent="0">
+              <a:buFont typeface="Arial" panose="020B0604020202020204" pitchFamily="34" charset="0"/>
+              <a:buNone/>
+            </a:pPr>
+            <a:endParaRPr lang="es-CL" dirty="0"/>
+          </a:p>
+          <a:p>
+            <a:pPr marL="0" indent="0">
+              <a:buFont typeface="Arial" panose="020B0604020202020204" pitchFamily="34" charset="0"/>
+              <a:buNone/>
+            </a:pPr>
+            <a:endParaRPr lang="es-CL" dirty="0"/>
+          </a:p>
+          <a:p>
+            <a:pPr marL="0" indent="0">
+              <a:buFont typeface="Arial" panose="020B0604020202020204" pitchFamily="34" charset="0"/>
+              <a:buNone/>
+            </a:pPr>
+            <a:endParaRPr lang="es-CL" dirty="0"/>
+          </a:p>
+        </p:txBody>
+      </p:sp>
+      <p:sp>
+        <p:nvSpPr>
+          <p:cNvPr id="10" name="Marcador de contenido 1">
+            <a:extLst>
+              <a:ext uri="{FF2B5EF4-FFF2-40B4-BE49-F238E27FC236}">
+                <a16:creationId xmlns:a16="http://schemas.microsoft.com/office/drawing/2014/main" id="{DBD3B9B2-9415-82BF-01C3-1837C11C66FF}"/>
+              </a:ext>
+            </a:extLst>
+          </p:cNvPr>
+          <p:cNvSpPr txBox="1">
+            <a:spLocks/>
+          </p:cNvSpPr>
+          <p:nvPr/>
+        </p:nvSpPr>
+        <p:spPr>
+          <a:xfrm>
+            <a:off x="-69227" y="915701"/>
+            <a:ext cx="11888096" cy="5766097"/>
+          </a:xfrm>
+          <a:prstGeom prst="rect">
+            <a:avLst/>
+          </a:prstGeom>
+        </p:spPr>
+        <p:txBody>
+          <a:bodyPr vert="horz" lIns="91440" tIns="45720" rIns="91440" bIns="45720" rtlCol="0">
+            <a:normAutofit/>
+          </a:bodyPr>
+          <a:lstStyle>
+            <a:lvl1pPr marL="228600" indent="-228600" algn="l" defTabSz="914400" rtl="0" eaLnBrk="1" latinLnBrk="0" hangingPunct="1">
+              <a:lnSpc>
+                <a:spcPct val="90000"/>
+              </a:lnSpc>
+              <a:spcBef>
+                <a:spcPts val="1000"/>
+              </a:spcBef>
+              <a:buFont typeface="Arial" panose="020B0604020202020204" pitchFamily="34" charset="0"/>
+              <a:buChar char="•"/>
+              <a:defRPr sz="2800" kern="1200">
+                <a:solidFill>
+                  <a:schemeClr val="tx1"/>
+                </a:solidFill>
+                <a:latin typeface="+mn-lt"/>
+                <a:ea typeface="+mn-ea"/>
+                <a:cs typeface="+mn-cs"/>
+              </a:defRPr>
+            </a:lvl1pPr>
+            <a:lvl2pPr marL="685800" indent="-228600" algn="l" defTabSz="914400" rtl="0" eaLnBrk="1" latinLnBrk="0" hangingPunct="1">
+              <a:lnSpc>
+                <a:spcPct val="90000"/>
+              </a:lnSpc>
+              <a:spcBef>
+                <a:spcPts val="500"/>
+              </a:spcBef>
+              <a:buFont typeface="Arial" panose="020B0604020202020204" pitchFamily="34" charset="0"/>
+              <a:buChar char="•"/>
+              <a:defRPr sz="2400" kern="1200">
+                <a:solidFill>
+                  <a:schemeClr val="tx1"/>
+                </a:solidFill>
+                <a:latin typeface="+mn-lt"/>
+                <a:ea typeface="+mn-ea"/>
+                <a:cs typeface="+mn-cs"/>
+              </a:defRPr>
+            </a:lvl2pPr>
+            <a:lvl3pPr marL="1143000" indent="-228600" algn="l" defTabSz="914400" rtl="0" eaLnBrk="1" latinLnBrk="0" hangingPunct="1">
+              <a:lnSpc>
+                <a:spcPct val="90000"/>
+              </a:lnSpc>
+              <a:spcBef>
+                <a:spcPts val="500"/>
+              </a:spcBef>
+              <a:buFont typeface="Arial" panose="020B0604020202020204" pitchFamily="34" charset="0"/>
+              <a:buChar char="•"/>
+              <a:defRPr sz="2000" kern="1200">
+                <a:solidFill>
+                  <a:schemeClr val="tx1"/>
+                </a:solidFill>
+                <a:latin typeface="+mn-lt"/>
+                <a:ea typeface="+mn-ea"/>
+                <a:cs typeface="+mn-cs"/>
+              </a:defRPr>
+            </a:lvl3pPr>
+            <a:lvl4pPr marL="1600200" indent="-228600" algn="l" defTabSz="914400" rtl="0" eaLnBrk="1" latinLnBrk="0" hangingPunct="1">
+              <a:lnSpc>
+                <a:spcPct val="90000"/>
+              </a:lnSpc>
+              <a:spcBef>
+                <a:spcPts val="500"/>
+              </a:spcBef>
+              <a:buFont typeface="Arial" panose="020B0604020202020204" pitchFamily="34" charset="0"/>
+              <a:buChar char="•"/>
+              <a:defRPr sz="1800" kern="1200">
+                <a:solidFill>
+                  <a:schemeClr val="tx1"/>
+                </a:solidFill>
+                <a:latin typeface="+mn-lt"/>
+                <a:ea typeface="+mn-ea"/>
+                <a:cs typeface="+mn-cs"/>
+              </a:defRPr>
+            </a:lvl4pPr>
+            <a:lvl5pPr marL="2057400" indent="-228600" algn="l" defTabSz="914400" rtl="0" eaLnBrk="1" latinLnBrk="0" hangingPunct="1">
+              <a:lnSpc>
+                <a:spcPct val="90000"/>
+              </a:lnSpc>
+              <a:spcBef>
+                <a:spcPts val="500"/>
+              </a:spcBef>
+              <a:buFont typeface="Arial" panose="020B0604020202020204" pitchFamily="34" charset="0"/>
+              <a:buChar char="•"/>
+              <a:defRPr sz="1800" kern="1200">
+                <a:solidFill>
+                  <a:schemeClr val="tx1"/>
+                </a:solidFill>
+                <a:latin typeface="+mn-lt"/>
+                <a:ea typeface="+mn-ea"/>
+                <a:cs typeface="+mn-cs"/>
+              </a:defRPr>
+            </a:lvl5pPr>
+            <a:lvl6pPr marL="2514600" indent="-228600" algn="l" defTabSz="914400" rtl="0" eaLnBrk="1" latinLnBrk="0" hangingPunct="1">
+              <a:lnSpc>
+                <a:spcPct val="90000"/>
+              </a:lnSpc>
+              <a:spcBef>
+                <a:spcPts val="500"/>
+              </a:spcBef>
+              <a:buFont typeface="Arial" panose="020B0604020202020204" pitchFamily="34" charset="0"/>
+              <a:buChar char="•"/>
+              <a:defRPr sz="1800" kern="1200">
+                <a:solidFill>
+                  <a:schemeClr val="tx1"/>
+                </a:solidFill>
+                <a:latin typeface="+mn-lt"/>
+                <a:ea typeface="+mn-ea"/>
+                <a:cs typeface="+mn-cs"/>
+              </a:defRPr>
+            </a:lvl6pPr>
+            <a:lvl7pPr marL="2971800" indent="-228600" algn="l" defTabSz="914400" rtl="0" eaLnBrk="1" latinLnBrk="0" hangingPunct="1">
+              <a:lnSpc>
+                <a:spcPct val="90000"/>
+              </a:lnSpc>
+              <a:spcBef>
+                <a:spcPts val="500"/>
+              </a:spcBef>
+              <a:buFont typeface="Arial" panose="020B0604020202020204" pitchFamily="34" charset="0"/>
+              <a:buChar char="•"/>
+              <a:defRPr sz="1800" kern="1200">
+                <a:solidFill>
+                  <a:schemeClr val="tx1"/>
+                </a:solidFill>
+                <a:latin typeface="+mn-lt"/>
+                <a:ea typeface="+mn-ea"/>
+                <a:cs typeface="+mn-cs"/>
+              </a:defRPr>
+            </a:lvl7pPr>
+            <a:lvl8pPr marL="3429000" indent="-228600" algn="l" defTabSz="914400" rtl="0" eaLnBrk="1" latinLnBrk="0" hangingPunct="1">
+              <a:lnSpc>
+                <a:spcPct val="90000"/>
+              </a:lnSpc>
+              <a:spcBef>
+                <a:spcPts val="500"/>
+              </a:spcBef>
+              <a:buFont typeface="Arial" panose="020B0604020202020204" pitchFamily="34" charset="0"/>
+              <a:buChar char="•"/>
+              <a:defRPr sz="1800" kern="1200">
+                <a:solidFill>
+                  <a:schemeClr val="tx1"/>
+                </a:solidFill>
+                <a:latin typeface="+mn-lt"/>
+                <a:ea typeface="+mn-ea"/>
+                <a:cs typeface="+mn-cs"/>
+              </a:defRPr>
+            </a:lvl8pPr>
+            <a:lvl9pPr marL="3886200" indent="-228600" algn="l" defTabSz="914400" rtl="0" eaLnBrk="1" latinLnBrk="0" hangingPunct="1">
+              <a:lnSpc>
+                <a:spcPct val="90000"/>
+              </a:lnSpc>
+              <a:spcBef>
+                <a:spcPts val="500"/>
+              </a:spcBef>
+              <a:buFont typeface="Arial" panose="020B0604020202020204" pitchFamily="34" charset="0"/>
+              <a:buChar char="•"/>
+              <a:defRPr sz="1800" kern="1200">
+                <a:solidFill>
+                  <a:schemeClr val="tx1"/>
+                </a:solidFill>
+                <a:latin typeface="+mn-lt"/>
+                <a:ea typeface="+mn-ea"/>
+                <a:cs typeface="+mn-cs"/>
+              </a:defRPr>
+            </a:lvl9pPr>
+          </a:lstStyle>
+          <a:p>
+            <a:pPr marL="0" indent="0">
+              <a:buFont typeface="Arial" panose="020B0604020202020204" pitchFamily="34" charset="0"/>
+              <a:buNone/>
+            </a:pPr>
+            <a:endParaRPr lang="es-CL"/>
+          </a:p>
+          <a:p>
+            <a:pPr marL="0" indent="0">
+              <a:buFont typeface="Arial" panose="020B0604020202020204" pitchFamily="34" charset="0"/>
+              <a:buNone/>
+            </a:pPr>
+            <a:endParaRPr lang="es-CL"/>
+          </a:p>
+          <a:p>
+            <a:pPr marL="0" indent="0">
+              <a:buFont typeface="Arial" panose="020B0604020202020204" pitchFamily="34" charset="0"/>
+              <a:buNone/>
+            </a:pPr>
+            <a:endParaRPr lang="es-CL"/>
+          </a:p>
+          <a:p>
+            <a:pPr marL="0" indent="0">
+              <a:buFont typeface="Arial" panose="020B0604020202020204" pitchFamily="34" charset="0"/>
+              <a:buNone/>
+            </a:pPr>
+            <a:endParaRPr lang="es-CL"/>
+          </a:p>
+          <a:p>
+            <a:pPr marL="0" indent="0">
+              <a:buFont typeface="Arial" panose="020B0604020202020204" pitchFamily="34" charset="0"/>
+              <a:buNone/>
+            </a:pPr>
+            <a:endParaRPr lang="es-CL" dirty="0"/>
+          </a:p>
+        </p:txBody>
+      </p:sp>
+    </p:spTree>
+    <p:extLst>
+      <p:ext uri="{BB962C8B-B14F-4D97-AF65-F5344CB8AC3E}">
+        <p14:creationId xmlns:p14="http://schemas.microsoft.com/office/powerpoint/2010/main" val="2866050063"/>
+      </p:ext>
+    </p:extLst>
+  </p:cSld>
+  <p:clrMapOvr>
+    <a:masterClrMapping/>
+  </p:clrMapOvr>
+  <mc:AlternateContent xmlns:mc="http://schemas.openxmlformats.org/markup-compatibility/2006" xmlns:p14="http://schemas.microsoft.com/office/powerpoint/2010/main">
+    <mc:Choice Requires="p14">
+      <p:transition spd="slow" p14:dur="1200">
+        <p14:prism/>
+      </p:transition>
+    </mc:Choice>
+    <mc:Fallback xmlns="">
+      <p:transition spd="slow">
+        <p:fade/>
+      </p:transition>
+    </mc:Fallback>
+  </mc:AlternateContent>
+</p:sld>
+</file>
+
+<file path=ppt/slides/slide11.xml><?xml version="1.0" encoding="utf-8"?>
+<p:sld xmlns:a="http://schemas.openxmlformats.org/drawingml/2006/main" xmlns:r="http://schemas.openxmlformats.org/officeDocument/2006/relationships" xmlns:p="http://schemas.openxmlformats.org/presentationml/2006/main">
+  <p:cSld>
+    <p:spTree>
+      <p:nvGrpSpPr>
+        <p:cNvPr id="1" name=""/>
+        <p:cNvGrpSpPr/>
+        <p:nvPr/>
+      </p:nvGrpSpPr>
+      <p:grpSpPr>
+        <a:xfrm>
+          <a:off x="0" y="0"/>
+          <a:ext cx="0" cy="0"/>
+          <a:chOff x="0" y="0"/>
+          <a:chExt cx="0" cy="0"/>
+        </a:xfrm>
+      </p:grpSpPr>
+      <p:sp>
+        <p:nvSpPr>
+          <p:cNvPr id="6" name="Rectángulo 5">
+            <a:extLst>
+              <a:ext uri="{FF2B5EF4-FFF2-40B4-BE49-F238E27FC236}">
+                <a16:creationId xmlns:a16="http://schemas.microsoft.com/office/drawing/2014/main" id="{B9BF6B8A-1DB3-C04A-9FC5-D2A10722D782}"/>
+              </a:ext>
+            </a:extLst>
+          </p:cNvPr>
+          <p:cNvSpPr/>
+          <p:nvPr/>
+        </p:nvSpPr>
+        <p:spPr>
+          <a:xfrm>
+            <a:off x="159657" y="73843"/>
+            <a:ext cx="6807202" cy="369332"/>
+          </a:xfrm>
+          <a:prstGeom prst="rect">
+            <a:avLst/>
+          </a:prstGeom>
+        </p:spPr>
+        <p:txBody>
+          <a:bodyPr wrap="square">
+            <a:spAutoFit/>
+          </a:bodyPr>
           <a:lstStyle/>
           <a:p>
-            <a:pPr marL="285750" indent="-285750"/>
             <a:r>
-              <a:rPr lang="es-CL" dirty="0" err="1"/>
-              <a:t>Overfitting</a:t>
+              <a:rPr lang="es-ES" b="1" dirty="0" err="1">
+                <a:solidFill>
+                  <a:schemeClr val="bg1"/>
+                </a:solidFill>
+                <a:latin typeface="Myriad Pro Cond" panose="020B0506030403020204" pitchFamily="34" charset="0"/>
+                <a:ea typeface="Arial Narrow" charset="0"/>
+                <a:cs typeface="Arial Narrow" charset="0"/>
+              </a:rPr>
+              <a:t>Overtfitting</a:t>
             </a:r>
             <a:r>
-              <a:rPr lang="es-CL" dirty="0"/>
-              <a:t>: principal desventaja</a:t>
+              <a:rPr lang="es-ES" b="1" dirty="0">
+                <a:solidFill>
+                  <a:schemeClr val="bg1"/>
+                </a:solidFill>
+                <a:latin typeface="Myriad Pro Cond" panose="020B0506030403020204" pitchFamily="34" charset="0"/>
+                <a:ea typeface="Arial Narrow" charset="0"/>
+                <a:cs typeface="Arial Narrow" charset="0"/>
+              </a:rPr>
+              <a:t> en árboles de decisión (</a:t>
             </a:r>
-          </a:p>
-          <a:p>
-            <a:pPr marL="285750" indent="-285750"/>
             <a:r>
-              <a:rPr lang="es-CL" dirty="0"/>
-              <a:t>Entropía</a:t>
+              <a:rPr lang="es-ES" b="1" dirty="0" err="1">
+                <a:solidFill>
+                  <a:schemeClr val="bg1"/>
+                </a:solidFill>
+                <a:latin typeface="Myriad Pro Cond" panose="020B0506030403020204" pitchFamily="34" charset="0"/>
+                <a:ea typeface="Arial Narrow" charset="0"/>
+                <a:cs typeface="Arial Narrow" charset="0"/>
+              </a:rPr>
+              <a:t>pre-poda</a:t>
             </a:r>
-          </a:p>
-          <a:p>
-            <a:pPr marL="285750" indent="-285750"/>
             <a:r>
-              <a:rPr lang="es-CL" dirty="0"/>
-              <a:t>Detalles matemáticos</a:t>
+              <a:rPr lang="es-ES" b="1" dirty="0">
+                <a:solidFill>
+                  <a:schemeClr val="bg1"/>
+                </a:solidFill>
+                <a:latin typeface="Myriad Pro Cond" panose="020B0506030403020204" pitchFamily="34" charset="0"/>
+                <a:ea typeface="Arial Narrow" charset="0"/>
+                <a:cs typeface="Arial Narrow" charset="0"/>
+              </a:rPr>
+              <a:t>)</a:t>
             </a:r>
-          </a:p>
-          <a:p>
-            <a:pPr marL="0" indent="0">
-              <a:buNone/>
-            </a:pPr>
-            <a:endParaRPr lang="es-CL" dirty="0"/>
-          </a:p>
-          <a:p>
-            <a:pPr marL="0" indent="0">
-              <a:buNone/>
-            </a:pPr>
-            <a:endParaRPr lang="es-CL" dirty="0"/>
-          </a:p>
-          <a:p>
-            <a:pPr marL="0" indent="0">
-              <a:buNone/>
-            </a:pPr>
-            <a:endParaRPr lang="es-CL" dirty="0"/>
-          </a:p>
-          <a:p>
-            <a:pPr marL="0" indent="0">
-              <a:buNone/>
-            </a:pPr>
-            <a:endParaRPr lang="es-CL" dirty="0"/>
-          </a:p>
-          <a:p>
-            <a:pPr marL="0" indent="0">
-              <a:buNone/>
-            </a:pPr>
-            <a:endParaRPr lang="es-CL" dirty="0"/>
-          </a:p>
-          <a:p>
-            <a:pPr marL="0" indent="0">
-              <a:buNone/>
-            </a:pPr>
-            <a:endParaRPr lang="es-CL" dirty="0"/>
-          </a:p>
-          <a:p>
-            <a:pPr marL="0" indent="0">
-              <a:buNone/>
-            </a:pPr>
-            <a:endParaRPr lang="es-CL" dirty="0"/>
+            <a:endParaRPr lang="es-ES_tradnl" b="1" dirty="0">
+              <a:solidFill>
+                <a:schemeClr val="bg1"/>
+              </a:solidFill>
+              <a:latin typeface="Myriad Pro Cond" panose="020B0506030403020204" pitchFamily="34" charset="0"/>
+              <a:ea typeface="Arial Narrow" charset="0"/>
+              <a:cs typeface="Arial Narrow" charset="0"/>
+            </a:endParaRPr>
           </a:p>
         </p:txBody>
       </p:sp>
@@ -8045,28 +9161,28 @@
               <a:buFont typeface="Arial" panose="020B0604020202020204" pitchFamily="34" charset="0"/>
               <a:buNone/>
             </a:pPr>
-            <a:endParaRPr lang="es-CL"/>
-          </a:p>
-          <a:p>
-            <a:pPr marL="0" indent="0">
-              <a:buFont typeface="Arial" panose="020B0604020202020204" pitchFamily="34" charset="0"/>
-              <a:buNone/>
-            </a:pPr>
-            <a:endParaRPr lang="es-CL"/>
-          </a:p>
-          <a:p>
-            <a:pPr marL="0" indent="0">
-              <a:buFont typeface="Arial" panose="020B0604020202020204" pitchFamily="34" charset="0"/>
-              <a:buNone/>
-            </a:pPr>
-            <a:endParaRPr lang="es-CL"/>
-          </a:p>
-          <a:p>
-            <a:pPr marL="0" indent="0">
-              <a:buFont typeface="Arial" panose="020B0604020202020204" pitchFamily="34" charset="0"/>
-              <a:buNone/>
-            </a:pPr>
-            <a:endParaRPr lang="es-CL"/>
+            <a:endParaRPr lang="es-CL" dirty="0"/>
+          </a:p>
+          <a:p>
+            <a:pPr marL="0" indent="0">
+              <a:buFont typeface="Arial" panose="020B0604020202020204" pitchFamily="34" charset="0"/>
+              <a:buNone/>
+            </a:pPr>
+            <a:endParaRPr lang="es-CL" dirty="0"/>
+          </a:p>
+          <a:p>
+            <a:pPr marL="0" indent="0">
+              <a:buFont typeface="Arial" panose="020B0604020202020204" pitchFamily="34" charset="0"/>
+              <a:buNone/>
+            </a:pPr>
+            <a:endParaRPr lang="es-CL" dirty="0"/>
+          </a:p>
+          <a:p>
+            <a:pPr marL="0" indent="0">
+              <a:buFont typeface="Arial" panose="020B0604020202020204" pitchFamily="34" charset="0"/>
+              <a:buNone/>
+            </a:pPr>
+            <a:endParaRPr lang="es-CL" dirty="0"/>
           </a:p>
           <a:p>
             <a:pPr marL="0" indent="0">
@@ -8305,10 +9421,4150 @@
           </a:p>
         </p:txBody>
       </p:sp>
+      <p:pic>
+        <p:nvPicPr>
+          <p:cNvPr id="7" name="Imagen 6">
+            <a:extLst>
+              <a:ext uri="{FF2B5EF4-FFF2-40B4-BE49-F238E27FC236}">
+                <a16:creationId xmlns:a16="http://schemas.microsoft.com/office/drawing/2014/main" id="{1DB48064-7E18-C698-FD5D-4E0DF57CF474}"/>
+              </a:ext>
+            </a:extLst>
+          </p:cNvPr>
+          <p:cNvPicPr>
+            <a:picLocks noChangeAspect="1"/>
+          </p:cNvPicPr>
+          <p:nvPr/>
+        </p:nvPicPr>
+        <p:blipFill>
+          <a:blip r:embed="rId2"/>
+          <a:stretch>
+            <a:fillRect/>
+          </a:stretch>
+        </p:blipFill>
+        <p:spPr>
+          <a:xfrm>
+            <a:off x="2457510" y="1284669"/>
+            <a:ext cx="6834621" cy="3713163"/>
+          </a:xfrm>
+          <a:prstGeom prst="rect">
+            <a:avLst/>
+          </a:prstGeom>
+        </p:spPr>
+      </p:pic>
     </p:spTree>
     <p:extLst>
       <p:ext uri="{BB962C8B-B14F-4D97-AF65-F5344CB8AC3E}">
-        <p14:creationId xmlns:p14="http://schemas.microsoft.com/office/powerpoint/2010/main" val="980567383"/>
+        <p14:creationId xmlns:p14="http://schemas.microsoft.com/office/powerpoint/2010/main" val="6222100"/>
+      </p:ext>
+    </p:extLst>
+  </p:cSld>
+  <p:clrMapOvr>
+    <a:masterClrMapping/>
+  </p:clrMapOvr>
+  <mc:AlternateContent xmlns:mc="http://schemas.openxmlformats.org/markup-compatibility/2006" xmlns:p14="http://schemas.microsoft.com/office/powerpoint/2010/main">
+    <mc:Choice Requires="p14">
+      <p:transition spd="slow" p14:dur="1200">
+        <p14:prism/>
+      </p:transition>
+    </mc:Choice>
+    <mc:Fallback xmlns="">
+      <p:transition spd="slow">
+        <p:fade/>
+      </p:transition>
+    </mc:Fallback>
+  </mc:AlternateContent>
+</p:sld>
+</file>
+
+<file path=ppt/slides/slide12.xml><?xml version="1.0" encoding="utf-8"?>
+<p:sld xmlns:a="http://schemas.openxmlformats.org/drawingml/2006/main" xmlns:r="http://schemas.openxmlformats.org/officeDocument/2006/relationships" xmlns:p="http://schemas.openxmlformats.org/presentationml/2006/main">
+  <p:cSld>
+    <p:spTree>
+      <p:nvGrpSpPr>
+        <p:cNvPr id="1" name=""/>
+        <p:cNvGrpSpPr/>
+        <p:nvPr/>
+      </p:nvGrpSpPr>
+      <p:grpSpPr>
+        <a:xfrm>
+          <a:off x="0" y="0"/>
+          <a:ext cx="0" cy="0"/>
+          <a:chOff x="0" y="0"/>
+          <a:chExt cx="0" cy="0"/>
+        </a:xfrm>
+      </p:grpSpPr>
+      <p:sp>
+        <p:nvSpPr>
+          <p:cNvPr id="6" name="Rectángulo 5">
+            <a:extLst>
+              <a:ext uri="{FF2B5EF4-FFF2-40B4-BE49-F238E27FC236}">
+                <a16:creationId xmlns:a16="http://schemas.microsoft.com/office/drawing/2014/main" id="{B9BF6B8A-1DB3-C04A-9FC5-D2A10722D782}"/>
+              </a:ext>
+            </a:extLst>
+          </p:cNvPr>
+          <p:cNvSpPr/>
+          <p:nvPr/>
+        </p:nvSpPr>
+        <p:spPr>
+          <a:xfrm>
+            <a:off x="159657" y="73843"/>
+            <a:ext cx="6807202" cy="369332"/>
+          </a:xfrm>
+          <a:prstGeom prst="rect">
+            <a:avLst/>
+          </a:prstGeom>
+        </p:spPr>
+        <p:txBody>
+          <a:bodyPr wrap="square">
+            <a:spAutoFit/>
+          </a:bodyPr>
+          <a:lstStyle/>
+          <a:p>
+            <a:r>
+              <a:rPr lang="es-ES" b="1" dirty="0" err="1">
+                <a:solidFill>
+                  <a:schemeClr val="bg1"/>
+                </a:solidFill>
+                <a:latin typeface="Myriad Pro Cond" panose="020B0506030403020204" pitchFamily="34" charset="0"/>
+                <a:ea typeface="Arial Narrow" charset="0"/>
+                <a:cs typeface="Arial Narrow" charset="0"/>
+              </a:rPr>
+              <a:t>Overtfitting</a:t>
+            </a:r>
+            <a:r>
+              <a:rPr lang="es-ES" b="1" dirty="0">
+                <a:solidFill>
+                  <a:schemeClr val="bg1"/>
+                </a:solidFill>
+                <a:latin typeface="Myriad Pro Cond" panose="020B0506030403020204" pitchFamily="34" charset="0"/>
+                <a:ea typeface="Arial Narrow" charset="0"/>
+                <a:cs typeface="Arial Narrow" charset="0"/>
+              </a:rPr>
+              <a:t> en árboles de decisión (</a:t>
+            </a:r>
+            <a:r>
+              <a:rPr lang="es-ES" b="1" dirty="0" err="1">
+                <a:solidFill>
+                  <a:schemeClr val="bg1"/>
+                </a:solidFill>
+                <a:latin typeface="Myriad Pro Cond" panose="020B0506030403020204" pitchFamily="34" charset="0"/>
+                <a:ea typeface="Arial Narrow" charset="0"/>
+                <a:cs typeface="Arial Narrow" charset="0"/>
+              </a:rPr>
+              <a:t>pre-poda</a:t>
+            </a:r>
+            <a:r>
+              <a:rPr lang="es-ES" b="1" dirty="0">
+                <a:solidFill>
+                  <a:schemeClr val="bg1"/>
+                </a:solidFill>
+                <a:latin typeface="Myriad Pro Cond" panose="020B0506030403020204" pitchFamily="34" charset="0"/>
+                <a:ea typeface="Arial Narrow" charset="0"/>
+                <a:cs typeface="Arial Narrow" charset="0"/>
+              </a:rPr>
+              <a:t>)</a:t>
+            </a:r>
+            <a:endParaRPr lang="es-ES_tradnl" b="1" dirty="0">
+              <a:solidFill>
+                <a:schemeClr val="bg1"/>
+              </a:solidFill>
+              <a:latin typeface="Myriad Pro Cond" panose="020B0506030403020204" pitchFamily="34" charset="0"/>
+              <a:ea typeface="Arial Narrow" charset="0"/>
+              <a:cs typeface="Arial Narrow" charset="0"/>
+            </a:endParaRPr>
+          </a:p>
+        </p:txBody>
+      </p:sp>
+      <p:sp>
+        <p:nvSpPr>
+          <p:cNvPr id="8" name="Marcador de contenido 1">
+            <a:extLst>
+              <a:ext uri="{FF2B5EF4-FFF2-40B4-BE49-F238E27FC236}">
+                <a16:creationId xmlns:a16="http://schemas.microsoft.com/office/drawing/2014/main" id="{F22B2A3D-7090-9A77-BBC2-684E97930BAE}"/>
+              </a:ext>
+            </a:extLst>
+          </p:cNvPr>
+          <p:cNvSpPr txBox="1">
+            <a:spLocks/>
+          </p:cNvSpPr>
+          <p:nvPr/>
+        </p:nvSpPr>
+        <p:spPr>
+          <a:xfrm>
+            <a:off x="476026" y="1240716"/>
+            <a:ext cx="11888096" cy="5766097"/>
+          </a:xfrm>
+          <a:prstGeom prst="rect">
+            <a:avLst/>
+          </a:prstGeom>
+        </p:spPr>
+        <p:txBody>
+          <a:bodyPr vert="horz" lIns="91440" tIns="45720" rIns="91440" bIns="45720" rtlCol="0">
+            <a:normAutofit/>
+          </a:bodyPr>
+          <a:lstStyle>
+            <a:lvl1pPr marL="228600" indent="-228600" algn="l" defTabSz="914400" rtl="0" eaLnBrk="1" latinLnBrk="0" hangingPunct="1">
+              <a:lnSpc>
+                <a:spcPct val="90000"/>
+              </a:lnSpc>
+              <a:spcBef>
+                <a:spcPts val="1000"/>
+              </a:spcBef>
+              <a:buFont typeface="Arial" panose="020B0604020202020204" pitchFamily="34" charset="0"/>
+              <a:buChar char="•"/>
+              <a:defRPr sz="2800" kern="1200">
+                <a:solidFill>
+                  <a:schemeClr val="tx1"/>
+                </a:solidFill>
+                <a:latin typeface="+mn-lt"/>
+                <a:ea typeface="+mn-ea"/>
+                <a:cs typeface="+mn-cs"/>
+              </a:defRPr>
+            </a:lvl1pPr>
+            <a:lvl2pPr marL="685800" indent="-228600" algn="l" defTabSz="914400" rtl="0" eaLnBrk="1" latinLnBrk="0" hangingPunct="1">
+              <a:lnSpc>
+                <a:spcPct val="90000"/>
+              </a:lnSpc>
+              <a:spcBef>
+                <a:spcPts val="500"/>
+              </a:spcBef>
+              <a:buFont typeface="Arial" panose="020B0604020202020204" pitchFamily="34" charset="0"/>
+              <a:buChar char="•"/>
+              <a:defRPr sz="2400" kern="1200">
+                <a:solidFill>
+                  <a:schemeClr val="tx1"/>
+                </a:solidFill>
+                <a:latin typeface="+mn-lt"/>
+                <a:ea typeface="+mn-ea"/>
+                <a:cs typeface="+mn-cs"/>
+              </a:defRPr>
+            </a:lvl2pPr>
+            <a:lvl3pPr marL="1143000" indent="-228600" algn="l" defTabSz="914400" rtl="0" eaLnBrk="1" latinLnBrk="0" hangingPunct="1">
+              <a:lnSpc>
+                <a:spcPct val="90000"/>
+              </a:lnSpc>
+              <a:spcBef>
+                <a:spcPts val="500"/>
+              </a:spcBef>
+              <a:buFont typeface="Arial" panose="020B0604020202020204" pitchFamily="34" charset="0"/>
+              <a:buChar char="•"/>
+              <a:defRPr sz="2000" kern="1200">
+                <a:solidFill>
+                  <a:schemeClr val="tx1"/>
+                </a:solidFill>
+                <a:latin typeface="+mn-lt"/>
+                <a:ea typeface="+mn-ea"/>
+                <a:cs typeface="+mn-cs"/>
+              </a:defRPr>
+            </a:lvl3pPr>
+            <a:lvl4pPr marL="1600200" indent="-228600" algn="l" defTabSz="914400" rtl="0" eaLnBrk="1" latinLnBrk="0" hangingPunct="1">
+              <a:lnSpc>
+                <a:spcPct val="90000"/>
+              </a:lnSpc>
+              <a:spcBef>
+                <a:spcPts val="500"/>
+              </a:spcBef>
+              <a:buFont typeface="Arial" panose="020B0604020202020204" pitchFamily="34" charset="0"/>
+              <a:buChar char="•"/>
+              <a:defRPr sz="1800" kern="1200">
+                <a:solidFill>
+                  <a:schemeClr val="tx1"/>
+                </a:solidFill>
+                <a:latin typeface="+mn-lt"/>
+                <a:ea typeface="+mn-ea"/>
+                <a:cs typeface="+mn-cs"/>
+              </a:defRPr>
+            </a:lvl4pPr>
+            <a:lvl5pPr marL="2057400" indent="-228600" algn="l" defTabSz="914400" rtl="0" eaLnBrk="1" latinLnBrk="0" hangingPunct="1">
+              <a:lnSpc>
+                <a:spcPct val="90000"/>
+              </a:lnSpc>
+              <a:spcBef>
+                <a:spcPts val="500"/>
+              </a:spcBef>
+              <a:buFont typeface="Arial" panose="020B0604020202020204" pitchFamily="34" charset="0"/>
+              <a:buChar char="•"/>
+              <a:defRPr sz="1800" kern="1200">
+                <a:solidFill>
+                  <a:schemeClr val="tx1"/>
+                </a:solidFill>
+                <a:latin typeface="+mn-lt"/>
+                <a:ea typeface="+mn-ea"/>
+                <a:cs typeface="+mn-cs"/>
+              </a:defRPr>
+            </a:lvl5pPr>
+            <a:lvl6pPr marL="2514600" indent="-228600" algn="l" defTabSz="914400" rtl="0" eaLnBrk="1" latinLnBrk="0" hangingPunct="1">
+              <a:lnSpc>
+                <a:spcPct val="90000"/>
+              </a:lnSpc>
+              <a:spcBef>
+                <a:spcPts val="500"/>
+              </a:spcBef>
+              <a:buFont typeface="Arial" panose="020B0604020202020204" pitchFamily="34" charset="0"/>
+              <a:buChar char="•"/>
+              <a:defRPr sz="1800" kern="1200">
+                <a:solidFill>
+                  <a:schemeClr val="tx1"/>
+                </a:solidFill>
+                <a:latin typeface="+mn-lt"/>
+                <a:ea typeface="+mn-ea"/>
+                <a:cs typeface="+mn-cs"/>
+              </a:defRPr>
+            </a:lvl6pPr>
+            <a:lvl7pPr marL="2971800" indent="-228600" algn="l" defTabSz="914400" rtl="0" eaLnBrk="1" latinLnBrk="0" hangingPunct="1">
+              <a:lnSpc>
+                <a:spcPct val="90000"/>
+              </a:lnSpc>
+              <a:spcBef>
+                <a:spcPts val="500"/>
+              </a:spcBef>
+              <a:buFont typeface="Arial" panose="020B0604020202020204" pitchFamily="34" charset="0"/>
+              <a:buChar char="•"/>
+              <a:defRPr sz="1800" kern="1200">
+                <a:solidFill>
+                  <a:schemeClr val="tx1"/>
+                </a:solidFill>
+                <a:latin typeface="+mn-lt"/>
+                <a:ea typeface="+mn-ea"/>
+                <a:cs typeface="+mn-cs"/>
+              </a:defRPr>
+            </a:lvl7pPr>
+            <a:lvl8pPr marL="3429000" indent="-228600" algn="l" defTabSz="914400" rtl="0" eaLnBrk="1" latinLnBrk="0" hangingPunct="1">
+              <a:lnSpc>
+                <a:spcPct val="90000"/>
+              </a:lnSpc>
+              <a:spcBef>
+                <a:spcPts val="500"/>
+              </a:spcBef>
+              <a:buFont typeface="Arial" panose="020B0604020202020204" pitchFamily="34" charset="0"/>
+              <a:buChar char="•"/>
+              <a:defRPr sz="1800" kern="1200">
+                <a:solidFill>
+                  <a:schemeClr val="tx1"/>
+                </a:solidFill>
+                <a:latin typeface="+mn-lt"/>
+                <a:ea typeface="+mn-ea"/>
+                <a:cs typeface="+mn-cs"/>
+              </a:defRPr>
+            </a:lvl8pPr>
+            <a:lvl9pPr marL="3886200" indent="-228600" algn="l" defTabSz="914400" rtl="0" eaLnBrk="1" latinLnBrk="0" hangingPunct="1">
+              <a:lnSpc>
+                <a:spcPct val="90000"/>
+              </a:lnSpc>
+              <a:spcBef>
+                <a:spcPts val="500"/>
+              </a:spcBef>
+              <a:buFont typeface="Arial" panose="020B0604020202020204" pitchFamily="34" charset="0"/>
+              <a:buChar char="•"/>
+              <a:defRPr sz="1800" kern="1200">
+                <a:solidFill>
+                  <a:schemeClr val="tx1"/>
+                </a:solidFill>
+                <a:latin typeface="+mn-lt"/>
+                <a:ea typeface="+mn-ea"/>
+                <a:cs typeface="+mn-cs"/>
+              </a:defRPr>
+            </a:lvl9pPr>
+          </a:lstStyle>
+          <a:p>
+            <a:pPr marL="0" indent="0">
+              <a:buFont typeface="Arial" panose="020B0604020202020204" pitchFamily="34" charset="0"/>
+              <a:buNone/>
+            </a:pPr>
+            <a:endParaRPr lang="es-CL" dirty="0"/>
+          </a:p>
+          <a:p>
+            <a:pPr marL="0" indent="0">
+              <a:buFont typeface="Arial" panose="020B0604020202020204" pitchFamily="34" charset="0"/>
+              <a:buNone/>
+            </a:pPr>
+            <a:endParaRPr lang="es-CL" dirty="0"/>
+          </a:p>
+          <a:p>
+            <a:pPr marL="0" indent="0">
+              <a:buFont typeface="Arial" panose="020B0604020202020204" pitchFamily="34" charset="0"/>
+              <a:buNone/>
+            </a:pPr>
+            <a:endParaRPr lang="es-CL" dirty="0"/>
+          </a:p>
+          <a:p>
+            <a:pPr marL="0" indent="0">
+              <a:buFont typeface="Arial" panose="020B0604020202020204" pitchFamily="34" charset="0"/>
+              <a:buNone/>
+            </a:pPr>
+            <a:endParaRPr lang="es-CL" dirty="0"/>
+          </a:p>
+          <a:p>
+            <a:pPr marL="0" indent="0">
+              <a:buFont typeface="Arial" panose="020B0604020202020204" pitchFamily="34" charset="0"/>
+              <a:buNone/>
+            </a:pPr>
+            <a:endParaRPr lang="es-CL" dirty="0"/>
+          </a:p>
+        </p:txBody>
+      </p:sp>
+      <p:sp>
+        <p:nvSpPr>
+          <p:cNvPr id="10" name="Marcador de contenido 1">
+            <a:extLst>
+              <a:ext uri="{FF2B5EF4-FFF2-40B4-BE49-F238E27FC236}">
+                <a16:creationId xmlns:a16="http://schemas.microsoft.com/office/drawing/2014/main" id="{DBD3B9B2-9415-82BF-01C3-1837C11C66FF}"/>
+              </a:ext>
+            </a:extLst>
+          </p:cNvPr>
+          <p:cNvSpPr txBox="1">
+            <a:spLocks/>
+          </p:cNvSpPr>
+          <p:nvPr/>
+        </p:nvSpPr>
+        <p:spPr>
+          <a:xfrm>
+            <a:off x="-69227" y="915701"/>
+            <a:ext cx="11888096" cy="5766097"/>
+          </a:xfrm>
+          <a:prstGeom prst="rect">
+            <a:avLst/>
+          </a:prstGeom>
+        </p:spPr>
+        <p:txBody>
+          <a:bodyPr vert="horz" lIns="91440" tIns="45720" rIns="91440" bIns="45720" rtlCol="0">
+            <a:normAutofit/>
+          </a:bodyPr>
+          <a:lstStyle>
+            <a:lvl1pPr marL="228600" indent="-228600" algn="l" defTabSz="914400" rtl="0" eaLnBrk="1" latinLnBrk="0" hangingPunct="1">
+              <a:lnSpc>
+                <a:spcPct val="90000"/>
+              </a:lnSpc>
+              <a:spcBef>
+                <a:spcPts val="1000"/>
+              </a:spcBef>
+              <a:buFont typeface="Arial" panose="020B0604020202020204" pitchFamily="34" charset="0"/>
+              <a:buChar char="•"/>
+              <a:defRPr sz="2800" kern="1200">
+                <a:solidFill>
+                  <a:schemeClr val="tx1"/>
+                </a:solidFill>
+                <a:latin typeface="+mn-lt"/>
+                <a:ea typeface="+mn-ea"/>
+                <a:cs typeface="+mn-cs"/>
+              </a:defRPr>
+            </a:lvl1pPr>
+            <a:lvl2pPr marL="685800" indent="-228600" algn="l" defTabSz="914400" rtl="0" eaLnBrk="1" latinLnBrk="0" hangingPunct="1">
+              <a:lnSpc>
+                <a:spcPct val="90000"/>
+              </a:lnSpc>
+              <a:spcBef>
+                <a:spcPts val="500"/>
+              </a:spcBef>
+              <a:buFont typeface="Arial" panose="020B0604020202020204" pitchFamily="34" charset="0"/>
+              <a:buChar char="•"/>
+              <a:defRPr sz="2400" kern="1200">
+                <a:solidFill>
+                  <a:schemeClr val="tx1"/>
+                </a:solidFill>
+                <a:latin typeface="+mn-lt"/>
+                <a:ea typeface="+mn-ea"/>
+                <a:cs typeface="+mn-cs"/>
+              </a:defRPr>
+            </a:lvl2pPr>
+            <a:lvl3pPr marL="1143000" indent="-228600" algn="l" defTabSz="914400" rtl="0" eaLnBrk="1" latinLnBrk="0" hangingPunct="1">
+              <a:lnSpc>
+                <a:spcPct val="90000"/>
+              </a:lnSpc>
+              <a:spcBef>
+                <a:spcPts val="500"/>
+              </a:spcBef>
+              <a:buFont typeface="Arial" panose="020B0604020202020204" pitchFamily="34" charset="0"/>
+              <a:buChar char="•"/>
+              <a:defRPr sz="2000" kern="1200">
+                <a:solidFill>
+                  <a:schemeClr val="tx1"/>
+                </a:solidFill>
+                <a:latin typeface="+mn-lt"/>
+                <a:ea typeface="+mn-ea"/>
+                <a:cs typeface="+mn-cs"/>
+              </a:defRPr>
+            </a:lvl3pPr>
+            <a:lvl4pPr marL="1600200" indent="-228600" algn="l" defTabSz="914400" rtl="0" eaLnBrk="1" latinLnBrk="0" hangingPunct="1">
+              <a:lnSpc>
+                <a:spcPct val="90000"/>
+              </a:lnSpc>
+              <a:spcBef>
+                <a:spcPts val="500"/>
+              </a:spcBef>
+              <a:buFont typeface="Arial" panose="020B0604020202020204" pitchFamily="34" charset="0"/>
+              <a:buChar char="•"/>
+              <a:defRPr sz="1800" kern="1200">
+                <a:solidFill>
+                  <a:schemeClr val="tx1"/>
+                </a:solidFill>
+                <a:latin typeface="+mn-lt"/>
+                <a:ea typeface="+mn-ea"/>
+                <a:cs typeface="+mn-cs"/>
+              </a:defRPr>
+            </a:lvl4pPr>
+            <a:lvl5pPr marL="2057400" indent="-228600" algn="l" defTabSz="914400" rtl="0" eaLnBrk="1" latinLnBrk="0" hangingPunct="1">
+              <a:lnSpc>
+                <a:spcPct val="90000"/>
+              </a:lnSpc>
+              <a:spcBef>
+                <a:spcPts val="500"/>
+              </a:spcBef>
+              <a:buFont typeface="Arial" panose="020B0604020202020204" pitchFamily="34" charset="0"/>
+              <a:buChar char="•"/>
+              <a:defRPr sz="1800" kern="1200">
+                <a:solidFill>
+                  <a:schemeClr val="tx1"/>
+                </a:solidFill>
+                <a:latin typeface="+mn-lt"/>
+                <a:ea typeface="+mn-ea"/>
+                <a:cs typeface="+mn-cs"/>
+              </a:defRPr>
+            </a:lvl5pPr>
+            <a:lvl6pPr marL="2514600" indent="-228600" algn="l" defTabSz="914400" rtl="0" eaLnBrk="1" latinLnBrk="0" hangingPunct="1">
+              <a:lnSpc>
+                <a:spcPct val="90000"/>
+              </a:lnSpc>
+              <a:spcBef>
+                <a:spcPts val="500"/>
+              </a:spcBef>
+              <a:buFont typeface="Arial" panose="020B0604020202020204" pitchFamily="34" charset="0"/>
+              <a:buChar char="•"/>
+              <a:defRPr sz="1800" kern="1200">
+                <a:solidFill>
+                  <a:schemeClr val="tx1"/>
+                </a:solidFill>
+                <a:latin typeface="+mn-lt"/>
+                <a:ea typeface="+mn-ea"/>
+                <a:cs typeface="+mn-cs"/>
+              </a:defRPr>
+            </a:lvl6pPr>
+            <a:lvl7pPr marL="2971800" indent="-228600" algn="l" defTabSz="914400" rtl="0" eaLnBrk="1" latinLnBrk="0" hangingPunct="1">
+              <a:lnSpc>
+                <a:spcPct val="90000"/>
+              </a:lnSpc>
+              <a:spcBef>
+                <a:spcPts val="500"/>
+              </a:spcBef>
+              <a:buFont typeface="Arial" panose="020B0604020202020204" pitchFamily="34" charset="0"/>
+              <a:buChar char="•"/>
+              <a:defRPr sz="1800" kern="1200">
+                <a:solidFill>
+                  <a:schemeClr val="tx1"/>
+                </a:solidFill>
+                <a:latin typeface="+mn-lt"/>
+                <a:ea typeface="+mn-ea"/>
+                <a:cs typeface="+mn-cs"/>
+              </a:defRPr>
+            </a:lvl7pPr>
+            <a:lvl8pPr marL="3429000" indent="-228600" algn="l" defTabSz="914400" rtl="0" eaLnBrk="1" latinLnBrk="0" hangingPunct="1">
+              <a:lnSpc>
+                <a:spcPct val="90000"/>
+              </a:lnSpc>
+              <a:spcBef>
+                <a:spcPts val="500"/>
+              </a:spcBef>
+              <a:buFont typeface="Arial" panose="020B0604020202020204" pitchFamily="34" charset="0"/>
+              <a:buChar char="•"/>
+              <a:defRPr sz="1800" kern="1200">
+                <a:solidFill>
+                  <a:schemeClr val="tx1"/>
+                </a:solidFill>
+                <a:latin typeface="+mn-lt"/>
+                <a:ea typeface="+mn-ea"/>
+                <a:cs typeface="+mn-cs"/>
+              </a:defRPr>
+            </a:lvl8pPr>
+            <a:lvl9pPr marL="3886200" indent="-228600" algn="l" defTabSz="914400" rtl="0" eaLnBrk="1" latinLnBrk="0" hangingPunct="1">
+              <a:lnSpc>
+                <a:spcPct val="90000"/>
+              </a:lnSpc>
+              <a:spcBef>
+                <a:spcPts val="500"/>
+              </a:spcBef>
+              <a:buFont typeface="Arial" panose="020B0604020202020204" pitchFamily="34" charset="0"/>
+              <a:buChar char="•"/>
+              <a:defRPr sz="1800" kern="1200">
+                <a:solidFill>
+                  <a:schemeClr val="tx1"/>
+                </a:solidFill>
+                <a:latin typeface="+mn-lt"/>
+                <a:ea typeface="+mn-ea"/>
+                <a:cs typeface="+mn-cs"/>
+              </a:defRPr>
+            </a:lvl9pPr>
+          </a:lstStyle>
+          <a:p>
+            <a:pPr marL="0" indent="0">
+              <a:buFont typeface="Arial" panose="020B0604020202020204" pitchFamily="34" charset="0"/>
+              <a:buNone/>
+            </a:pPr>
+            <a:endParaRPr lang="es-CL"/>
+          </a:p>
+          <a:p>
+            <a:pPr marL="0" indent="0">
+              <a:buFont typeface="Arial" panose="020B0604020202020204" pitchFamily="34" charset="0"/>
+              <a:buNone/>
+            </a:pPr>
+            <a:endParaRPr lang="es-CL"/>
+          </a:p>
+          <a:p>
+            <a:pPr marL="0" indent="0">
+              <a:buFont typeface="Arial" panose="020B0604020202020204" pitchFamily="34" charset="0"/>
+              <a:buNone/>
+            </a:pPr>
+            <a:endParaRPr lang="es-CL"/>
+          </a:p>
+          <a:p>
+            <a:pPr marL="0" indent="0">
+              <a:buFont typeface="Arial" panose="020B0604020202020204" pitchFamily="34" charset="0"/>
+              <a:buNone/>
+            </a:pPr>
+            <a:endParaRPr lang="es-CL"/>
+          </a:p>
+          <a:p>
+            <a:pPr marL="0" indent="0">
+              <a:buFont typeface="Arial" panose="020B0604020202020204" pitchFamily="34" charset="0"/>
+              <a:buNone/>
+            </a:pPr>
+            <a:endParaRPr lang="es-CL" dirty="0"/>
+          </a:p>
+        </p:txBody>
+      </p:sp>
+      <p:pic>
+        <p:nvPicPr>
+          <p:cNvPr id="3" name="Imagen 2">
+            <a:extLst>
+              <a:ext uri="{FF2B5EF4-FFF2-40B4-BE49-F238E27FC236}">
+                <a16:creationId xmlns:a16="http://schemas.microsoft.com/office/drawing/2014/main" id="{A07757FE-BD74-4F0B-FBAC-B2B3B8554443}"/>
+              </a:ext>
+            </a:extLst>
+          </p:cNvPr>
+          <p:cNvPicPr>
+            <a:picLocks noChangeAspect="1"/>
+          </p:cNvPicPr>
+          <p:nvPr/>
+        </p:nvPicPr>
+        <p:blipFill>
+          <a:blip r:embed="rId2"/>
+          <a:stretch>
+            <a:fillRect/>
+          </a:stretch>
+        </p:blipFill>
+        <p:spPr>
+          <a:xfrm>
+            <a:off x="2347912" y="1362075"/>
+            <a:ext cx="7496175" cy="4133850"/>
+          </a:xfrm>
+          <a:prstGeom prst="rect">
+            <a:avLst/>
+          </a:prstGeom>
+        </p:spPr>
+      </p:pic>
+    </p:spTree>
+    <p:extLst>
+      <p:ext uri="{BB962C8B-B14F-4D97-AF65-F5344CB8AC3E}">
+        <p14:creationId xmlns:p14="http://schemas.microsoft.com/office/powerpoint/2010/main" val="756965745"/>
+      </p:ext>
+    </p:extLst>
+  </p:cSld>
+  <p:clrMapOvr>
+    <a:masterClrMapping/>
+  </p:clrMapOvr>
+  <mc:AlternateContent xmlns:mc="http://schemas.openxmlformats.org/markup-compatibility/2006" xmlns:p14="http://schemas.microsoft.com/office/powerpoint/2010/main">
+    <mc:Choice Requires="p14">
+      <p:transition spd="slow" p14:dur="1200">
+        <p14:prism/>
+      </p:transition>
+    </mc:Choice>
+    <mc:Fallback xmlns="">
+      <p:transition spd="slow">
+        <p:fade/>
+      </p:transition>
+    </mc:Fallback>
+  </mc:AlternateContent>
+</p:sld>
+</file>
+
+<file path=ppt/slides/slide13.xml><?xml version="1.0" encoding="utf-8"?>
+<p:sld xmlns:a="http://schemas.openxmlformats.org/drawingml/2006/main" xmlns:r="http://schemas.openxmlformats.org/officeDocument/2006/relationships" xmlns:p="http://schemas.openxmlformats.org/presentationml/2006/main">
+  <p:cSld>
+    <p:spTree>
+      <p:nvGrpSpPr>
+        <p:cNvPr id="1" name=""/>
+        <p:cNvGrpSpPr/>
+        <p:nvPr/>
+      </p:nvGrpSpPr>
+      <p:grpSpPr>
+        <a:xfrm>
+          <a:off x="0" y="0"/>
+          <a:ext cx="0" cy="0"/>
+          <a:chOff x="0" y="0"/>
+          <a:chExt cx="0" cy="0"/>
+        </a:xfrm>
+      </p:grpSpPr>
+      <p:sp>
+        <p:nvSpPr>
+          <p:cNvPr id="6" name="Rectángulo 5">
+            <a:extLst>
+              <a:ext uri="{FF2B5EF4-FFF2-40B4-BE49-F238E27FC236}">
+                <a16:creationId xmlns:a16="http://schemas.microsoft.com/office/drawing/2014/main" id="{B9BF6B8A-1DB3-C04A-9FC5-D2A10722D782}"/>
+              </a:ext>
+            </a:extLst>
+          </p:cNvPr>
+          <p:cNvSpPr/>
+          <p:nvPr/>
+        </p:nvSpPr>
+        <p:spPr>
+          <a:xfrm>
+            <a:off x="159657" y="73843"/>
+            <a:ext cx="6807202" cy="369332"/>
+          </a:xfrm>
+          <a:prstGeom prst="rect">
+            <a:avLst/>
+          </a:prstGeom>
+        </p:spPr>
+        <p:txBody>
+          <a:bodyPr wrap="square">
+            <a:spAutoFit/>
+          </a:bodyPr>
+          <a:lstStyle/>
+          <a:p>
+            <a:r>
+              <a:rPr lang="es-ES" b="1" dirty="0" err="1">
+                <a:solidFill>
+                  <a:schemeClr val="bg1"/>
+                </a:solidFill>
+                <a:latin typeface="Myriad Pro Cond" panose="020B0506030403020204" pitchFamily="34" charset="0"/>
+                <a:ea typeface="Arial Narrow" charset="0"/>
+                <a:cs typeface="Arial Narrow" charset="0"/>
+              </a:rPr>
+              <a:t>Overtfitting</a:t>
+            </a:r>
+            <a:r>
+              <a:rPr lang="es-ES" b="1" dirty="0">
+                <a:solidFill>
+                  <a:schemeClr val="bg1"/>
+                </a:solidFill>
+                <a:latin typeface="Myriad Pro Cond" panose="020B0506030403020204" pitchFamily="34" charset="0"/>
+                <a:ea typeface="Arial Narrow" charset="0"/>
+                <a:cs typeface="Arial Narrow" charset="0"/>
+              </a:rPr>
+              <a:t> en árboles de decisión (</a:t>
+            </a:r>
+            <a:r>
+              <a:rPr lang="es-ES" b="1" dirty="0" err="1">
+                <a:solidFill>
+                  <a:schemeClr val="bg1"/>
+                </a:solidFill>
+                <a:latin typeface="Myriad Pro Cond" panose="020B0506030403020204" pitchFamily="34" charset="0"/>
+                <a:ea typeface="Arial Narrow" charset="0"/>
+                <a:cs typeface="Arial Narrow" charset="0"/>
+              </a:rPr>
+              <a:t>pre-proda</a:t>
+            </a:r>
+            <a:r>
+              <a:rPr lang="es-ES" b="1" dirty="0">
+                <a:solidFill>
+                  <a:schemeClr val="bg1"/>
+                </a:solidFill>
+                <a:latin typeface="Myriad Pro Cond" panose="020B0506030403020204" pitchFamily="34" charset="0"/>
+                <a:ea typeface="Arial Narrow" charset="0"/>
+                <a:cs typeface="Arial Narrow" charset="0"/>
+              </a:rPr>
+              <a:t>)</a:t>
+            </a:r>
+            <a:endParaRPr lang="es-ES_tradnl" b="1" dirty="0">
+              <a:solidFill>
+                <a:schemeClr val="bg1"/>
+              </a:solidFill>
+              <a:latin typeface="Myriad Pro Cond" panose="020B0506030403020204" pitchFamily="34" charset="0"/>
+              <a:ea typeface="Arial Narrow" charset="0"/>
+              <a:cs typeface="Arial Narrow" charset="0"/>
+            </a:endParaRPr>
+          </a:p>
+        </p:txBody>
+      </p:sp>
+      <p:sp>
+        <p:nvSpPr>
+          <p:cNvPr id="8" name="Marcador de contenido 1">
+            <a:extLst>
+              <a:ext uri="{FF2B5EF4-FFF2-40B4-BE49-F238E27FC236}">
+                <a16:creationId xmlns:a16="http://schemas.microsoft.com/office/drawing/2014/main" id="{F22B2A3D-7090-9A77-BBC2-684E97930BAE}"/>
+              </a:ext>
+            </a:extLst>
+          </p:cNvPr>
+          <p:cNvSpPr txBox="1">
+            <a:spLocks/>
+          </p:cNvSpPr>
+          <p:nvPr/>
+        </p:nvSpPr>
+        <p:spPr>
+          <a:xfrm>
+            <a:off x="476026" y="1240716"/>
+            <a:ext cx="11888096" cy="5766097"/>
+          </a:xfrm>
+          <a:prstGeom prst="rect">
+            <a:avLst/>
+          </a:prstGeom>
+        </p:spPr>
+        <p:txBody>
+          <a:bodyPr vert="horz" lIns="91440" tIns="45720" rIns="91440" bIns="45720" rtlCol="0">
+            <a:normAutofit/>
+          </a:bodyPr>
+          <a:lstStyle>
+            <a:lvl1pPr marL="228600" indent="-228600" algn="l" defTabSz="914400" rtl="0" eaLnBrk="1" latinLnBrk="0" hangingPunct="1">
+              <a:lnSpc>
+                <a:spcPct val="90000"/>
+              </a:lnSpc>
+              <a:spcBef>
+                <a:spcPts val="1000"/>
+              </a:spcBef>
+              <a:buFont typeface="Arial" panose="020B0604020202020204" pitchFamily="34" charset="0"/>
+              <a:buChar char="•"/>
+              <a:defRPr sz="2800" kern="1200">
+                <a:solidFill>
+                  <a:schemeClr val="tx1"/>
+                </a:solidFill>
+                <a:latin typeface="+mn-lt"/>
+                <a:ea typeface="+mn-ea"/>
+                <a:cs typeface="+mn-cs"/>
+              </a:defRPr>
+            </a:lvl1pPr>
+            <a:lvl2pPr marL="685800" indent="-228600" algn="l" defTabSz="914400" rtl="0" eaLnBrk="1" latinLnBrk="0" hangingPunct="1">
+              <a:lnSpc>
+                <a:spcPct val="90000"/>
+              </a:lnSpc>
+              <a:spcBef>
+                <a:spcPts val="500"/>
+              </a:spcBef>
+              <a:buFont typeface="Arial" panose="020B0604020202020204" pitchFamily="34" charset="0"/>
+              <a:buChar char="•"/>
+              <a:defRPr sz="2400" kern="1200">
+                <a:solidFill>
+                  <a:schemeClr val="tx1"/>
+                </a:solidFill>
+                <a:latin typeface="+mn-lt"/>
+                <a:ea typeface="+mn-ea"/>
+                <a:cs typeface="+mn-cs"/>
+              </a:defRPr>
+            </a:lvl2pPr>
+            <a:lvl3pPr marL="1143000" indent="-228600" algn="l" defTabSz="914400" rtl="0" eaLnBrk="1" latinLnBrk="0" hangingPunct="1">
+              <a:lnSpc>
+                <a:spcPct val="90000"/>
+              </a:lnSpc>
+              <a:spcBef>
+                <a:spcPts val="500"/>
+              </a:spcBef>
+              <a:buFont typeface="Arial" panose="020B0604020202020204" pitchFamily="34" charset="0"/>
+              <a:buChar char="•"/>
+              <a:defRPr sz="2000" kern="1200">
+                <a:solidFill>
+                  <a:schemeClr val="tx1"/>
+                </a:solidFill>
+                <a:latin typeface="+mn-lt"/>
+                <a:ea typeface="+mn-ea"/>
+                <a:cs typeface="+mn-cs"/>
+              </a:defRPr>
+            </a:lvl3pPr>
+            <a:lvl4pPr marL="1600200" indent="-228600" algn="l" defTabSz="914400" rtl="0" eaLnBrk="1" latinLnBrk="0" hangingPunct="1">
+              <a:lnSpc>
+                <a:spcPct val="90000"/>
+              </a:lnSpc>
+              <a:spcBef>
+                <a:spcPts val="500"/>
+              </a:spcBef>
+              <a:buFont typeface="Arial" panose="020B0604020202020204" pitchFamily="34" charset="0"/>
+              <a:buChar char="•"/>
+              <a:defRPr sz="1800" kern="1200">
+                <a:solidFill>
+                  <a:schemeClr val="tx1"/>
+                </a:solidFill>
+                <a:latin typeface="+mn-lt"/>
+                <a:ea typeface="+mn-ea"/>
+                <a:cs typeface="+mn-cs"/>
+              </a:defRPr>
+            </a:lvl4pPr>
+            <a:lvl5pPr marL="2057400" indent="-228600" algn="l" defTabSz="914400" rtl="0" eaLnBrk="1" latinLnBrk="0" hangingPunct="1">
+              <a:lnSpc>
+                <a:spcPct val="90000"/>
+              </a:lnSpc>
+              <a:spcBef>
+                <a:spcPts val="500"/>
+              </a:spcBef>
+              <a:buFont typeface="Arial" panose="020B0604020202020204" pitchFamily="34" charset="0"/>
+              <a:buChar char="•"/>
+              <a:defRPr sz="1800" kern="1200">
+                <a:solidFill>
+                  <a:schemeClr val="tx1"/>
+                </a:solidFill>
+                <a:latin typeface="+mn-lt"/>
+                <a:ea typeface="+mn-ea"/>
+                <a:cs typeface="+mn-cs"/>
+              </a:defRPr>
+            </a:lvl5pPr>
+            <a:lvl6pPr marL="2514600" indent="-228600" algn="l" defTabSz="914400" rtl="0" eaLnBrk="1" latinLnBrk="0" hangingPunct="1">
+              <a:lnSpc>
+                <a:spcPct val="90000"/>
+              </a:lnSpc>
+              <a:spcBef>
+                <a:spcPts val="500"/>
+              </a:spcBef>
+              <a:buFont typeface="Arial" panose="020B0604020202020204" pitchFamily="34" charset="0"/>
+              <a:buChar char="•"/>
+              <a:defRPr sz="1800" kern="1200">
+                <a:solidFill>
+                  <a:schemeClr val="tx1"/>
+                </a:solidFill>
+                <a:latin typeface="+mn-lt"/>
+                <a:ea typeface="+mn-ea"/>
+                <a:cs typeface="+mn-cs"/>
+              </a:defRPr>
+            </a:lvl6pPr>
+            <a:lvl7pPr marL="2971800" indent="-228600" algn="l" defTabSz="914400" rtl="0" eaLnBrk="1" latinLnBrk="0" hangingPunct="1">
+              <a:lnSpc>
+                <a:spcPct val="90000"/>
+              </a:lnSpc>
+              <a:spcBef>
+                <a:spcPts val="500"/>
+              </a:spcBef>
+              <a:buFont typeface="Arial" panose="020B0604020202020204" pitchFamily="34" charset="0"/>
+              <a:buChar char="•"/>
+              <a:defRPr sz="1800" kern="1200">
+                <a:solidFill>
+                  <a:schemeClr val="tx1"/>
+                </a:solidFill>
+                <a:latin typeface="+mn-lt"/>
+                <a:ea typeface="+mn-ea"/>
+                <a:cs typeface="+mn-cs"/>
+              </a:defRPr>
+            </a:lvl7pPr>
+            <a:lvl8pPr marL="3429000" indent="-228600" algn="l" defTabSz="914400" rtl="0" eaLnBrk="1" latinLnBrk="0" hangingPunct="1">
+              <a:lnSpc>
+                <a:spcPct val="90000"/>
+              </a:lnSpc>
+              <a:spcBef>
+                <a:spcPts val="500"/>
+              </a:spcBef>
+              <a:buFont typeface="Arial" panose="020B0604020202020204" pitchFamily="34" charset="0"/>
+              <a:buChar char="•"/>
+              <a:defRPr sz="1800" kern="1200">
+                <a:solidFill>
+                  <a:schemeClr val="tx1"/>
+                </a:solidFill>
+                <a:latin typeface="+mn-lt"/>
+                <a:ea typeface="+mn-ea"/>
+                <a:cs typeface="+mn-cs"/>
+              </a:defRPr>
+            </a:lvl8pPr>
+            <a:lvl9pPr marL="3886200" indent="-228600" algn="l" defTabSz="914400" rtl="0" eaLnBrk="1" latinLnBrk="0" hangingPunct="1">
+              <a:lnSpc>
+                <a:spcPct val="90000"/>
+              </a:lnSpc>
+              <a:spcBef>
+                <a:spcPts val="500"/>
+              </a:spcBef>
+              <a:buFont typeface="Arial" panose="020B0604020202020204" pitchFamily="34" charset="0"/>
+              <a:buChar char="•"/>
+              <a:defRPr sz="1800" kern="1200">
+                <a:solidFill>
+                  <a:schemeClr val="tx1"/>
+                </a:solidFill>
+                <a:latin typeface="+mn-lt"/>
+                <a:ea typeface="+mn-ea"/>
+                <a:cs typeface="+mn-cs"/>
+              </a:defRPr>
+            </a:lvl9pPr>
+          </a:lstStyle>
+          <a:p>
+            <a:pPr marL="0" indent="0">
+              <a:buFont typeface="Arial" panose="020B0604020202020204" pitchFamily="34" charset="0"/>
+              <a:buNone/>
+            </a:pPr>
+            <a:endParaRPr lang="es-CL" dirty="0"/>
+          </a:p>
+          <a:p>
+            <a:pPr marL="0" indent="0">
+              <a:buFont typeface="Arial" panose="020B0604020202020204" pitchFamily="34" charset="0"/>
+              <a:buNone/>
+            </a:pPr>
+            <a:endParaRPr lang="es-CL" dirty="0"/>
+          </a:p>
+          <a:p>
+            <a:pPr marL="0" indent="0">
+              <a:buFont typeface="Arial" panose="020B0604020202020204" pitchFamily="34" charset="0"/>
+              <a:buNone/>
+            </a:pPr>
+            <a:endParaRPr lang="es-CL" dirty="0"/>
+          </a:p>
+          <a:p>
+            <a:pPr marL="0" indent="0">
+              <a:buFont typeface="Arial" panose="020B0604020202020204" pitchFamily="34" charset="0"/>
+              <a:buNone/>
+            </a:pPr>
+            <a:endParaRPr lang="es-CL" dirty="0"/>
+          </a:p>
+          <a:p>
+            <a:pPr marL="0" indent="0">
+              <a:buFont typeface="Arial" panose="020B0604020202020204" pitchFamily="34" charset="0"/>
+              <a:buNone/>
+            </a:pPr>
+            <a:endParaRPr lang="es-CL" dirty="0"/>
+          </a:p>
+        </p:txBody>
+      </p:sp>
+      <p:sp>
+        <p:nvSpPr>
+          <p:cNvPr id="10" name="Marcador de contenido 1">
+            <a:extLst>
+              <a:ext uri="{FF2B5EF4-FFF2-40B4-BE49-F238E27FC236}">
+                <a16:creationId xmlns:a16="http://schemas.microsoft.com/office/drawing/2014/main" id="{DBD3B9B2-9415-82BF-01C3-1837C11C66FF}"/>
+              </a:ext>
+            </a:extLst>
+          </p:cNvPr>
+          <p:cNvSpPr txBox="1">
+            <a:spLocks/>
+          </p:cNvSpPr>
+          <p:nvPr/>
+        </p:nvSpPr>
+        <p:spPr>
+          <a:xfrm>
+            <a:off x="-69227" y="915701"/>
+            <a:ext cx="11888096" cy="5766097"/>
+          </a:xfrm>
+          <a:prstGeom prst="rect">
+            <a:avLst/>
+          </a:prstGeom>
+        </p:spPr>
+        <p:txBody>
+          <a:bodyPr vert="horz" lIns="91440" tIns="45720" rIns="91440" bIns="45720" rtlCol="0">
+            <a:normAutofit/>
+          </a:bodyPr>
+          <a:lstStyle>
+            <a:lvl1pPr marL="228600" indent="-228600" algn="l" defTabSz="914400" rtl="0" eaLnBrk="1" latinLnBrk="0" hangingPunct="1">
+              <a:lnSpc>
+                <a:spcPct val="90000"/>
+              </a:lnSpc>
+              <a:spcBef>
+                <a:spcPts val="1000"/>
+              </a:spcBef>
+              <a:buFont typeface="Arial" panose="020B0604020202020204" pitchFamily="34" charset="0"/>
+              <a:buChar char="•"/>
+              <a:defRPr sz="2800" kern="1200">
+                <a:solidFill>
+                  <a:schemeClr val="tx1"/>
+                </a:solidFill>
+                <a:latin typeface="+mn-lt"/>
+                <a:ea typeface="+mn-ea"/>
+                <a:cs typeface="+mn-cs"/>
+              </a:defRPr>
+            </a:lvl1pPr>
+            <a:lvl2pPr marL="685800" indent="-228600" algn="l" defTabSz="914400" rtl="0" eaLnBrk="1" latinLnBrk="0" hangingPunct="1">
+              <a:lnSpc>
+                <a:spcPct val="90000"/>
+              </a:lnSpc>
+              <a:spcBef>
+                <a:spcPts val="500"/>
+              </a:spcBef>
+              <a:buFont typeface="Arial" panose="020B0604020202020204" pitchFamily="34" charset="0"/>
+              <a:buChar char="•"/>
+              <a:defRPr sz="2400" kern="1200">
+                <a:solidFill>
+                  <a:schemeClr val="tx1"/>
+                </a:solidFill>
+                <a:latin typeface="+mn-lt"/>
+                <a:ea typeface="+mn-ea"/>
+                <a:cs typeface="+mn-cs"/>
+              </a:defRPr>
+            </a:lvl2pPr>
+            <a:lvl3pPr marL="1143000" indent="-228600" algn="l" defTabSz="914400" rtl="0" eaLnBrk="1" latinLnBrk="0" hangingPunct="1">
+              <a:lnSpc>
+                <a:spcPct val="90000"/>
+              </a:lnSpc>
+              <a:spcBef>
+                <a:spcPts val="500"/>
+              </a:spcBef>
+              <a:buFont typeface="Arial" panose="020B0604020202020204" pitchFamily="34" charset="0"/>
+              <a:buChar char="•"/>
+              <a:defRPr sz="2000" kern="1200">
+                <a:solidFill>
+                  <a:schemeClr val="tx1"/>
+                </a:solidFill>
+                <a:latin typeface="+mn-lt"/>
+                <a:ea typeface="+mn-ea"/>
+                <a:cs typeface="+mn-cs"/>
+              </a:defRPr>
+            </a:lvl3pPr>
+            <a:lvl4pPr marL="1600200" indent="-228600" algn="l" defTabSz="914400" rtl="0" eaLnBrk="1" latinLnBrk="0" hangingPunct="1">
+              <a:lnSpc>
+                <a:spcPct val="90000"/>
+              </a:lnSpc>
+              <a:spcBef>
+                <a:spcPts val="500"/>
+              </a:spcBef>
+              <a:buFont typeface="Arial" panose="020B0604020202020204" pitchFamily="34" charset="0"/>
+              <a:buChar char="•"/>
+              <a:defRPr sz="1800" kern="1200">
+                <a:solidFill>
+                  <a:schemeClr val="tx1"/>
+                </a:solidFill>
+                <a:latin typeface="+mn-lt"/>
+                <a:ea typeface="+mn-ea"/>
+                <a:cs typeface="+mn-cs"/>
+              </a:defRPr>
+            </a:lvl4pPr>
+            <a:lvl5pPr marL="2057400" indent="-228600" algn="l" defTabSz="914400" rtl="0" eaLnBrk="1" latinLnBrk="0" hangingPunct="1">
+              <a:lnSpc>
+                <a:spcPct val="90000"/>
+              </a:lnSpc>
+              <a:spcBef>
+                <a:spcPts val="500"/>
+              </a:spcBef>
+              <a:buFont typeface="Arial" panose="020B0604020202020204" pitchFamily="34" charset="0"/>
+              <a:buChar char="•"/>
+              <a:defRPr sz="1800" kern="1200">
+                <a:solidFill>
+                  <a:schemeClr val="tx1"/>
+                </a:solidFill>
+                <a:latin typeface="+mn-lt"/>
+                <a:ea typeface="+mn-ea"/>
+                <a:cs typeface="+mn-cs"/>
+              </a:defRPr>
+            </a:lvl5pPr>
+            <a:lvl6pPr marL="2514600" indent="-228600" algn="l" defTabSz="914400" rtl="0" eaLnBrk="1" latinLnBrk="0" hangingPunct="1">
+              <a:lnSpc>
+                <a:spcPct val="90000"/>
+              </a:lnSpc>
+              <a:spcBef>
+                <a:spcPts val="500"/>
+              </a:spcBef>
+              <a:buFont typeface="Arial" panose="020B0604020202020204" pitchFamily="34" charset="0"/>
+              <a:buChar char="•"/>
+              <a:defRPr sz="1800" kern="1200">
+                <a:solidFill>
+                  <a:schemeClr val="tx1"/>
+                </a:solidFill>
+                <a:latin typeface="+mn-lt"/>
+                <a:ea typeface="+mn-ea"/>
+                <a:cs typeface="+mn-cs"/>
+              </a:defRPr>
+            </a:lvl6pPr>
+            <a:lvl7pPr marL="2971800" indent="-228600" algn="l" defTabSz="914400" rtl="0" eaLnBrk="1" latinLnBrk="0" hangingPunct="1">
+              <a:lnSpc>
+                <a:spcPct val="90000"/>
+              </a:lnSpc>
+              <a:spcBef>
+                <a:spcPts val="500"/>
+              </a:spcBef>
+              <a:buFont typeface="Arial" panose="020B0604020202020204" pitchFamily="34" charset="0"/>
+              <a:buChar char="•"/>
+              <a:defRPr sz="1800" kern="1200">
+                <a:solidFill>
+                  <a:schemeClr val="tx1"/>
+                </a:solidFill>
+                <a:latin typeface="+mn-lt"/>
+                <a:ea typeface="+mn-ea"/>
+                <a:cs typeface="+mn-cs"/>
+              </a:defRPr>
+            </a:lvl7pPr>
+            <a:lvl8pPr marL="3429000" indent="-228600" algn="l" defTabSz="914400" rtl="0" eaLnBrk="1" latinLnBrk="0" hangingPunct="1">
+              <a:lnSpc>
+                <a:spcPct val="90000"/>
+              </a:lnSpc>
+              <a:spcBef>
+                <a:spcPts val="500"/>
+              </a:spcBef>
+              <a:buFont typeface="Arial" panose="020B0604020202020204" pitchFamily="34" charset="0"/>
+              <a:buChar char="•"/>
+              <a:defRPr sz="1800" kern="1200">
+                <a:solidFill>
+                  <a:schemeClr val="tx1"/>
+                </a:solidFill>
+                <a:latin typeface="+mn-lt"/>
+                <a:ea typeface="+mn-ea"/>
+                <a:cs typeface="+mn-cs"/>
+              </a:defRPr>
+            </a:lvl8pPr>
+            <a:lvl9pPr marL="3886200" indent="-228600" algn="l" defTabSz="914400" rtl="0" eaLnBrk="1" latinLnBrk="0" hangingPunct="1">
+              <a:lnSpc>
+                <a:spcPct val="90000"/>
+              </a:lnSpc>
+              <a:spcBef>
+                <a:spcPts val="500"/>
+              </a:spcBef>
+              <a:buFont typeface="Arial" panose="020B0604020202020204" pitchFamily="34" charset="0"/>
+              <a:buChar char="•"/>
+              <a:defRPr sz="1800" kern="1200">
+                <a:solidFill>
+                  <a:schemeClr val="tx1"/>
+                </a:solidFill>
+                <a:latin typeface="+mn-lt"/>
+                <a:ea typeface="+mn-ea"/>
+                <a:cs typeface="+mn-cs"/>
+              </a:defRPr>
+            </a:lvl9pPr>
+          </a:lstStyle>
+          <a:p>
+            <a:pPr marL="0" indent="0">
+              <a:buFont typeface="Arial" panose="020B0604020202020204" pitchFamily="34" charset="0"/>
+              <a:buNone/>
+            </a:pPr>
+            <a:endParaRPr lang="es-CL"/>
+          </a:p>
+          <a:p>
+            <a:pPr marL="0" indent="0">
+              <a:buFont typeface="Arial" panose="020B0604020202020204" pitchFamily="34" charset="0"/>
+              <a:buNone/>
+            </a:pPr>
+            <a:endParaRPr lang="es-CL"/>
+          </a:p>
+          <a:p>
+            <a:pPr marL="0" indent="0">
+              <a:buFont typeface="Arial" panose="020B0604020202020204" pitchFamily="34" charset="0"/>
+              <a:buNone/>
+            </a:pPr>
+            <a:endParaRPr lang="es-CL"/>
+          </a:p>
+          <a:p>
+            <a:pPr marL="0" indent="0">
+              <a:buFont typeface="Arial" panose="020B0604020202020204" pitchFamily="34" charset="0"/>
+              <a:buNone/>
+            </a:pPr>
+            <a:endParaRPr lang="es-CL"/>
+          </a:p>
+          <a:p>
+            <a:pPr marL="0" indent="0">
+              <a:buFont typeface="Arial" panose="020B0604020202020204" pitchFamily="34" charset="0"/>
+              <a:buNone/>
+            </a:pPr>
+            <a:endParaRPr lang="es-CL" dirty="0"/>
+          </a:p>
+        </p:txBody>
+      </p:sp>
+      <p:sp>
+        <p:nvSpPr>
+          <p:cNvPr id="4" name="Marcador de contenido 3">
+            <a:extLst>
+              <a:ext uri="{FF2B5EF4-FFF2-40B4-BE49-F238E27FC236}">
+                <a16:creationId xmlns:a16="http://schemas.microsoft.com/office/drawing/2014/main" id="{72D3A5C7-1652-1759-B662-87213A4C4986}"/>
+              </a:ext>
+            </a:extLst>
+          </p:cNvPr>
+          <p:cNvSpPr>
+            <a:spLocks noGrp="1"/>
+          </p:cNvSpPr>
+          <p:nvPr>
+            <p:ph idx="1"/>
+          </p:nvPr>
+        </p:nvSpPr>
+        <p:spPr/>
+        <p:txBody>
+          <a:bodyPr/>
+          <a:lstStyle/>
+          <a:p>
+            <a:endParaRPr lang="en-US"/>
+          </a:p>
+        </p:txBody>
+      </p:sp>
+      <p:pic>
+        <p:nvPicPr>
+          <p:cNvPr id="3" name="Imagen 2">
+            <a:extLst>
+              <a:ext uri="{FF2B5EF4-FFF2-40B4-BE49-F238E27FC236}">
+                <a16:creationId xmlns:a16="http://schemas.microsoft.com/office/drawing/2014/main" id="{17680E6F-4444-12F8-F91F-62DC5A12D7BB}"/>
+              </a:ext>
+            </a:extLst>
+          </p:cNvPr>
+          <p:cNvPicPr>
+            <a:picLocks noChangeAspect="1"/>
+          </p:cNvPicPr>
+          <p:nvPr/>
+        </p:nvPicPr>
+        <p:blipFill>
+          <a:blip r:embed="rId2"/>
+          <a:stretch>
+            <a:fillRect/>
+          </a:stretch>
+        </p:blipFill>
+        <p:spPr>
+          <a:xfrm>
+            <a:off x="2319337" y="1328737"/>
+            <a:ext cx="7553325" cy="4200525"/>
+          </a:xfrm>
+          <a:prstGeom prst="rect">
+            <a:avLst/>
+          </a:prstGeom>
+        </p:spPr>
+      </p:pic>
+    </p:spTree>
+    <p:extLst>
+      <p:ext uri="{BB962C8B-B14F-4D97-AF65-F5344CB8AC3E}">
+        <p14:creationId xmlns:p14="http://schemas.microsoft.com/office/powerpoint/2010/main" val="3231400977"/>
+      </p:ext>
+    </p:extLst>
+  </p:cSld>
+  <p:clrMapOvr>
+    <a:masterClrMapping/>
+  </p:clrMapOvr>
+  <mc:AlternateContent xmlns:mc="http://schemas.openxmlformats.org/markup-compatibility/2006" xmlns:p14="http://schemas.microsoft.com/office/powerpoint/2010/main">
+    <mc:Choice Requires="p14">
+      <p:transition spd="slow" p14:dur="1200">
+        <p14:prism/>
+      </p:transition>
+    </mc:Choice>
+    <mc:Fallback xmlns="">
+      <p:transition spd="slow">
+        <p:fade/>
+      </p:transition>
+    </mc:Fallback>
+  </mc:AlternateContent>
+</p:sld>
+</file>
+
+<file path=ppt/slides/slide14.xml><?xml version="1.0" encoding="utf-8"?>
+<p:sld xmlns:a="http://schemas.openxmlformats.org/drawingml/2006/main" xmlns:r="http://schemas.openxmlformats.org/officeDocument/2006/relationships" xmlns:p="http://schemas.openxmlformats.org/presentationml/2006/main">
+  <p:cSld>
+    <p:spTree>
+      <p:nvGrpSpPr>
+        <p:cNvPr id="1" name=""/>
+        <p:cNvGrpSpPr/>
+        <p:nvPr/>
+      </p:nvGrpSpPr>
+      <p:grpSpPr>
+        <a:xfrm>
+          <a:off x="0" y="0"/>
+          <a:ext cx="0" cy="0"/>
+          <a:chOff x="0" y="0"/>
+          <a:chExt cx="0" cy="0"/>
+        </a:xfrm>
+      </p:grpSpPr>
+      <p:sp>
+        <p:nvSpPr>
+          <p:cNvPr id="6" name="Rectángulo 5">
+            <a:extLst>
+              <a:ext uri="{FF2B5EF4-FFF2-40B4-BE49-F238E27FC236}">
+                <a16:creationId xmlns:a16="http://schemas.microsoft.com/office/drawing/2014/main" id="{B9BF6B8A-1DB3-C04A-9FC5-D2A10722D782}"/>
+              </a:ext>
+            </a:extLst>
+          </p:cNvPr>
+          <p:cNvSpPr/>
+          <p:nvPr/>
+        </p:nvSpPr>
+        <p:spPr>
+          <a:xfrm>
+            <a:off x="159657" y="73843"/>
+            <a:ext cx="6807202" cy="369332"/>
+          </a:xfrm>
+          <a:prstGeom prst="rect">
+            <a:avLst/>
+          </a:prstGeom>
+        </p:spPr>
+        <p:txBody>
+          <a:bodyPr wrap="square">
+            <a:spAutoFit/>
+          </a:bodyPr>
+          <a:lstStyle/>
+          <a:p>
+            <a:r>
+              <a:rPr lang="es-ES" b="1" dirty="0" err="1">
+                <a:solidFill>
+                  <a:schemeClr val="bg1"/>
+                </a:solidFill>
+                <a:latin typeface="Myriad Pro Cond" panose="020B0506030403020204" pitchFamily="34" charset="0"/>
+                <a:ea typeface="Arial Narrow" charset="0"/>
+                <a:cs typeface="Arial Narrow" charset="0"/>
+              </a:rPr>
+              <a:t>Overtfitting</a:t>
+            </a:r>
+            <a:r>
+              <a:rPr lang="es-ES" b="1" dirty="0">
+                <a:solidFill>
+                  <a:schemeClr val="bg1"/>
+                </a:solidFill>
+                <a:latin typeface="Myriad Pro Cond" panose="020B0506030403020204" pitchFamily="34" charset="0"/>
+                <a:ea typeface="Arial Narrow" charset="0"/>
+                <a:cs typeface="Arial Narrow" charset="0"/>
+              </a:rPr>
+              <a:t> en árboles de decisión (</a:t>
+            </a:r>
+            <a:r>
+              <a:rPr lang="es-ES" b="1" dirty="0" err="1">
+                <a:solidFill>
+                  <a:schemeClr val="bg1"/>
+                </a:solidFill>
+                <a:latin typeface="Myriad Pro Cond" panose="020B0506030403020204" pitchFamily="34" charset="0"/>
+                <a:ea typeface="Arial Narrow" charset="0"/>
+                <a:cs typeface="Arial Narrow" charset="0"/>
+              </a:rPr>
+              <a:t>post-poda</a:t>
+            </a:r>
+            <a:r>
+              <a:rPr lang="es-ES" b="1" dirty="0">
+                <a:solidFill>
+                  <a:schemeClr val="bg1"/>
+                </a:solidFill>
+                <a:latin typeface="Myriad Pro Cond" panose="020B0506030403020204" pitchFamily="34" charset="0"/>
+                <a:ea typeface="Arial Narrow" charset="0"/>
+                <a:cs typeface="Arial Narrow" charset="0"/>
+              </a:rPr>
+              <a:t>)</a:t>
+            </a:r>
+            <a:endParaRPr lang="es-ES_tradnl" b="1" dirty="0">
+              <a:solidFill>
+                <a:schemeClr val="bg1"/>
+              </a:solidFill>
+              <a:latin typeface="Myriad Pro Cond" panose="020B0506030403020204" pitchFamily="34" charset="0"/>
+              <a:ea typeface="Arial Narrow" charset="0"/>
+              <a:cs typeface="Arial Narrow" charset="0"/>
+            </a:endParaRPr>
+          </a:p>
+        </p:txBody>
+      </p:sp>
+      <p:sp>
+        <p:nvSpPr>
+          <p:cNvPr id="8" name="Marcador de contenido 1">
+            <a:extLst>
+              <a:ext uri="{FF2B5EF4-FFF2-40B4-BE49-F238E27FC236}">
+                <a16:creationId xmlns:a16="http://schemas.microsoft.com/office/drawing/2014/main" id="{F22B2A3D-7090-9A77-BBC2-684E97930BAE}"/>
+              </a:ext>
+            </a:extLst>
+          </p:cNvPr>
+          <p:cNvSpPr txBox="1">
+            <a:spLocks/>
+          </p:cNvSpPr>
+          <p:nvPr/>
+        </p:nvSpPr>
+        <p:spPr>
+          <a:xfrm>
+            <a:off x="476026" y="1240716"/>
+            <a:ext cx="11888096" cy="5766097"/>
+          </a:xfrm>
+          <a:prstGeom prst="rect">
+            <a:avLst/>
+          </a:prstGeom>
+        </p:spPr>
+        <p:txBody>
+          <a:bodyPr vert="horz" lIns="91440" tIns="45720" rIns="91440" bIns="45720" rtlCol="0">
+            <a:normAutofit/>
+          </a:bodyPr>
+          <a:lstStyle>
+            <a:lvl1pPr marL="228600" indent="-228600" algn="l" defTabSz="914400" rtl="0" eaLnBrk="1" latinLnBrk="0" hangingPunct="1">
+              <a:lnSpc>
+                <a:spcPct val="90000"/>
+              </a:lnSpc>
+              <a:spcBef>
+                <a:spcPts val="1000"/>
+              </a:spcBef>
+              <a:buFont typeface="Arial" panose="020B0604020202020204" pitchFamily="34" charset="0"/>
+              <a:buChar char="•"/>
+              <a:defRPr sz="2800" kern="1200">
+                <a:solidFill>
+                  <a:schemeClr val="tx1"/>
+                </a:solidFill>
+                <a:latin typeface="+mn-lt"/>
+                <a:ea typeface="+mn-ea"/>
+                <a:cs typeface="+mn-cs"/>
+              </a:defRPr>
+            </a:lvl1pPr>
+            <a:lvl2pPr marL="685800" indent="-228600" algn="l" defTabSz="914400" rtl="0" eaLnBrk="1" latinLnBrk="0" hangingPunct="1">
+              <a:lnSpc>
+                <a:spcPct val="90000"/>
+              </a:lnSpc>
+              <a:spcBef>
+                <a:spcPts val="500"/>
+              </a:spcBef>
+              <a:buFont typeface="Arial" panose="020B0604020202020204" pitchFamily="34" charset="0"/>
+              <a:buChar char="•"/>
+              <a:defRPr sz="2400" kern="1200">
+                <a:solidFill>
+                  <a:schemeClr val="tx1"/>
+                </a:solidFill>
+                <a:latin typeface="+mn-lt"/>
+                <a:ea typeface="+mn-ea"/>
+                <a:cs typeface="+mn-cs"/>
+              </a:defRPr>
+            </a:lvl2pPr>
+            <a:lvl3pPr marL="1143000" indent="-228600" algn="l" defTabSz="914400" rtl="0" eaLnBrk="1" latinLnBrk="0" hangingPunct="1">
+              <a:lnSpc>
+                <a:spcPct val="90000"/>
+              </a:lnSpc>
+              <a:spcBef>
+                <a:spcPts val="500"/>
+              </a:spcBef>
+              <a:buFont typeface="Arial" panose="020B0604020202020204" pitchFamily="34" charset="0"/>
+              <a:buChar char="•"/>
+              <a:defRPr sz="2000" kern="1200">
+                <a:solidFill>
+                  <a:schemeClr val="tx1"/>
+                </a:solidFill>
+                <a:latin typeface="+mn-lt"/>
+                <a:ea typeface="+mn-ea"/>
+                <a:cs typeface="+mn-cs"/>
+              </a:defRPr>
+            </a:lvl3pPr>
+            <a:lvl4pPr marL="1600200" indent="-228600" algn="l" defTabSz="914400" rtl="0" eaLnBrk="1" latinLnBrk="0" hangingPunct="1">
+              <a:lnSpc>
+                <a:spcPct val="90000"/>
+              </a:lnSpc>
+              <a:spcBef>
+                <a:spcPts val="500"/>
+              </a:spcBef>
+              <a:buFont typeface="Arial" panose="020B0604020202020204" pitchFamily="34" charset="0"/>
+              <a:buChar char="•"/>
+              <a:defRPr sz="1800" kern="1200">
+                <a:solidFill>
+                  <a:schemeClr val="tx1"/>
+                </a:solidFill>
+                <a:latin typeface="+mn-lt"/>
+                <a:ea typeface="+mn-ea"/>
+                <a:cs typeface="+mn-cs"/>
+              </a:defRPr>
+            </a:lvl4pPr>
+            <a:lvl5pPr marL="2057400" indent="-228600" algn="l" defTabSz="914400" rtl="0" eaLnBrk="1" latinLnBrk="0" hangingPunct="1">
+              <a:lnSpc>
+                <a:spcPct val="90000"/>
+              </a:lnSpc>
+              <a:spcBef>
+                <a:spcPts val="500"/>
+              </a:spcBef>
+              <a:buFont typeface="Arial" panose="020B0604020202020204" pitchFamily="34" charset="0"/>
+              <a:buChar char="•"/>
+              <a:defRPr sz="1800" kern="1200">
+                <a:solidFill>
+                  <a:schemeClr val="tx1"/>
+                </a:solidFill>
+                <a:latin typeface="+mn-lt"/>
+                <a:ea typeface="+mn-ea"/>
+                <a:cs typeface="+mn-cs"/>
+              </a:defRPr>
+            </a:lvl5pPr>
+            <a:lvl6pPr marL="2514600" indent="-228600" algn="l" defTabSz="914400" rtl="0" eaLnBrk="1" latinLnBrk="0" hangingPunct="1">
+              <a:lnSpc>
+                <a:spcPct val="90000"/>
+              </a:lnSpc>
+              <a:spcBef>
+                <a:spcPts val="500"/>
+              </a:spcBef>
+              <a:buFont typeface="Arial" panose="020B0604020202020204" pitchFamily="34" charset="0"/>
+              <a:buChar char="•"/>
+              <a:defRPr sz="1800" kern="1200">
+                <a:solidFill>
+                  <a:schemeClr val="tx1"/>
+                </a:solidFill>
+                <a:latin typeface="+mn-lt"/>
+                <a:ea typeface="+mn-ea"/>
+                <a:cs typeface="+mn-cs"/>
+              </a:defRPr>
+            </a:lvl6pPr>
+            <a:lvl7pPr marL="2971800" indent="-228600" algn="l" defTabSz="914400" rtl="0" eaLnBrk="1" latinLnBrk="0" hangingPunct="1">
+              <a:lnSpc>
+                <a:spcPct val="90000"/>
+              </a:lnSpc>
+              <a:spcBef>
+                <a:spcPts val="500"/>
+              </a:spcBef>
+              <a:buFont typeface="Arial" panose="020B0604020202020204" pitchFamily="34" charset="0"/>
+              <a:buChar char="•"/>
+              <a:defRPr sz="1800" kern="1200">
+                <a:solidFill>
+                  <a:schemeClr val="tx1"/>
+                </a:solidFill>
+                <a:latin typeface="+mn-lt"/>
+                <a:ea typeface="+mn-ea"/>
+                <a:cs typeface="+mn-cs"/>
+              </a:defRPr>
+            </a:lvl7pPr>
+            <a:lvl8pPr marL="3429000" indent="-228600" algn="l" defTabSz="914400" rtl="0" eaLnBrk="1" latinLnBrk="0" hangingPunct="1">
+              <a:lnSpc>
+                <a:spcPct val="90000"/>
+              </a:lnSpc>
+              <a:spcBef>
+                <a:spcPts val="500"/>
+              </a:spcBef>
+              <a:buFont typeface="Arial" panose="020B0604020202020204" pitchFamily="34" charset="0"/>
+              <a:buChar char="•"/>
+              <a:defRPr sz="1800" kern="1200">
+                <a:solidFill>
+                  <a:schemeClr val="tx1"/>
+                </a:solidFill>
+                <a:latin typeface="+mn-lt"/>
+                <a:ea typeface="+mn-ea"/>
+                <a:cs typeface="+mn-cs"/>
+              </a:defRPr>
+            </a:lvl8pPr>
+            <a:lvl9pPr marL="3886200" indent="-228600" algn="l" defTabSz="914400" rtl="0" eaLnBrk="1" latinLnBrk="0" hangingPunct="1">
+              <a:lnSpc>
+                <a:spcPct val="90000"/>
+              </a:lnSpc>
+              <a:spcBef>
+                <a:spcPts val="500"/>
+              </a:spcBef>
+              <a:buFont typeface="Arial" panose="020B0604020202020204" pitchFamily="34" charset="0"/>
+              <a:buChar char="•"/>
+              <a:defRPr sz="1800" kern="1200">
+                <a:solidFill>
+                  <a:schemeClr val="tx1"/>
+                </a:solidFill>
+                <a:latin typeface="+mn-lt"/>
+                <a:ea typeface="+mn-ea"/>
+                <a:cs typeface="+mn-cs"/>
+              </a:defRPr>
+            </a:lvl9pPr>
+          </a:lstStyle>
+          <a:p>
+            <a:pPr marL="0" indent="0">
+              <a:buFont typeface="Arial" panose="020B0604020202020204" pitchFamily="34" charset="0"/>
+              <a:buNone/>
+            </a:pPr>
+            <a:endParaRPr lang="es-CL" dirty="0"/>
+          </a:p>
+          <a:p>
+            <a:pPr marL="0" indent="0">
+              <a:buFont typeface="Arial" panose="020B0604020202020204" pitchFamily="34" charset="0"/>
+              <a:buNone/>
+            </a:pPr>
+            <a:endParaRPr lang="es-CL" dirty="0"/>
+          </a:p>
+          <a:p>
+            <a:pPr marL="0" indent="0">
+              <a:buFont typeface="Arial" panose="020B0604020202020204" pitchFamily="34" charset="0"/>
+              <a:buNone/>
+            </a:pPr>
+            <a:endParaRPr lang="es-CL" dirty="0"/>
+          </a:p>
+          <a:p>
+            <a:pPr marL="0" indent="0">
+              <a:buFont typeface="Arial" panose="020B0604020202020204" pitchFamily="34" charset="0"/>
+              <a:buNone/>
+            </a:pPr>
+            <a:endParaRPr lang="es-CL" dirty="0"/>
+          </a:p>
+          <a:p>
+            <a:pPr marL="0" indent="0">
+              <a:buFont typeface="Arial" panose="020B0604020202020204" pitchFamily="34" charset="0"/>
+              <a:buNone/>
+            </a:pPr>
+            <a:endParaRPr lang="es-CL" dirty="0"/>
+          </a:p>
+        </p:txBody>
+      </p:sp>
+      <p:sp>
+        <p:nvSpPr>
+          <p:cNvPr id="10" name="Marcador de contenido 1">
+            <a:extLst>
+              <a:ext uri="{FF2B5EF4-FFF2-40B4-BE49-F238E27FC236}">
+                <a16:creationId xmlns:a16="http://schemas.microsoft.com/office/drawing/2014/main" id="{DBD3B9B2-9415-82BF-01C3-1837C11C66FF}"/>
+              </a:ext>
+            </a:extLst>
+          </p:cNvPr>
+          <p:cNvSpPr txBox="1">
+            <a:spLocks/>
+          </p:cNvSpPr>
+          <p:nvPr/>
+        </p:nvSpPr>
+        <p:spPr>
+          <a:xfrm>
+            <a:off x="-69227" y="915701"/>
+            <a:ext cx="11888096" cy="5766097"/>
+          </a:xfrm>
+          <a:prstGeom prst="rect">
+            <a:avLst/>
+          </a:prstGeom>
+        </p:spPr>
+        <p:txBody>
+          <a:bodyPr vert="horz" lIns="91440" tIns="45720" rIns="91440" bIns="45720" rtlCol="0">
+            <a:normAutofit/>
+          </a:bodyPr>
+          <a:lstStyle>
+            <a:lvl1pPr marL="228600" indent="-228600" algn="l" defTabSz="914400" rtl="0" eaLnBrk="1" latinLnBrk="0" hangingPunct="1">
+              <a:lnSpc>
+                <a:spcPct val="90000"/>
+              </a:lnSpc>
+              <a:spcBef>
+                <a:spcPts val="1000"/>
+              </a:spcBef>
+              <a:buFont typeface="Arial" panose="020B0604020202020204" pitchFamily="34" charset="0"/>
+              <a:buChar char="•"/>
+              <a:defRPr sz="2800" kern="1200">
+                <a:solidFill>
+                  <a:schemeClr val="tx1"/>
+                </a:solidFill>
+                <a:latin typeface="+mn-lt"/>
+                <a:ea typeface="+mn-ea"/>
+                <a:cs typeface="+mn-cs"/>
+              </a:defRPr>
+            </a:lvl1pPr>
+            <a:lvl2pPr marL="685800" indent="-228600" algn="l" defTabSz="914400" rtl="0" eaLnBrk="1" latinLnBrk="0" hangingPunct="1">
+              <a:lnSpc>
+                <a:spcPct val="90000"/>
+              </a:lnSpc>
+              <a:spcBef>
+                <a:spcPts val="500"/>
+              </a:spcBef>
+              <a:buFont typeface="Arial" panose="020B0604020202020204" pitchFamily="34" charset="0"/>
+              <a:buChar char="•"/>
+              <a:defRPr sz="2400" kern="1200">
+                <a:solidFill>
+                  <a:schemeClr val="tx1"/>
+                </a:solidFill>
+                <a:latin typeface="+mn-lt"/>
+                <a:ea typeface="+mn-ea"/>
+                <a:cs typeface="+mn-cs"/>
+              </a:defRPr>
+            </a:lvl2pPr>
+            <a:lvl3pPr marL="1143000" indent="-228600" algn="l" defTabSz="914400" rtl="0" eaLnBrk="1" latinLnBrk="0" hangingPunct="1">
+              <a:lnSpc>
+                <a:spcPct val="90000"/>
+              </a:lnSpc>
+              <a:spcBef>
+                <a:spcPts val="500"/>
+              </a:spcBef>
+              <a:buFont typeface="Arial" panose="020B0604020202020204" pitchFamily="34" charset="0"/>
+              <a:buChar char="•"/>
+              <a:defRPr sz="2000" kern="1200">
+                <a:solidFill>
+                  <a:schemeClr val="tx1"/>
+                </a:solidFill>
+                <a:latin typeface="+mn-lt"/>
+                <a:ea typeface="+mn-ea"/>
+                <a:cs typeface="+mn-cs"/>
+              </a:defRPr>
+            </a:lvl3pPr>
+            <a:lvl4pPr marL="1600200" indent="-228600" algn="l" defTabSz="914400" rtl="0" eaLnBrk="1" latinLnBrk="0" hangingPunct="1">
+              <a:lnSpc>
+                <a:spcPct val="90000"/>
+              </a:lnSpc>
+              <a:spcBef>
+                <a:spcPts val="500"/>
+              </a:spcBef>
+              <a:buFont typeface="Arial" panose="020B0604020202020204" pitchFamily="34" charset="0"/>
+              <a:buChar char="•"/>
+              <a:defRPr sz="1800" kern="1200">
+                <a:solidFill>
+                  <a:schemeClr val="tx1"/>
+                </a:solidFill>
+                <a:latin typeface="+mn-lt"/>
+                <a:ea typeface="+mn-ea"/>
+                <a:cs typeface="+mn-cs"/>
+              </a:defRPr>
+            </a:lvl4pPr>
+            <a:lvl5pPr marL="2057400" indent="-228600" algn="l" defTabSz="914400" rtl="0" eaLnBrk="1" latinLnBrk="0" hangingPunct="1">
+              <a:lnSpc>
+                <a:spcPct val="90000"/>
+              </a:lnSpc>
+              <a:spcBef>
+                <a:spcPts val="500"/>
+              </a:spcBef>
+              <a:buFont typeface="Arial" panose="020B0604020202020204" pitchFamily="34" charset="0"/>
+              <a:buChar char="•"/>
+              <a:defRPr sz="1800" kern="1200">
+                <a:solidFill>
+                  <a:schemeClr val="tx1"/>
+                </a:solidFill>
+                <a:latin typeface="+mn-lt"/>
+                <a:ea typeface="+mn-ea"/>
+                <a:cs typeface="+mn-cs"/>
+              </a:defRPr>
+            </a:lvl5pPr>
+            <a:lvl6pPr marL="2514600" indent="-228600" algn="l" defTabSz="914400" rtl="0" eaLnBrk="1" latinLnBrk="0" hangingPunct="1">
+              <a:lnSpc>
+                <a:spcPct val="90000"/>
+              </a:lnSpc>
+              <a:spcBef>
+                <a:spcPts val="500"/>
+              </a:spcBef>
+              <a:buFont typeface="Arial" panose="020B0604020202020204" pitchFamily="34" charset="0"/>
+              <a:buChar char="•"/>
+              <a:defRPr sz="1800" kern="1200">
+                <a:solidFill>
+                  <a:schemeClr val="tx1"/>
+                </a:solidFill>
+                <a:latin typeface="+mn-lt"/>
+                <a:ea typeface="+mn-ea"/>
+                <a:cs typeface="+mn-cs"/>
+              </a:defRPr>
+            </a:lvl6pPr>
+            <a:lvl7pPr marL="2971800" indent="-228600" algn="l" defTabSz="914400" rtl="0" eaLnBrk="1" latinLnBrk="0" hangingPunct="1">
+              <a:lnSpc>
+                <a:spcPct val="90000"/>
+              </a:lnSpc>
+              <a:spcBef>
+                <a:spcPts val="500"/>
+              </a:spcBef>
+              <a:buFont typeface="Arial" panose="020B0604020202020204" pitchFamily="34" charset="0"/>
+              <a:buChar char="•"/>
+              <a:defRPr sz="1800" kern="1200">
+                <a:solidFill>
+                  <a:schemeClr val="tx1"/>
+                </a:solidFill>
+                <a:latin typeface="+mn-lt"/>
+                <a:ea typeface="+mn-ea"/>
+                <a:cs typeface="+mn-cs"/>
+              </a:defRPr>
+            </a:lvl7pPr>
+            <a:lvl8pPr marL="3429000" indent="-228600" algn="l" defTabSz="914400" rtl="0" eaLnBrk="1" latinLnBrk="0" hangingPunct="1">
+              <a:lnSpc>
+                <a:spcPct val="90000"/>
+              </a:lnSpc>
+              <a:spcBef>
+                <a:spcPts val="500"/>
+              </a:spcBef>
+              <a:buFont typeface="Arial" panose="020B0604020202020204" pitchFamily="34" charset="0"/>
+              <a:buChar char="•"/>
+              <a:defRPr sz="1800" kern="1200">
+                <a:solidFill>
+                  <a:schemeClr val="tx1"/>
+                </a:solidFill>
+                <a:latin typeface="+mn-lt"/>
+                <a:ea typeface="+mn-ea"/>
+                <a:cs typeface="+mn-cs"/>
+              </a:defRPr>
+            </a:lvl8pPr>
+            <a:lvl9pPr marL="3886200" indent="-228600" algn="l" defTabSz="914400" rtl="0" eaLnBrk="1" latinLnBrk="0" hangingPunct="1">
+              <a:lnSpc>
+                <a:spcPct val="90000"/>
+              </a:lnSpc>
+              <a:spcBef>
+                <a:spcPts val="500"/>
+              </a:spcBef>
+              <a:buFont typeface="Arial" panose="020B0604020202020204" pitchFamily="34" charset="0"/>
+              <a:buChar char="•"/>
+              <a:defRPr sz="1800" kern="1200">
+                <a:solidFill>
+                  <a:schemeClr val="tx1"/>
+                </a:solidFill>
+                <a:latin typeface="+mn-lt"/>
+                <a:ea typeface="+mn-ea"/>
+                <a:cs typeface="+mn-cs"/>
+              </a:defRPr>
+            </a:lvl9pPr>
+          </a:lstStyle>
+          <a:p>
+            <a:pPr marL="0" indent="0">
+              <a:buFont typeface="Arial" panose="020B0604020202020204" pitchFamily="34" charset="0"/>
+              <a:buNone/>
+            </a:pPr>
+            <a:endParaRPr lang="es-CL"/>
+          </a:p>
+          <a:p>
+            <a:pPr marL="0" indent="0">
+              <a:buFont typeface="Arial" panose="020B0604020202020204" pitchFamily="34" charset="0"/>
+              <a:buNone/>
+            </a:pPr>
+            <a:endParaRPr lang="es-CL"/>
+          </a:p>
+          <a:p>
+            <a:pPr marL="0" indent="0">
+              <a:buFont typeface="Arial" panose="020B0604020202020204" pitchFamily="34" charset="0"/>
+              <a:buNone/>
+            </a:pPr>
+            <a:endParaRPr lang="es-CL"/>
+          </a:p>
+          <a:p>
+            <a:pPr marL="0" indent="0">
+              <a:buFont typeface="Arial" panose="020B0604020202020204" pitchFamily="34" charset="0"/>
+              <a:buNone/>
+            </a:pPr>
+            <a:endParaRPr lang="es-CL"/>
+          </a:p>
+          <a:p>
+            <a:pPr marL="0" indent="0">
+              <a:buFont typeface="Arial" panose="020B0604020202020204" pitchFamily="34" charset="0"/>
+              <a:buNone/>
+            </a:pPr>
+            <a:endParaRPr lang="es-CL" dirty="0"/>
+          </a:p>
+        </p:txBody>
+      </p:sp>
+      <p:pic>
+        <p:nvPicPr>
+          <p:cNvPr id="3" name="Marcador de contenido 2">
+            <a:extLst>
+              <a:ext uri="{FF2B5EF4-FFF2-40B4-BE49-F238E27FC236}">
+                <a16:creationId xmlns:a16="http://schemas.microsoft.com/office/drawing/2014/main" id="{B72481A1-CD6C-4E80-7751-3A1F9793A652}"/>
+              </a:ext>
+            </a:extLst>
+          </p:cNvPr>
+          <p:cNvPicPr>
+            <a:picLocks noGrp="1" noChangeAspect="1"/>
+          </p:cNvPicPr>
+          <p:nvPr>
+            <p:ph idx="1"/>
+          </p:nvPr>
+        </p:nvPicPr>
+        <p:blipFill>
+          <a:blip r:embed="rId2"/>
+          <a:stretch>
+            <a:fillRect/>
+          </a:stretch>
+        </p:blipFill>
+        <p:spPr>
+          <a:xfrm>
+            <a:off x="1536106" y="1078546"/>
+            <a:ext cx="9286875" cy="4200525"/>
+          </a:xfrm>
+        </p:spPr>
+      </p:pic>
+      <p:sp>
+        <p:nvSpPr>
+          <p:cNvPr id="5" name="CuadroTexto 4">
+            <a:extLst>
+              <a:ext uri="{FF2B5EF4-FFF2-40B4-BE49-F238E27FC236}">
+                <a16:creationId xmlns:a16="http://schemas.microsoft.com/office/drawing/2014/main" id="{8763D14F-3283-EC05-7A6C-72A09EC2A501}"/>
+              </a:ext>
+            </a:extLst>
+          </p:cNvPr>
+          <p:cNvSpPr txBox="1"/>
+          <p:nvPr/>
+        </p:nvSpPr>
+        <p:spPr>
+          <a:xfrm>
+            <a:off x="1536106" y="6068291"/>
+            <a:ext cx="9871636" cy="369332"/>
+          </a:xfrm>
+          <a:prstGeom prst="rect">
+            <a:avLst/>
+          </a:prstGeom>
+          <a:noFill/>
+        </p:spPr>
+        <p:txBody>
+          <a:bodyPr wrap="square" rtlCol="0">
+            <a:spAutoFit/>
+          </a:bodyPr>
+          <a:lstStyle/>
+          <a:p>
+            <a:r>
+              <a:rPr lang="en-US" dirty="0">
+                <a:hlinkClick r:id="rId3"/>
+              </a:rPr>
+              <a:t>https://scikit-learn.org/stable/modules/tree.html#minimal-cost-complexity-pruning</a:t>
+            </a:r>
+            <a:r>
+              <a:rPr lang="en-US" dirty="0"/>
+              <a:t> </a:t>
+            </a:r>
+          </a:p>
+        </p:txBody>
+      </p:sp>
+    </p:spTree>
+    <p:extLst>
+      <p:ext uri="{BB962C8B-B14F-4D97-AF65-F5344CB8AC3E}">
+        <p14:creationId xmlns:p14="http://schemas.microsoft.com/office/powerpoint/2010/main" val="1677216944"/>
+      </p:ext>
+    </p:extLst>
+  </p:cSld>
+  <p:clrMapOvr>
+    <a:masterClrMapping/>
+  </p:clrMapOvr>
+  <mc:AlternateContent xmlns:mc="http://schemas.openxmlformats.org/markup-compatibility/2006" xmlns:p14="http://schemas.microsoft.com/office/powerpoint/2010/main">
+    <mc:Choice Requires="p14">
+      <p:transition spd="slow" p14:dur="1200">
+        <p14:prism/>
+      </p:transition>
+    </mc:Choice>
+    <mc:Fallback xmlns="">
+      <p:transition spd="slow">
+        <p:fade/>
+      </p:transition>
+    </mc:Fallback>
+  </mc:AlternateContent>
+</p:sld>
+</file>
+
+<file path=ppt/slides/slide15.xml><?xml version="1.0" encoding="utf-8"?>
+<p:sld xmlns:a="http://schemas.openxmlformats.org/drawingml/2006/main" xmlns:r="http://schemas.openxmlformats.org/officeDocument/2006/relationships" xmlns:p="http://schemas.openxmlformats.org/presentationml/2006/main">
+  <p:cSld>
+    <p:spTree>
+      <p:nvGrpSpPr>
+        <p:cNvPr id="1" name=""/>
+        <p:cNvGrpSpPr/>
+        <p:nvPr/>
+      </p:nvGrpSpPr>
+      <p:grpSpPr>
+        <a:xfrm>
+          <a:off x="0" y="0"/>
+          <a:ext cx="0" cy="0"/>
+          <a:chOff x="0" y="0"/>
+          <a:chExt cx="0" cy="0"/>
+        </a:xfrm>
+      </p:grpSpPr>
+      <p:sp>
+        <p:nvSpPr>
+          <p:cNvPr id="6" name="Rectángulo 5">
+            <a:extLst>
+              <a:ext uri="{FF2B5EF4-FFF2-40B4-BE49-F238E27FC236}">
+                <a16:creationId xmlns:a16="http://schemas.microsoft.com/office/drawing/2014/main" id="{B9BF6B8A-1DB3-C04A-9FC5-D2A10722D782}"/>
+              </a:ext>
+            </a:extLst>
+          </p:cNvPr>
+          <p:cNvSpPr/>
+          <p:nvPr/>
+        </p:nvSpPr>
+        <p:spPr>
+          <a:xfrm>
+            <a:off x="75184" y="-9236"/>
+            <a:ext cx="6807202" cy="369332"/>
+          </a:xfrm>
+          <a:prstGeom prst="rect">
+            <a:avLst/>
+          </a:prstGeom>
+        </p:spPr>
+        <p:txBody>
+          <a:bodyPr wrap="square">
+            <a:spAutoFit/>
+          </a:bodyPr>
+          <a:lstStyle/>
+          <a:p>
+            <a:r>
+              <a:rPr lang="es-ES" b="1" dirty="0" err="1">
+                <a:solidFill>
+                  <a:schemeClr val="bg1"/>
+                </a:solidFill>
+                <a:latin typeface="Myriad Pro Cond" panose="020B0506030403020204" pitchFamily="34" charset="0"/>
+                <a:ea typeface="Arial Narrow" charset="0"/>
+                <a:cs typeface="Arial Narrow" charset="0"/>
+              </a:rPr>
+              <a:t>Overtfitting</a:t>
+            </a:r>
+            <a:r>
+              <a:rPr lang="es-ES" b="1" dirty="0">
+                <a:solidFill>
+                  <a:schemeClr val="bg1"/>
+                </a:solidFill>
+                <a:latin typeface="Myriad Pro Cond" panose="020B0506030403020204" pitchFamily="34" charset="0"/>
+                <a:ea typeface="Arial Narrow" charset="0"/>
+                <a:cs typeface="Arial Narrow" charset="0"/>
+              </a:rPr>
+              <a:t> en árboles de decisión (</a:t>
+            </a:r>
+            <a:r>
+              <a:rPr lang="es-ES" b="1" dirty="0" err="1">
+                <a:solidFill>
+                  <a:schemeClr val="bg1"/>
+                </a:solidFill>
+                <a:latin typeface="Myriad Pro Cond" panose="020B0506030403020204" pitchFamily="34" charset="0"/>
+                <a:ea typeface="Arial Narrow" charset="0"/>
+                <a:cs typeface="Arial Narrow" charset="0"/>
+              </a:rPr>
+              <a:t>post-poda</a:t>
+            </a:r>
+            <a:r>
+              <a:rPr lang="es-ES" b="1" dirty="0">
+                <a:solidFill>
+                  <a:schemeClr val="bg1"/>
+                </a:solidFill>
+                <a:latin typeface="Myriad Pro Cond" panose="020B0506030403020204" pitchFamily="34" charset="0"/>
+                <a:ea typeface="Arial Narrow" charset="0"/>
+                <a:cs typeface="Arial Narrow" charset="0"/>
+              </a:rPr>
+              <a:t>)</a:t>
+            </a:r>
+            <a:endParaRPr lang="es-ES_tradnl" b="1" dirty="0">
+              <a:solidFill>
+                <a:schemeClr val="bg1"/>
+              </a:solidFill>
+              <a:latin typeface="Myriad Pro Cond" panose="020B0506030403020204" pitchFamily="34" charset="0"/>
+              <a:ea typeface="Arial Narrow" charset="0"/>
+              <a:cs typeface="Arial Narrow" charset="0"/>
+            </a:endParaRPr>
+          </a:p>
+        </p:txBody>
+      </p:sp>
+      <p:sp>
+        <p:nvSpPr>
+          <p:cNvPr id="3" name="Marcador de contenido 1">
+            <a:extLst>
+              <a:ext uri="{FF2B5EF4-FFF2-40B4-BE49-F238E27FC236}">
+                <a16:creationId xmlns:a16="http://schemas.microsoft.com/office/drawing/2014/main" id="{509E6064-0DA4-0C53-386D-947EDD127B7D}"/>
+              </a:ext>
+            </a:extLst>
+          </p:cNvPr>
+          <p:cNvSpPr>
+            <a:spLocks noGrp="1"/>
+          </p:cNvSpPr>
+          <p:nvPr>
+            <p:ph idx="1"/>
+          </p:nvPr>
+        </p:nvSpPr>
+        <p:spPr>
+          <a:xfrm>
+            <a:off x="171226" y="935916"/>
+            <a:ext cx="6238452" cy="5766097"/>
+          </a:xfrm>
+        </p:spPr>
+        <p:txBody>
+          <a:bodyPr>
+            <a:normAutofit/>
+          </a:bodyPr>
+          <a:lstStyle/>
+          <a:p>
+            <a:pPr marL="0" indent="0">
+              <a:buNone/>
+            </a:pPr>
+            <a:endParaRPr lang="es-CL" dirty="0"/>
+          </a:p>
+          <a:p>
+            <a:pPr marL="0" indent="0">
+              <a:buNone/>
+            </a:pPr>
+            <a:endParaRPr lang="es-CL" dirty="0"/>
+          </a:p>
+          <a:p>
+            <a:pPr marL="0" indent="0">
+              <a:buNone/>
+            </a:pPr>
+            <a:endParaRPr lang="es-CL" dirty="0"/>
+          </a:p>
+          <a:p>
+            <a:pPr marL="0" indent="0">
+              <a:buNone/>
+            </a:pPr>
+            <a:endParaRPr lang="es-CL" dirty="0"/>
+          </a:p>
+          <a:p>
+            <a:pPr marL="0" indent="0">
+              <a:buNone/>
+            </a:pPr>
+            <a:endParaRPr lang="es-CL" dirty="0"/>
+          </a:p>
+          <a:p>
+            <a:pPr marL="0" indent="0">
+              <a:buNone/>
+            </a:pPr>
+            <a:endParaRPr lang="es-CL" dirty="0"/>
+          </a:p>
+          <a:p>
+            <a:pPr marL="0" indent="0">
+              <a:buNone/>
+            </a:pPr>
+            <a:endParaRPr lang="es-CL" dirty="0"/>
+          </a:p>
+        </p:txBody>
+      </p:sp>
+      <p:sp>
+        <p:nvSpPr>
+          <p:cNvPr id="8" name="Marcador de contenido 1">
+            <a:extLst>
+              <a:ext uri="{FF2B5EF4-FFF2-40B4-BE49-F238E27FC236}">
+                <a16:creationId xmlns:a16="http://schemas.microsoft.com/office/drawing/2014/main" id="{F22B2A3D-7090-9A77-BBC2-684E97930BAE}"/>
+              </a:ext>
+            </a:extLst>
+          </p:cNvPr>
+          <p:cNvSpPr txBox="1">
+            <a:spLocks/>
+          </p:cNvSpPr>
+          <p:nvPr/>
+        </p:nvSpPr>
+        <p:spPr>
+          <a:xfrm>
+            <a:off x="476026" y="1240716"/>
+            <a:ext cx="11888096" cy="5766097"/>
+          </a:xfrm>
+          <a:prstGeom prst="rect">
+            <a:avLst/>
+          </a:prstGeom>
+        </p:spPr>
+        <p:txBody>
+          <a:bodyPr vert="horz" lIns="91440" tIns="45720" rIns="91440" bIns="45720" rtlCol="0">
+            <a:normAutofit/>
+          </a:bodyPr>
+          <a:lstStyle>
+            <a:lvl1pPr marL="228600" indent="-228600" algn="l" defTabSz="914400" rtl="0" eaLnBrk="1" latinLnBrk="0" hangingPunct="1">
+              <a:lnSpc>
+                <a:spcPct val="90000"/>
+              </a:lnSpc>
+              <a:spcBef>
+                <a:spcPts val="1000"/>
+              </a:spcBef>
+              <a:buFont typeface="Arial" panose="020B0604020202020204" pitchFamily="34" charset="0"/>
+              <a:buChar char="•"/>
+              <a:defRPr sz="2800" kern="1200">
+                <a:solidFill>
+                  <a:schemeClr val="tx1"/>
+                </a:solidFill>
+                <a:latin typeface="+mn-lt"/>
+                <a:ea typeface="+mn-ea"/>
+                <a:cs typeface="+mn-cs"/>
+              </a:defRPr>
+            </a:lvl1pPr>
+            <a:lvl2pPr marL="685800" indent="-228600" algn="l" defTabSz="914400" rtl="0" eaLnBrk="1" latinLnBrk="0" hangingPunct="1">
+              <a:lnSpc>
+                <a:spcPct val="90000"/>
+              </a:lnSpc>
+              <a:spcBef>
+                <a:spcPts val="500"/>
+              </a:spcBef>
+              <a:buFont typeface="Arial" panose="020B0604020202020204" pitchFamily="34" charset="0"/>
+              <a:buChar char="•"/>
+              <a:defRPr sz="2400" kern="1200">
+                <a:solidFill>
+                  <a:schemeClr val="tx1"/>
+                </a:solidFill>
+                <a:latin typeface="+mn-lt"/>
+                <a:ea typeface="+mn-ea"/>
+                <a:cs typeface="+mn-cs"/>
+              </a:defRPr>
+            </a:lvl2pPr>
+            <a:lvl3pPr marL="1143000" indent="-228600" algn="l" defTabSz="914400" rtl="0" eaLnBrk="1" latinLnBrk="0" hangingPunct="1">
+              <a:lnSpc>
+                <a:spcPct val="90000"/>
+              </a:lnSpc>
+              <a:spcBef>
+                <a:spcPts val="500"/>
+              </a:spcBef>
+              <a:buFont typeface="Arial" panose="020B0604020202020204" pitchFamily="34" charset="0"/>
+              <a:buChar char="•"/>
+              <a:defRPr sz="2000" kern="1200">
+                <a:solidFill>
+                  <a:schemeClr val="tx1"/>
+                </a:solidFill>
+                <a:latin typeface="+mn-lt"/>
+                <a:ea typeface="+mn-ea"/>
+                <a:cs typeface="+mn-cs"/>
+              </a:defRPr>
+            </a:lvl3pPr>
+            <a:lvl4pPr marL="1600200" indent="-228600" algn="l" defTabSz="914400" rtl="0" eaLnBrk="1" latinLnBrk="0" hangingPunct="1">
+              <a:lnSpc>
+                <a:spcPct val="90000"/>
+              </a:lnSpc>
+              <a:spcBef>
+                <a:spcPts val="500"/>
+              </a:spcBef>
+              <a:buFont typeface="Arial" panose="020B0604020202020204" pitchFamily="34" charset="0"/>
+              <a:buChar char="•"/>
+              <a:defRPr sz="1800" kern="1200">
+                <a:solidFill>
+                  <a:schemeClr val="tx1"/>
+                </a:solidFill>
+                <a:latin typeface="+mn-lt"/>
+                <a:ea typeface="+mn-ea"/>
+                <a:cs typeface="+mn-cs"/>
+              </a:defRPr>
+            </a:lvl4pPr>
+            <a:lvl5pPr marL="2057400" indent="-228600" algn="l" defTabSz="914400" rtl="0" eaLnBrk="1" latinLnBrk="0" hangingPunct="1">
+              <a:lnSpc>
+                <a:spcPct val="90000"/>
+              </a:lnSpc>
+              <a:spcBef>
+                <a:spcPts val="500"/>
+              </a:spcBef>
+              <a:buFont typeface="Arial" panose="020B0604020202020204" pitchFamily="34" charset="0"/>
+              <a:buChar char="•"/>
+              <a:defRPr sz="1800" kern="1200">
+                <a:solidFill>
+                  <a:schemeClr val="tx1"/>
+                </a:solidFill>
+                <a:latin typeface="+mn-lt"/>
+                <a:ea typeface="+mn-ea"/>
+                <a:cs typeface="+mn-cs"/>
+              </a:defRPr>
+            </a:lvl5pPr>
+            <a:lvl6pPr marL="2514600" indent="-228600" algn="l" defTabSz="914400" rtl="0" eaLnBrk="1" latinLnBrk="0" hangingPunct="1">
+              <a:lnSpc>
+                <a:spcPct val="90000"/>
+              </a:lnSpc>
+              <a:spcBef>
+                <a:spcPts val="500"/>
+              </a:spcBef>
+              <a:buFont typeface="Arial" panose="020B0604020202020204" pitchFamily="34" charset="0"/>
+              <a:buChar char="•"/>
+              <a:defRPr sz="1800" kern="1200">
+                <a:solidFill>
+                  <a:schemeClr val="tx1"/>
+                </a:solidFill>
+                <a:latin typeface="+mn-lt"/>
+                <a:ea typeface="+mn-ea"/>
+                <a:cs typeface="+mn-cs"/>
+              </a:defRPr>
+            </a:lvl6pPr>
+            <a:lvl7pPr marL="2971800" indent="-228600" algn="l" defTabSz="914400" rtl="0" eaLnBrk="1" latinLnBrk="0" hangingPunct="1">
+              <a:lnSpc>
+                <a:spcPct val="90000"/>
+              </a:lnSpc>
+              <a:spcBef>
+                <a:spcPts val="500"/>
+              </a:spcBef>
+              <a:buFont typeface="Arial" panose="020B0604020202020204" pitchFamily="34" charset="0"/>
+              <a:buChar char="•"/>
+              <a:defRPr sz="1800" kern="1200">
+                <a:solidFill>
+                  <a:schemeClr val="tx1"/>
+                </a:solidFill>
+                <a:latin typeface="+mn-lt"/>
+                <a:ea typeface="+mn-ea"/>
+                <a:cs typeface="+mn-cs"/>
+              </a:defRPr>
+            </a:lvl7pPr>
+            <a:lvl8pPr marL="3429000" indent="-228600" algn="l" defTabSz="914400" rtl="0" eaLnBrk="1" latinLnBrk="0" hangingPunct="1">
+              <a:lnSpc>
+                <a:spcPct val="90000"/>
+              </a:lnSpc>
+              <a:spcBef>
+                <a:spcPts val="500"/>
+              </a:spcBef>
+              <a:buFont typeface="Arial" panose="020B0604020202020204" pitchFamily="34" charset="0"/>
+              <a:buChar char="•"/>
+              <a:defRPr sz="1800" kern="1200">
+                <a:solidFill>
+                  <a:schemeClr val="tx1"/>
+                </a:solidFill>
+                <a:latin typeface="+mn-lt"/>
+                <a:ea typeface="+mn-ea"/>
+                <a:cs typeface="+mn-cs"/>
+              </a:defRPr>
+            </a:lvl8pPr>
+            <a:lvl9pPr marL="3886200" indent="-228600" algn="l" defTabSz="914400" rtl="0" eaLnBrk="1" latinLnBrk="0" hangingPunct="1">
+              <a:lnSpc>
+                <a:spcPct val="90000"/>
+              </a:lnSpc>
+              <a:spcBef>
+                <a:spcPts val="500"/>
+              </a:spcBef>
+              <a:buFont typeface="Arial" panose="020B0604020202020204" pitchFamily="34" charset="0"/>
+              <a:buChar char="•"/>
+              <a:defRPr sz="1800" kern="1200">
+                <a:solidFill>
+                  <a:schemeClr val="tx1"/>
+                </a:solidFill>
+                <a:latin typeface="+mn-lt"/>
+                <a:ea typeface="+mn-ea"/>
+                <a:cs typeface="+mn-cs"/>
+              </a:defRPr>
+            </a:lvl9pPr>
+          </a:lstStyle>
+          <a:p>
+            <a:pPr marL="0" indent="0">
+              <a:buFont typeface="Arial" panose="020B0604020202020204" pitchFamily="34" charset="0"/>
+              <a:buNone/>
+            </a:pPr>
+            <a:endParaRPr lang="es-CL"/>
+          </a:p>
+          <a:p>
+            <a:pPr marL="0" indent="0">
+              <a:buFont typeface="Arial" panose="020B0604020202020204" pitchFamily="34" charset="0"/>
+              <a:buNone/>
+            </a:pPr>
+            <a:endParaRPr lang="es-CL"/>
+          </a:p>
+          <a:p>
+            <a:pPr marL="0" indent="0">
+              <a:buFont typeface="Arial" panose="020B0604020202020204" pitchFamily="34" charset="0"/>
+              <a:buNone/>
+            </a:pPr>
+            <a:endParaRPr lang="es-CL"/>
+          </a:p>
+          <a:p>
+            <a:pPr marL="0" indent="0">
+              <a:buFont typeface="Arial" panose="020B0604020202020204" pitchFamily="34" charset="0"/>
+              <a:buNone/>
+            </a:pPr>
+            <a:endParaRPr lang="es-CL"/>
+          </a:p>
+          <a:p>
+            <a:pPr marL="0" indent="0">
+              <a:buFont typeface="Arial" panose="020B0604020202020204" pitchFamily="34" charset="0"/>
+              <a:buNone/>
+            </a:pPr>
+            <a:endParaRPr lang="es-CL" dirty="0"/>
+          </a:p>
+        </p:txBody>
+      </p:sp>
+      <p:sp>
+        <p:nvSpPr>
+          <p:cNvPr id="10" name="Marcador de contenido 1">
+            <a:extLst>
+              <a:ext uri="{FF2B5EF4-FFF2-40B4-BE49-F238E27FC236}">
+                <a16:creationId xmlns:a16="http://schemas.microsoft.com/office/drawing/2014/main" id="{DBD3B9B2-9415-82BF-01C3-1837C11C66FF}"/>
+              </a:ext>
+            </a:extLst>
+          </p:cNvPr>
+          <p:cNvSpPr txBox="1">
+            <a:spLocks/>
+          </p:cNvSpPr>
+          <p:nvPr/>
+        </p:nvSpPr>
+        <p:spPr>
+          <a:xfrm>
+            <a:off x="-69227" y="915701"/>
+            <a:ext cx="11888096" cy="5766097"/>
+          </a:xfrm>
+          <a:prstGeom prst="rect">
+            <a:avLst/>
+          </a:prstGeom>
+        </p:spPr>
+        <p:txBody>
+          <a:bodyPr vert="horz" lIns="91440" tIns="45720" rIns="91440" bIns="45720" rtlCol="0">
+            <a:normAutofit/>
+          </a:bodyPr>
+          <a:lstStyle>
+            <a:lvl1pPr marL="228600" indent="-228600" algn="l" defTabSz="914400" rtl="0" eaLnBrk="1" latinLnBrk="0" hangingPunct="1">
+              <a:lnSpc>
+                <a:spcPct val="90000"/>
+              </a:lnSpc>
+              <a:spcBef>
+                <a:spcPts val="1000"/>
+              </a:spcBef>
+              <a:buFont typeface="Arial" panose="020B0604020202020204" pitchFamily="34" charset="0"/>
+              <a:buChar char="•"/>
+              <a:defRPr sz="2800" kern="1200">
+                <a:solidFill>
+                  <a:schemeClr val="tx1"/>
+                </a:solidFill>
+                <a:latin typeface="+mn-lt"/>
+                <a:ea typeface="+mn-ea"/>
+                <a:cs typeface="+mn-cs"/>
+              </a:defRPr>
+            </a:lvl1pPr>
+            <a:lvl2pPr marL="685800" indent="-228600" algn="l" defTabSz="914400" rtl="0" eaLnBrk="1" latinLnBrk="0" hangingPunct="1">
+              <a:lnSpc>
+                <a:spcPct val="90000"/>
+              </a:lnSpc>
+              <a:spcBef>
+                <a:spcPts val="500"/>
+              </a:spcBef>
+              <a:buFont typeface="Arial" panose="020B0604020202020204" pitchFamily="34" charset="0"/>
+              <a:buChar char="•"/>
+              <a:defRPr sz="2400" kern="1200">
+                <a:solidFill>
+                  <a:schemeClr val="tx1"/>
+                </a:solidFill>
+                <a:latin typeface="+mn-lt"/>
+                <a:ea typeface="+mn-ea"/>
+                <a:cs typeface="+mn-cs"/>
+              </a:defRPr>
+            </a:lvl2pPr>
+            <a:lvl3pPr marL="1143000" indent="-228600" algn="l" defTabSz="914400" rtl="0" eaLnBrk="1" latinLnBrk="0" hangingPunct="1">
+              <a:lnSpc>
+                <a:spcPct val="90000"/>
+              </a:lnSpc>
+              <a:spcBef>
+                <a:spcPts val="500"/>
+              </a:spcBef>
+              <a:buFont typeface="Arial" panose="020B0604020202020204" pitchFamily="34" charset="0"/>
+              <a:buChar char="•"/>
+              <a:defRPr sz="2000" kern="1200">
+                <a:solidFill>
+                  <a:schemeClr val="tx1"/>
+                </a:solidFill>
+                <a:latin typeface="+mn-lt"/>
+                <a:ea typeface="+mn-ea"/>
+                <a:cs typeface="+mn-cs"/>
+              </a:defRPr>
+            </a:lvl3pPr>
+            <a:lvl4pPr marL="1600200" indent="-228600" algn="l" defTabSz="914400" rtl="0" eaLnBrk="1" latinLnBrk="0" hangingPunct="1">
+              <a:lnSpc>
+                <a:spcPct val="90000"/>
+              </a:lnSpc>
+              <a:spcBef>
+                <a:spcPts val="500"/>
+              </a:spcBef>
+              <a:buFont typeface="Arial" panose="020B0604020202020204" pitchFamily="34" charset="0"/>
+              <a:buChar char="•"/>
+              <a:defRPr sz="1800" kern="1200">
+                <a:solidFill>
+                  <a:schemeClr val="tx1"/>
+                </a:solidFill>
+                <a:latin typeface="+mn-lt"/>
+                <a:ea typeface="+mn-ea"/>
+                <a:cs typeface="+mn-cs"/>
+              </a:defRPr>
+            </a:lvl4pPr>
+            <a:lvl5pPr marL="2057400" indent="-228600" algn="l" defTabSz="914400" rtl="0" eaLnBrk="1" latinLnBrk="0" hangingPunct="1">
+              <a:lnSpc>
+                <a:spcPct val="90000"/>
+              </a:lnSpc>
+              <a:spcBef>
+                <a:spcPts val="500"/>
+              </a:spcBef>
+              <a:buFont typeface="Arial" panose="020B0604020202020204" pitchFamily="34" charset="0"/>
+              <a:buChar char="•"/>
+              <a:defRPr sz="1800" kern="1200">
+                <a:solidFill>
+                  <a:schemeClr val="tx1"/>
+                </a:solidFill>
+                <a:latin typeface="+mn-lt"/>
+                <a:ea typeface="+mn-ea"/>
+                <a:cs typeface="+mn-cs"/>
+              </a:defRPr>
+            </a:lvl5pPr>
+            <a:lvl6pPr marL="2514600" indent="-228600" algn="l" defTabSz="914400" rtl="0" eaLnBrk="1" latinLnBrk="0" hangingPunct="1">
+              <a:lnSpc>
+                <a:spcPct val="90000"/>
+              </a:lnSpc>
+              <a:spcBef>
+                <a:spcPts val="500"/>
+              </a:spcBef>
+              <a:buFont typeface="Arial" panose="020B0604020202020204" pitchFamily="34" charset="0"/>
+              <a:buChar char="•"/>
+              <a:defRPr sz="1800" kern="1200">
+                <a:solidFill>
+                  <a:schemeClr val="tx1"/>
+                </a:solidFill>
+                <a:latin typeface="+mn-lt"/>
+                <a:ea typeface="+mn-ea"/>
+                <a:cs typeface="+mn-cs"/>
+              </a:defRPr>
+            </a:lvl6pPr>
+            <a:lvl7pPr marL="2971800" indent="-228600" algn="l" defTabSz="914400" rtl="0" eaLnBrk="1" latinLnBrk="0" hangingPunct="1">
+              <a:lnSpc>
+                <a:spcPct val="90000"/>
+              </a:lnSpc>
+              <a:spcBef>
+                <a:spcPts val="500"/>
+              </a:spcBef>
+              <a:buFont typeface="Arial" panose="020B0604020202020204" pitchFamily="34" charset="0"/>
+              <a:buChar char="•"/>
+              <a:defRPr sz="1800" kern="1200">
+                <a:solidFill>
+                  <a:schemeClr val="tx1"/>
+                </a:solidFill>
+                <a:latin typeface="+mn-lt"/>
+                <a:ea typeface="+mn-ea"/>
+                <a:cs typeface="+mn-cs"/>
+              </a:defRPr>
+            </a:lvl7pPr>
+            <a:lvl8pPr marL="3429000" indent="-228600" algn="l" defTabSz="914400" rtl="0" eaLnBrk="1" latinLnBrk="0" hangingPunct="1">
+              <a:lnSpc>
+                <a:spcPct val="90000"/>
+              </a:lnSpc>
+              <a:spcBef>
+                <a:spcPts val="500"/>
+              </a:spcBef>
+              <a:buFont typeface="Arial" panose="020B0604020202020204" pitchFamily="34" charset="0"/>
+              <a:buChar char="•"/>
+              <a:defRPr sz="1800" kern="1200">
+                <a:solidFill>
+                  <a:schemeClr val="tx1"/>
+                </a:solidFill>
+                <a:latin typeface="+mn-lt"/>
+                <a:ea typeface="+mn-ea"/>
+                <a:cs typeface="+mn-cs"/>
+              </a:defRPr>
+            </a:lvl8pPr>
+            <a:lvl9pPr marL="3886200" indent="-228600" algn="l" defTabSz="914400" rtl="0" eaLnBrk="1" latinLnBrk="0" hangingPunct="1">
+              <a:lnSpc>
+                <a:spcPct val="90000"/>
+              </a:lnSpc>
+              <a:spcBef>
+                <a:spcPts val="500"/>
+              </a:spcBef>
+              <a:buFont typeface="Arial" panose="020B0604020202020204" pitchFamily="34" charset="0"/>
+              <a:buChar char="•"/>
+              <a:defRPr sz="1800" kern="1200">
+                <a:solidFill>
+                  <a:schemeClr val="tx1"/>
+                </a:solidFill>
+                <a:latin typeface="+mn-lt"/>
+                <a:ea typeface="+mn-ea"/>
+                <a:cs typeface="+mn-cs"/>
+              </a:defRPr>
+            </a:lvl9pPr>
+          </a:lstStyle>
+          <a:p>
+            <a:pPr marL="0" indent="0">
+              <a:buFont typeface="Arial" panose="020B0604020202020204" pitchFamily="34" charset="0"/>
+              <a:buNone/>
+            </a:pPr>
+            <a:endParaRPr lang="es-CL"/>
+          </a:p>
+          <a:p>
+            <a:pPr marL="0" indent="0">
+              <a:buFont typeface="Arial" panose="020B0604020202020204" pitchFamily="34" charset="0"/>
+              <a:buNone/>
+            </a:pPr>
+            <a:endParaRPr lang="es-CL"/>
+          </a:p>
+          <a:p>
+            <a:pPr marL="0" indent="0">
+              <a:buFont typeface="Arial" panose="020B0604020202020204" pitchFamily="34" charset="0"/>
+              <a:buNone/>
+            </a:pPr>
+            <a:endParaRPr lang="es-CL"/>
+          </a:p>
+          <a:p>
+            <a:pPr marL="0" indent="0">
+              <a:buFont typeface="Arial" panose="020B0604020202020204" pitchFamily="34" charset="0"/>
+              <a:buNone/>
+            </a:pPr>
+            <a:endParaRPr lang="es-CL"/>
+          </a:p>
+          <a:p>
+            <a:pPr marL="0" indent="0">
+              <a:buFont typeface="Arial" panose="020B0604020202020204" pitchFamily="34" charset="0"/>
+              <a:buNone/>
+            </a:pPr>
+            <a:endParaRPr lang="es-CL" dirty="0"/>
+          </a:p>
+        </p:txBody>
+      </p:sp>
+      <p:pic>
+        <p:nvPicPr>
+          <p:cNvPr id="4" name="Imagen 3">
+            <a:extLst>
+              <a:ext uri="{FF2B5EF4-FFF2-40B4-BE49-F238E27FC236}">
+                <a16:creationId xmlns:a16="http://schemas.microsoft.com/office/drawing/2014/main" id="{4ADA9822-9437-654E-ACD3-7555691CFC2A}"/>
+              </a:ext>
+            </a:extLst>
+          </p:cNvPr>
+          <p:cNvPicPr>
+            <a:picLocks noChangeAspect="1"/>
+          </p:cNvPicPr>
+          <p:nvPr/>
+        </p:nvPicPr>
+        <p:blipFill>
+          <a:blip r:embed="rId2"/>
+          <a:stretch>
+            <a:fillRect/>
+          </a:stretch>
+        </p:blipFill>
+        <p:spPr>
+          <a:xfrm>
+            <a:off x="2917308" y="962110"/>
+            <a:ext cx="5915025" cy="4448175"/>
+          </a:xfrm>
+          <a:prstGeom prst="rect">
+            <a:avLst/>
+          </a:prstGeom>
+        </p:spPr>
+      </p:pic>
+      <p:sp>
+        <p:nvSpPr>
+          <p:cNvPr id="5" name="CuadroTexto 4">
+            <a:extLst>
+              <a:ext uri="{FF2B5EF4-FFF2-40B4-BE49-F238E27FC236}">
+                <a16:creationId xmlns:a16="http://schemas.microsoft.com/office/drawing/2014/main" id="{DD87DE0B-EFFC-3B06-FE2B-4B12A87CF991}"/>
+              </a:ext>
+            </a:extLst>
+          </p:cNvPr>
+          <p:cNvSpPr txBox="1"/>
+          <p:nvPr/>
+        </p:nvSpPr>
+        <p:spPr>
+          <a:xfrm>
+            <a:off x="1277488" y="6238229"/>
+            <a:ext cx="10065576" cy="276999"/>
+          </a:xfrm>
+          <a:prstGeom prst="rect">
+            <a:avLst/>
+          </a:prstGeom>
+          <a:noFill/>
+        </p:spPr>
+        <p:txBody>
+          <a:bodyPr wrap="none" rtlCol="0">
+            <a:spAutoFit/>
+          </a:bodyPr>
+          <a:lstStyle/>
+          <a:p>
+            <a:r>
+              <a:rPr lang="en-US" sz="1200" dirty="0">
+                <a:hlinkClick r:id="rId3"/>
+              </a:rPr>
+              <a:t>https://scikit-learn.org/stable/auto_examples/tree/plot_cost_complexity_pruning.html#sphx-glr-auto-examples-tree-plot-cost-complexity-pruning-py</a:t>
+            </a:r>
+            <a:r>
+              <a:rPr lang="en-US" sz="1200" dirty="0"/>
+              <a:t> </a:t>
+            </a:r>
+          </a:p>
+        </p:txBody>
+      </p:sp>
+      <p:cxnSp>
+        <p:nvCxnSpPr>
+          <p:cNvPr id="9" name="Conector recto de flecha 8">
+            <a:extLst>
+              <a:ext uri="{FF2B5EF4-FFF2-40B4-BE49-F238E27FC236}">
+                <a16:creationId xmlns:a16="http://schemas.microsoft.com/office/drawing/2014/main" id="{F3AEC9B2-BA66-B6C8-6C71-C50E79B7503F}"/>
+              </a:ext>
+            </a:extLst>
+          </p:cNvPr>
+          <p:cNvCxnSpPr>
+            <a:cxnSpLocks/>
+          </p:cNvCxnSpPr>
+          <p:nvPr/>
+        </p:nvCxnSpPr>
+        <p:spPr>
+          <a:xfrm flipV="1">
+            <a:off x="5778645" y="5161941"/>
+            <a:ext cx="0" cy="564604"/>
+          </a:xfrm>
+          <a:prstGeom prst="straightConnector1">
+            <a:avLst/>
+          </a:prstGeom>
+          <a:ln>
+            <a:tailEnd type="triangle"/>
+          </a:ln>
+        </p:spPr>
+        <p:style>
+          <a:lnRef idx="3">
+            <a:schemeClr val="accent2"/>
+          </a:lnRef>
+          <a:fillRef idx="0">
+            <a:schemeClr val="accent2"/>
+          </a:fillRef>
+          <a:effectRef idx="2">
+            <a:schemeClr val="accent2"/>
+          </a:effectRef>
+          <a:fontRef idx="minor">
+            <a:schemeClr val="tx1"/>
+          </a:fontRef>
+        </p:style>
+      </p:cxnSp>
+      <p:sp>
+        <p:nvSpPr>
+          <p:cNvPr id="14" name="CuadroTexto 13">
+            <a:extLst>
+              <a:ext uri="{FF2B5EF4-FFF2-40B4-BE49-F238E27FC236}">
+                <a16:creationId xmlns:a16="http://schemas.microsoft.com/office/drawing/2014/main" id="{48FCBA5D-4DAA-D347-6E6D-9F92487F2593}"/>
+              </a:ext>
+            </a:extLst>
+          </p:cNvPr>
+          <p:cNvSpPr txBox="1"/>
+          <p:nvPr/>
+        </p:nvSpPr>
+        <p:spPr>
+          <a:xfrm>
+            <a:off x="5417809" y="5739490"/>
+            <a:ext cx="721672" cy="307777"/>
+          </a:xfrm>
+          <a:prstGeom prst="rect">
+            <a:avLst/>
+          </a:prstGeom>
+          <a:noFill/>
+        </p:spPr>
+        <p:txBody>
+          <a:bodyPr wrap="none" rtlCol="0">
+            <a:spAutoFit/>
+          </a:bodyPr>
+          <a:lstStyle/>
+          <a:p>
+            <a:r>
+              <a:rPr lang="es-MX" sz="1400" dirty="0">
+                <a:solidFill>
+                  <a:srgbClr val="FF0000"/>
+                </a:solidFill>
+              </a:rPr>
+              <a:t>óptimo</a:t>
+            </a:r>
+            <a:endParaRPr lang="en-US" sz="1400" dirty="0">
+              <a:solidFill>
+                <a:srgbClr val="FF0000"/>
+              </a:solidFill>
+            </a:endParaRPr>
+          </a:p>
+        </p:txBody>
+      </p:sp>
+    </p:spTree>
+    <p:extLst>
+      <p:ext uri="{BB962C8B-B14F-4D97-AF65-F5344CB8AC3E}">
+        <p14:creationId xmlns:p14="http://schemas.microsoft.com/office/powerpoint/2010/main" val="1987186583"/>
+      </p:ext>
+    </p:extLst>
+  </p:cSld>
+  <p:clrMapOvr>
+    <a:masterClrMapping/>
+  </p:clrMapOvr>
+  <mc:AlternateContent xmlns:mc="http://schemas.openxmlformats.org/markup-compatibility/2006" xmlns:p14="http://schemas.microsoft.com/office/powerpoint/2010/main">
+    <mc:Choice Requires="p14">
+      <p:transition spd="slow" p14:dur="1200">
+        <p14:prism/>
+      </p:transition>
+    </mc:Choice>
+    <mc:Fallback xmlns="">
+      <p:transition spd="slow">
+        <p:fade/>
+      </p:transition>
+    </mc:Fallback>
+  </mc:AlternateContent>
+</p:sld>
+</file>
+
+<file path=ppt/slides/slide16.xml><?xml version="1.0" encoding="utf-8"?>
+<p:sld xmlns:a="http://schemas.openxmlformats.org/drawingml/2006/main" xmlns:r="http://schemas.openxmlformats.org/officeDocument/2006/relationships" xmlns:p="http://schemas.openxmlformats.org/presentationml/2006/main">
+  <p:cSld>
+    <p:spTree>
+      <p:nvGrpSpPr>
+        <p:cNvPr id="1" name=""/>
+        <p:cNvGrpSpPr/>
+        <p:nvPr/>
+      </p:nvGrpSpPr>
+      <p:grpSpPr>
+        <a:xfrm>
+          <a:off x="0" y="0"/>
+          <a:ext cx="0" cy="0"/>
+          <a:chOff x="0" y="0"/>
+          <a:chExt cx="0" cy="0"/>
+        </a:xfrm>
+      </p:grpSpPr>
+      <p:sp>
+        <p:nvSpPr>
+          <p:cNvPr id="6" name="Rectángulo 5">
+            <a:extLst>
+              <a:ext uri="{FF2B5EF4-FFF2-40B4-BE49-F238E27FC236}">
+                <a16:creationId xmlns:a16="http://schemas.microsoft.com/office/drawing/2014/main" id="{B9BF6B8A-1DB3-C04A-9FC5-D2A10722D782}"/>
+              </a:ext>
+            </a:extLst>
+          </p:cNvPr>
+          <p:cNvSpPr/>
+          <p:nvPr/>
+        </p:nvSpPr>
+        <p:spPr>
+          <a:xfrm>
+            <a:off x="171226" y="0"/>
+            <a:ext cx="6807202" cy="646331"/>
+          </a:xfrm>
+          <a:prstGeom prst="rect">
+            <a:avLst/>
+          </a:prstGeom>
+        </p:spPr>
+        <p:txBody>
+          <a:bodyPr wrap="square">
+            <a:spAutoFit/>
+          </a:bodyPr>
+          <a:lstStyle/>
+          <a:p>
+            <a:r>
+              <a:rPr lang="es-ES" b="1" dirty="0">
+                <a:solidFill>
+                  <a:schemeClr val="bg1"/>
+                </a:solidFill>
+                <a:latin typeface="Myriad Pro Cond" panose="020B0506030403020204" pitchFamily="34" charset="0"/>
+                <a:ea typeface="Arial Narrow" charset="0"/>
+                <a:cs typeface="Arial Narrow" charset="0"/>
+              </a:rPr>
+              <a:t>Explorando otro criterio para entrenar árboles de clasificación: entropía</a:t>
+            </a:r>
+            <a:endParaRPr lang="es-ES_tradnl" b="1" dirty="0">
+              <a:solidFill>
+                <a:schemeClr val="bg1"/>
+              </a:solidFill>
+              <a:latin typeface="Myriad Pro Cond" panose="020B0506030403020204" pitchFamily="34" charset="0"/>
+              <a:ea typeface="Arial Narrow" charset="0"/>
+              <a:cs typeface="Arial Narrow" charset="0"/>
+            </a:endParaRPr>
+          </a:p>
+        </p:txBody>
+      </p:sp>
+      <p:sp>
+        <p:nvSpPr>
+          <p:cNvPr id="3" name="Marcador de contenido 1">
+            <a:extLst>
+              <a:ext uri="{FF2B5EF4-FFF2-40B4-BE49-F238E27FC236}">
+                <a16:creationId xmlns:a16="http://schemas.microsoft.com/office/drawing/2014/main" id="{509E6064-0DA4-0C53-386D-947EDD127B7D}"/>
+              </a:ext>
+            </a:extLst>
+          </p:cNvPr>
+          <p:cNvSpPr>
+            <a:spLocks noGrp="1"/>
+          </p:cNvSpPr>
+          <p:nvPr>
+            <p:ph idx="1"/>
+          </p:nvPr>
+        </p:nvSpPr>
+        <p:spPr>
+          <a:xfrm>
+            <a:off x="171225" y="935916"/>
+            <a:ext cx="5721575" cy="5766097"/>
+          </a:xfrm>
+        </p:spPr>
+        <p:txBody>
+          <a:bodyPr>
+            <a:normAutofit/>
+          </a:bodyPr>
+          <a:lstStyle/>
+          <a:p>
+            <a:pPr marL="285750" indent="-285750"/>
+            <a:r>
+              <a:rPr lang="es-CL" dirty="0"/>
+              <a:t>La entropía también es una medida de homogeneidad, pero que proviene de la teoría de la información de Shannon.</a:t>
+            </a:r>
+          </a:p>
+          <a:p>
+            <a:pPr marL="285750" indent="-285750"/>
+            <a:r>
+              <a:rPr lang="es-CL" dirty="0"/>
+              <a:t>En la implementación en </a:t>
+            </a:r>
+            <a:r>
+              <a:rPr lang="es-CL" dirty="0" err="1"/>
+              <a:t>sci</a:t>
+            </a:r>
+            <a:r>
+              <a:rPr lang="es-CL" dirty="0"/>
+              <a:t>-kit </a:t>
+            </a:r>
+            <a:r>
+              <a:rPr lang="es-CL" dirty="0" err="1"/>
+              <a:t>learn</a:t>
+            </a:r>
+            <a:r>
+              <a:rPr lang="es-CL" dirty="0"/>
+              <a:t> el criterio por defecto es Gini. Con </a:t>
+            </a:r>
+            <a:r>
+              <a:rPr lang="es-CL" b="1" dirty="0" err="1"/>
+              <a:t>criterion</a:t>
+            </a:r>
+            <a:r>
+              <a:rPr lang="es-CL" b="1" dirty="0"/>
+              <a:t>=‘</a:t>
+            </a:r>
+            <a:r>
+              <a:rPr lang="es-CL" b="1" dirty="0" err="1"/>
+              <a:t>entropy</a:t>
+            </a:r>
+            <a:r>
+              <a:rPr lang="es-CL" b="1" dirty="0"/>
+              <a:t>’ </a:t>
+            </a:r>
+            <a:r>
+              <a:rPr lang="es-CL" dirty="0"/>
+              <a:t> se escoge este criterio</a:t>
+            </a:r>
+          </a:p>
+          <a:p>
+            <a:pPr marL="285750" indent="-285750"/>
+            <a:r>
+              <a:rPr lang="es-CL" dirty="0"/>
+              <a:t>El algoritmo ya no es CART sino que ID3</a:t>
+            </a:r>
+          </a:p>
+          <a:p>
+            <a:pPr marL="285750" indent="-285750"/>
+            <a:r>
+              <a:rPr lang="es-CL" dirty="0"/>
+              <a:t>Tiende a preferir divisiones más equilibradas (50/50), por lo que puede ser una buena opción frente al sobreajuste</a:t>
+            </a:r>
+          </a:p>
+          <a:p>
+            <a:pPr marL="0" indent="0">
+              <a:buNone/>
+            </a:pPr>
+            <a:endParaRPr lang="es-CL" dirty="0"/>
+          </a:p>
+          <a:p>
+            <a:pPr marL="0" indent="0">
+              <a:buNone/>
+            </a:pPr>
+            <a:endParaRPr lang="es-CL" dirty="0"/>
+          </a:p>
+          <a:p>
+            <a:pPr marL="0" indent="0">
+              <a:buNone/>
+            </a:pPr>
+            <a:endParaRPr lang="es-CL" dirty="0"/>
+          </a:p>
+          <a:p>
+            <a:pPr marL="0" indent="0">
+              <a:buNone/>
+            </a:pPr>
+            <a:endParaRPr lang="es-CL" dirty="0"/>
+          </a:p>
+          <a:p>
+            <a:pPr marL="0" indent="0">
+              <a:buNone/>
+            </a:pPr>
+            <a:endParaRPr lang="es-CL" dirty="0"/>
+          </a:p>
+          <a:p>
+            <a:pPr marL="0" indent="0">
+              <a:buNone/>
+            </a:pPr>
+            <a:endParaRPr lang="es-CL" dirty="0"/>
+          </a:p>
+          <a:p>
+            <a:pPr marL="0" indent="0">
+              <a:buNone/>
+            </a:pPr>
+            <a:endParaRPr lang="es-CL" dirty="0"/>
+          </a:p>
+          <a:p>
+            <a:pPr marL="0" indent="0">
+              <a:buNone/>
+            </a:pPr>
+            <a:endParaRPr lang="es-CL" dirty="0"/>
+          </a:p>
+          <a:p>
+            <a:pPr marL="0" indent="0">
+              <a:buNone/>
+            </a:pPr>
+            <a:endParaRPr lang="es-CL" dirty="0"/>
+          </a:p>
+          <a:p>
+            <a:pPr marL="0" indent="0">
+              <a:buNone/>
+            </a:pPr>
+            <a:endParaRPr lang="es-CL" dirty="0"/>
+          </a:p>
+        </p:txBody>
+      </p:sp>
+      <p:sp>
+        <p:nvSpPr>
+          <p:cNvPr id="8" name="Marcador de contenido 1">
+            <a:extLst>
+              <a:ext uri="{FF2B5EF4-FFF2-40B4-BE49-F238E27FC236}">
+                <a16:creationId xmlns:a16="http://schemas.microsoft.com/office/drawing/2014/main" id="{F22B2A3D-7090-9A77-BBC2-684E97930BAE}"/>
+              </a:ext>
+            </a:extLst>
+          </p:cNvPr>
+          <p:cNvSpPr txBox="1">
+            <a:spLocks/>
+          </p:cNvSpPr>
+          <p:nvPr/>
+        </p:nvSpPr>
+        <p:spPr>
+          <a:xfrm>
+            <a:off x="465630" y="1259189"/>
+            <a:ext cx="11888096" cy="5766097"/>
+          </a:xfrm>
+          <a:prstGeom prst="rect">
+            <a:avLst/>
+          </a:prstGeom>
+        </p:spPr>
+        <p:txBody>
+          <a:bodyPr vert="horz" lIns="91440" tIns="45720" rIns="91440" bIns="45720" rtlCol="0">
+            <a:normAutofit/>
+          </a:bodyPr>
+          <a:lstStyle>
+            <a:lvl1pPr marL="228600" indent="-228600" algn="l" defTabSz="914400" rtl="0" eaLnBrk="1" latinLnBrk="0" hangingPunct="1">
+              <a:lnSpc>
+                <a:spcPct val="90000"/>
+              </a:lnSpc>
+              <a:spcBef>
+                <a:spcPts val="1000"/>
+              </a:spcBef>
+              <a:buFont typeface="Arial" panose="020B0604020202020204" pitchFamily="34" charset="0"/>
+              <a:buChar char="•"/>
+              <a:defRPr sz="2800" kern="1200">
+                <a:solidFill>
+                  <a:schemeClr val="tx1"/>
+                </a:solidFill>
+                <a:latin typeface="+mn-lt"/>
+                <a:ea typeface="+mn-ea"/>
+                <a:cs typeface="+mn-cs"/>
+              </a:defRPr>
+            </a:lvl1pPr>
+            <a:lvl2pPr marL="685800" indent="-228600" algn="l" defTabSz="914400" rtl="0" eaLnBrk="1" latinLnBrk="0" hangingPunct="1">
+              <a:lnSpc>
+                <a:spcPct val="90000"/>
+              </a:lnSpc>
+              <a:spcBef>
+                <a:spcPts val="500"/>
+              </a:spcBef>
+              <a:buFont typeface="Arial" panose="020B0604020202020204" pitchFamily="34" charset="0"/>
+              <a:buChar char="•"/>
+              <a:defRPr sz="2400" kern="1200">
+                <a:solidFill>
+                  <a:schemeClr val="tx1"/>
+                </a:solidFill>
+                <a:latin typeface="+mn-lt"/>
+                <a:ea typeface="+mn-ea"/>
+                <a:cs typeface="+mn-cs"/>
+              </a:defRPr>
+            </a:lvl2pPr>
+            <a:lvl3pPr marL="1143000" indent="-228600" algn="l" defTabSz="914400" rtl="0" eaLnBrk="1" latinLnBrk="0" hangingPunct="1">
+              <a:lnSpc>
+                <a:spcPct val="90000"/>
+              </a:lnSpc>
+              <a:spcBef>
+                <a:spcPts val="500"/>
+              </a:spcBef>
+              <a:buFont typeface="Arial" panose="020B0604020202020204" pitchFamily="34" charset="0"/>
+              <a:buChar char="•"/>
+              <a:defRPr sz="2000" kern="1200">
+                <a:solidFill>
+                  <a:schemeClr val="tx1"/>
+                </a:solidFill>
+                <a:latin typeface="+mn-lt"/>
+                <a:ea typeface="+mn-ea"/>
+                <a:cs typeface="+mn-cs"/>
+              </a:defRPr>
+            </a:lvl3pPr>
+            <a:lvl4pPr marL="1600200" indent="-228600" algn="l" defTabSz="914400" rtl="0" eaLnBrk="1" latinLnBrk="0" hangingPunct="1">
+              <a:lnSpc>
+                <a:spcPct val="90000"/>
+              </a:lnSpc>
+              <a:spcBef>
+                <a:spcPts val="500"/>
+              </a:spcBef>
+              <a:buFont typeface="Arial" panose="020B0604020202020204" pitchFamily="34" charset="0"/>
+              <a:buChar char="•"/>
+              <a:defRPr sz="1800" kern="1200">
+                <a:solidFill>
+                  <a:schemeClr val="tx1"/>
+                </a:solidFill>
+                <a:latin typeface="+mn-lt"/>
+                <a:ea typeface="+mn-ea"/>
+                <a:cs typeface="+mn-cs"/>
+              </a:defRPr>
+            </a:lvl4pPr>
+            <a:lvl5pPr marL="2057400" indent="-228600" algn="l" defTabSz="914400" rtl="0" eaLnBrk="1" latinLnBrk="0" hangingPunct="1">
+              <a:lnSpc>
+                <a:spcPct val="90000"/>
+              </a:lnSpc>
+              <a:spcBef>
+                <a:spcPts val="500"/>
+              </a:spcBef>
+              <a:buFont typeface="Arial" panose="020B0604020202020204" pitchFamily="34" charset="0"/>
+              <a:buChar char="•"/>
+              <a:defRPr sz="1800" kern="1200">
+                <a:solidFill>
+                  <a:schemeClr val="tx1"/>
+                </a:solidFill>
+                <a:latin typeface="+mn-lt"/>
+                <a:ea typeface="+mn-ea"/>
+                <a:cs typeface="+mn-cs"/>
+              </a:defRPr>
+            </a:lvl5pPr>
+            <a:lvl6pPr marL="2514600" indent="-228600" algn="l" defTabSz="914400" rtl="0" eaLnBrk="1" latinLnBrk="0" hangingPunct="1">
+              <a:lnSpc>
+                <a:spcPct val="90000"/>
+              </a:lnSpc>
+              <a:spcBef>
+                <a:spcPts val="500"/>
+              </a:spcBef>
+              <a:buFont typeface="Arial" panose="020B0604020202020204" pitchFamily="34" charset="0"/>
+              <a:buChar char="•"/>
+              <a:defRPr sz="1800" kern="1200">
+                <a:solidFill>
+                  <a:schemeClr val="tx1"/>
+                </a:solidFill>
+                <a:latin typeface="+mn-lt"/>
+                <a:ea typeface="+mn-ea"/>
+                <a:cs typeface="+mn-cs"/>
+              </a:defRPr>
+            </a:lvl6pPr>
+            <a:lvl7pPr marL="2971800" indent="-228600" algn="l" defTabSz="914400" rtl="0" eaLnBrk="1" latinLnBrk="0" hangingPunct="1">
+              <a:lnSpc>
+                <a:spcPct val="90000"/>
+              </a:lnSpc>
+              <a:spcBef>
+                <a:spcPts val="500"/>
+              </a:spcBef>
+              <a:buFont typeface="Arial" panose="020B0604020202020204" pitchFamily="34" charset="0"/>
+              <a:buChar char="•"/>
+              <a:defRPr sz="1800" kern="1200">
+                <a:solidFill>
+                  <a:schemeClr val="tx1"/>
+                </a:solidFill>
+                <a:latin typeface="+mn-lt"/>
+                <a:ea typeface="+mn-ea"/>
+                <a:cs typeface="+mn-cs"/>
+              </a:defRPr>
+            </a:lvl7pPr>
+            <a:lvl8pPr marL="3429000" indent="-228600" algn="l" defTabSz="914400" rtl="0" eaLnBrk="1" latinLnBrk="0" hangingPunct="1">
+              <a:lnSpc>
+                <a:spcPct val="90000"/>
+              </a:lnSpc>
+              <a:spcBef>
+                <a:spcPts val="500"/>
+              </a:spcBef>
+              <a:buFont typeface="Arial" panose="020B0604020202020204" pitchFamily="34" charset="0"/>
+              <a:buChar char="•"/>
+              <a:defRPr sz="1800" kern="1200">
+                <a:solidFill>
+                  <a:schemeClr val="tx1"/>
+                </a:solidFill>
+                <a:latin typeface="+mn-lt"/>
+                <a:ea typeface="+mn-ea"/>
+                <a:cs typeface="+mn-cs"/>
+              </a:defRPr>
+            </a:lvl8pPr>
+            <a:lvl9pPr marL="3886200" indent="-228600" algn="l" defTabSz="914400" rtl="0" eaLnBrk="1" latinLnBrk="0" hangingPunct="1">
+              <a:lnSpc>
+                <a:spcPct val="90000"/>
+              </a:lnSpc>
+              <a:spcBef>
+                <a:spcPts val="500"/>
+              </a:spcBef>
+              <a:buFont typeface="Arial" panose="020B0604020202020204" pitchFamily="34" charset="0"/>
+              <a:buChar char="•"/>
+              <a:defRPr sz="1800" kern="1200">
+                <a:solidFill>
+                  <a:schemeClr val="tx1"/>
+                </a:solidFill>
+                <a:latin typeface="+mn-lt"/>
+                <a:ea typeface="+mn-ea"/>
+                <a:cs typeface="+mn-cs"/>
+              </a:defRPr>
+            </a:lvl9pPr>
+          </a:lstStyle>
+          <a:p>
+            <a:pPr marL="0" indent="0">
+              <a:buFont typeface="Arial" panose="020B0604020202020204" pitchFamily="34" charset="0"/>
+              <a:buNone/>
+            </a:pPr>
+            <a:endParaRPr lang="es-CL"/>
+          </a:p>
+          <a:p>
+            <a:pPr marL="0" indent="0">
+              <a:buFont typeface="Arial" panose="020B0604020202020204" pitchFamily="34" charset="0"/>
+              <a:buNone/>
+            </a:pPr>
+            <a:endParaRPr lang="es-CL"/>
+          </a:p>
+          <a:p>
+            <a:pPr marL="0" indent="0">
+              <a:buFont typeface="Arial" panose="020B0604020202020204" pitchFamily="34" charset="0"/>
+              <a:buNone/>
+            </a:pPr>
+            <a:endParaRPr lang="es-CL"/>
+          </a:p>
+          <a:p>
+            <a:pPr marL="0" indent="0">
+              <a:buFont typeface="Arial" panose="020B0604020202020204" pitchFamily="34" charset="0"/>
+              <a:buNone/>
+            </a:pPr>
+            <a:endParaRPr lang="es-CL"/>
+          </a:p>
+          <a:p>
+            <a:pPr marL="0" indent="0">
+              <a:buFont typeface="Arial" panose="020B0604020202020204" pitchFamily="34" charset="0"/>
+              <a:buNone/>
+            </a:pPr>
+            <a:endParaRPr lang="es-CL" dirty="0"/>
+          </a:p>
+        </p:txBody>
+      </p:sp>
+      <p:sp>
+        <p:nvSpPr>
+          <p:cNvPr id="10" name="Marcador de contenido 1">
+            <a:extLst>
+              <a:ext uri="{FF2B5EF4-FFF2-40B4-BE49-F238E27FC236}">
+                <a16:creationId xmlns:a16="http://schemas.microsoft.com/office/drawing/2014/main" id="{DBD3B9B2-9415-82BF-01C3-1837C11C66FF}"/>
+              </a:ext>
+            </a:extLst>
+          </p:cNvPr>
+          <p:cNvSpPr txBox="1">
+            <a:spLocks/>
+          </p:cNvSpPr>
+          <p:nvPr/>
+        </p:nvSpPr>
+        <p:spPr>
+          <a:xfrm>
+            <a:off x="-69227" y="915701"/>
+            <a:ext cx="11888096" cy="5766097"/>
+          </a:xfrm>
+          <a:prstGeom prst="rect">
+            <a:avLst/>
+          </a:prstGeom>
+        </p:spPr>
+        <p:txBody>
+          <a:bodyPr vert="horz" lIns="91440" tIns="45720" rIns="91440" bIns="45720" rtlCol="0">
+            <a:normAutofit/>
+          </a:bodyPr>
+          <a:lstStyle>
+            <a:lvl1pPr marL="228600" indent="-228600" algn="l" defTabSz="914400" rtl="0" eaLnBrk="1" latinLnBrk="0" hangingPunct="1">
+              <a:lnSpc>
+                <a:spcPct val="90000"/>
+              </a:lnSpc>
+              <a:spcBef>
+                <a:spcPts val="1000"/>
+              </a:spcBef>
+              <a:buFont typeface="Arial" panose="020B0604020202020204" pitchFamily="34" charset="0"/>
+              <a:buChar char="•"/>
+              <a:defRPr sz="2800" kern="1200">
+                <a:solidFill>
+                  <a:schemeClr val="tx1"/>
+                </a:solidFill>
+                <a:latin typeface="+mn-lt"/>
+                <a:ea typeface="+mn-ea"/>
+                <a:cs typeface="+mn-cs"/>
+              </a:defRPr>
+            </a:lvl1pPr>
+            <a:lvl2pPr marL="685800" indent="-228600" algn="l" defTabSz="914400" rtl="0" eaLnBrk="1" latinLnBrk="0" hangingPunct="1">
+              <a:lnSpc>
+                <a:spcPct val="90000"/>
+              </a:lnSpc>
+              <a:spcBef>
+                <a:spcPts val="500"/>
+              </a:spcBef>
+              <a:buFont typeface="Arial" panose="020B0604020202020204" pitchFamily="34" charset="0"/>
+              <a:buChar char="•"/>
+              <a:defRPr sz="2400" kern="1200">
+                <a:solidFill>
+                  <a:schemeClr val="tx1"/>
+                </a:solidFill>
+                <a:latin typeface="+mn-lt"/>
+                <a:ea typeface="+mn-ea"/>
+                <a:cs typeface="+mn-cs"/>
+              </a:defRPr>
+            </a:lvl2pPr>
+            <a:lvl3pPr marL="1143000" indent="-228600" algn="l" defTabSz="914400" rtl="0" eaLnBrk="1" latinLnBrk="0" hangingPunct="1">
+              <a:lnSpc>
+                <a:spcPct val="90000"/>
+              </a:lnSpc>
+              <a:spcBef>
+                <a:spcPts val="500"/>
+              </a:spcBef>
+              <a:buFont typeface="Arial" panose="020B0604020202020204" pitchFamily="34" charset="0"/>
+              <a:buChar char="•"/>
+              <a:defRPr sz="2000" kern="1200">
+                <a:solidFill>
+                  <a:schemeClr val="tx1"/>
+                </a:solidFill>
+                <a:latin typeface="+mn-lt"/>
+                <a:ea typeface="+mn-ea"/>
+                <a:cs typeface="+mn-cs"/>
+              </a:defRPr>
+            </a:lvl3pPr>
+            <a:lvl4pPr marL="1600200" indent="-228600" algn="l" defTabSz="914400" rtl="0" eaLnBrk="1" latinLnBrk="0" hangingPunct="1">
+              <a:lnSpc>
+                <a:spcPct val="90000"/>
+              </a:lnSpc>
+              <a:spcBef>
+                <a:spcPts val="500"/>
+              </a:spcBef>
+              <a:buFont typeface="Arial" panose="020B0604020202020204" pitchFamily="34" charset="0"/>
+              <a:buChar char="•"/>
+              <a:defRPr sz="1800" kern="1200">
+                <a:solidFill>
+                  <a:schemeClr val="tx1"/>
+                </a:solidFill>
+                <a:latin typeface="+mn-lt"/>
+                <a:ea typeface="+mn-ea"/>
+                <a:cs typeface="+mn-cs"/>
+              </a:defRPr>
+            </a:lvl4pPr>
+            <a:lvl5pPr marL="2057400" indent="-228600" algn="l" defTabSz="914400" rtl="0" eaLnBrk="1" latinLnBrk="0" hangingPunct="1">
+              <a:lnSpc>
+                <a:spcPct val="90000"/>
+              </a:lnSpc>
+              <a:spcBef>
+                <a:spcPts val="500"/>
+              </a:spcBef>
+              <a:buFont typeface="Arial" panose="020B0604020202020204" pitchFamily="34" charset="0"/>
+              <a:buChar char="•"/>
+              <a:defRPr sz="1800" kern="1200">
+                <a:solidFill>
+                  <a:schemeClr val="tx1"/>
+                </a:solidFill>
+                <a:latin typeface="+mn-lt"/>
+                <a:ea typeface="+mn-ea"/>
+                <a:cs typeface="+mn-cs"/>
+              </a:defRPr>
+            </a:lvl5pPr>
+            <a:lvl6pPr marL="2514600" indent="-228600" algn="l" defTabSz="914400" rtl="0" eaLnBrk="1" latinLnBrk="0" hangingPunct="1">
+              <a:lnSpc>
+                <a:spcPct val="90000"/>
+              </a:lnSpc>
+              <a:spcBef>
+                <a:spcPts val="500"/>
+              </a:spcBef>
+              <a:buFont typeface="Arial" panose="020B0604020202020204" pitchFamily="34" charset="0"/>
+              <a:buChar char="•"/>
+              <a:defRPr sz="1800" kern="1200">
+                <a:solidFill>
+                  <a:schemeClr val="tx1"/>
+                </a:solidFill>
+                <a:latin typeface="+mn-lt"/>
+                <a:ea typeface="+mn-ea"/>
+                <a:cs typeface="+mn-cs"/>
+              </a:defRPr>
+            </a:lvl6pPr>
+            <a:lvl7pPr marL="2971800" indent="-228600" algn="l" defTabSz="914400" rtl="0" eaLnBrk="1" latinLnBrk="0" hangingPunct="1">
+              <a:lnSpc>
+                <a:spcPct val="90000"/>
+              </a:lnSpc>
+              <a:spcBef>
+                <a:spcPts val="500"/>
+              </a:spcBef>
+              <a:buFont typeface="Arial" panose="020B0604020202020204" pitchFamily="34" charset="0"/>
+              <a:buChar char="•"/>
+              <a:defRPr sz="1800" kern="1200">
+                <a:solidFill>
+                  <a:schemeClr val="tx1"/>
+                </a:solidFill>
+                <a:latin typeface="+mn-lt"/>
+                <a:ea typeface="+mn-ea"/>
+                <a:cs typeface="+mn-cs"/>
+              </a:defRPr>
+            </a:lvl7pPr>
+            <a:lvl8pPr marL="3429000" indent="-228600" algn="l" defTabSz="914400" rtl="0" eaLnBrk="1" latinLnBrk="0" hangingPunct="1">
+              <a:lnSpc>
+                <a:spcPct val="90000"/>
+              </a:lnSpc>
+              <a:spcBef>
+                <a:spcPts val="500"/>
+              </a:spcBef>
+              <a:buFont typeface="Arial" panose="020B0604020202020204" pitchFamily="34" charset="0"/>
+              <a:buChar char="•"/>
+              <a:defRPr sz="1800" kern="1200">
+                <a:solidFill>
+                  <a:schemeClr val="tx1"/>
+                </a:solidFill>
+                <a:latin typeface="+mn-lt"/>
+                <a:ea typeface="+mn-ea"/>
+                <a:cs typeface="+mn-cs"/>
+              </a:defRPr>
+            </a:lvl8pPr>
+            <a:lvl9pPr marL="3886200" indent="-228600" algn="l" defTabSz="914400" rtl="0" eaLnBrk="1" latinLnBrk="0" hangingPunct="1">
+              <a:lnSpc>
+                <a:spcPct val="90000"/>
+              </a:lnSpc>
+              <a:spcBef>
+                <a:spcPts val="500"/>
+              </a:spcBef>
+              <a:buFont typeface="Arial" panose="020B0604020202020204" pitchFamily="34" charset="0"/>
+              <a:buChar char="•"/>
+              <a:defRPr sz="1800" kern="1200">
+                <a:solidFill>
+                  <a:schemeClr val="tx1"/>
+                </a:solidFill>
+                <a:latin typeface="+mn-lt"/>
+                <a:ea typeface="+mn-ea"/>
+                <a:cs typeface="+mn-cs"/>
+              </a:defRPr>
+            </a:lvl9pPr>
+          </a:lstStyle>
+          <a:p>
+            <a:pPr marL="0" indent="0">
+              <a:buFont typeface="Arial" panose="020B0604020202020204" pitchFamily="34" charset="0"/>
+              <a:buNone/>
+            </a:pPr>
+            <a:endParaRPr lang="es-CL" dirty="0"/>
+          </a:p>
+          <a:p>
+            <a:pPr marL="0" indent="0">
+              <a:buFont typeface="Arial" panose="020B0604020202020204" pitchFamily="34" charset="0"/>
+              <a:buNone/>
+            </a:pPr>
+            <a:endParaRPr lang="es-CL" dirty="0"/>
+          </a:p>
+          <a:p>
+            <a:pPr marL="0" indent="0">
+              <a:buFont typeface="Arial" panose="020B0604020202020204" pitchFamily="34" charset="0"/>
+              <a:buNone/>
+            </a:pPr>
+            <a:endParaRPr lang="es-CL" dirty="0"/>
+          </a:p>
+          <a:p>
+            <a:pPr marL="0" indent="0">
+              <a:buFont typeface="Arial" panose="020B0604020202020204" pitchFamily="34" charset="0"/>
+              <a:buNone/>
+            </a:pPr>
+            <a:endParaRPr lang="es-CL" dirty="0"/>
+          </a:p>
+          <a:p>
+            <a:pPr marL="0" indent="0">
+              <a:buFont typeface="Arial" panose="020B0604020202020204" pitchFamily="34" charset="0"/>
+              <a:buNone/>
+            </a:pPr>
+            <a:endParaRPr lang="es-CL" dirty="0"/>
+          </a:p>
+        </p:txBody>
+      </p:sp>
+      <p:pic>
+        <p:nvPicPr>
+          <p:cNvPr id="4" name="Imagen 3">
+            <a:extLst>
+              <a:ext uri="{FF2B5EF4-FFF2-40B4-BE49-F238E27FC236}">
+                <a16:creationId xmlns:a16="http://schemas.microsoft.com/office/drawing/2014/main" id="{EC6D0DBD-38B1-66A3-9D2F-B42871BBCD12}"/>
+              </a:ext>
+            </a:extLst>
+          </p:cNvPr>
+          <p:cNvPicPr>
+            <a:picLocks noChangeAspect="1"/>
+          </p:cNvPicPr>
+          <p:nvPr/>
+        </p:nvPicPr>
+        <p:blipFill>
+          <a:blip r:embed="rId2"/>
+          <a:stretch>
+            <a:fillRect/>
+          </a:stretch>
+        </p:blipFill>
+        <p:spPr>
+          <a:xfrm>
+            <a:off x="6736271" y="989819"/>
+            <a:ext cx="5082598" cy="2245635"/>
+          </a:xfrm>
+          <a:prstGeom prst="rect">
+            <a:avLst/>
+          </a:prstGeom>
+        </p:spPr>
+      </p:pic>
+      <p:pic>
+        <p:nvPicPr>
+          <p:cNvPr id="7" name="Imagen 6">
+            <a:extLst>
+              <a:ext uri="{FF2B5EF4-FFF2-40B4-BE49-F238E27FC236}">
+                <a16:creationId xmlns:a16="http://schemas.microsoft.com/office/drawing/2014/main" id="{649BDBEF-26DB-1E00-9900-45C5726F0572}"/>
+              </a:ext>
+            </a:extLst>
+          </p:cNvPr>
+          <p:cNvPicPr>
+            <a:picLocks noChangeAspect="1"/>
+          </p:cNvPicPr>
+          <p:nvPr/>
+        </p:nvPicPr>
+        <p:blipFill>
+          <a:blip r:embed="rId3"/>
+          <a:stretch>
+            <a:fillRect/>
+          </a:stretch>
+        </p:blipFill>
+        <p:spPr>
+          <a:xfrm>
+            <a:off x="820695" y="4287720"/>
+            <a:ext cx="3971925" cy="1724025"/>
+          </a:xfrm>
+          <a:prstGeom prst="rect">
+            <a:avLst/>
+          </a:prstGeom>
+        </p:spPr>
+      </p:pic>
+      <p:pic>
+        <p:nvPicPr>
+          <p:cNvPr id="11" name="Imagen 10">
+            <a:extLst>
+              <a:ext uri="{FF2B5EF4-FFF2-40B4-BE49-F238E27FC236}">
+                <a16:creationId xmlns:a16="http://schemas.microsoft.com/office/drawing/2014/main" id="{F4DDEC3C-ED14-FF30-20F4-AA1C271A0931}"/>
+              </a:ext>
+            </a:extLst>
+          </p:cNvPr>
+          <p:cNvPicPr>
+            <a:picLocks noChangeAspect="1"/>
+          </p:cNvPicPr>
+          <p:nvPr/>
+        </p:nvPicPr>
+        <p:blipFill>
+          <a:blip r:embed="rId4"/>
+          <a:stretch>
+            <a:fillRect/>
+          </a:stretch>
+        </p:blipFill>
+        <p:spPr>
+          <a:xfrm>
+            <a:off x="6628898" y="3798749"/>
+            <a:ext cx="4453872" cy="2577699"/>
+          </a:xfrm>
+          <a:prstGeom prst="rect">
+            <a:avLst/>
+          </a:prstGeom>
+        </p:spPr>
+      </p:pic>
+    </p:spTree>
+    <p:extLst>
+      <p:ext uri="{BB962C8B-B14F-4D97-AF65-F5344CB8AC3E}">
+        <p14:creationId xmlns:p14="http://schemas.microsoft.com/office/powerpoint/2010/main" val="2560598862"/>
+      </p:ext>
+    </p:extLst>
+  </p:cSld>
+  <p:clrMapOvr>
+    <a:masterClrMapping/>
+  </p:clrMapOvr>
+  <mc:AlternateContent xmlns:mc="http://schemas.openxmlformats.org/markup-compatibility/2006" xmlns:p14="http://schemas.microsoft.com/office/powerpoint/2010/main">
+    <mc:Choice Requires="p14">
+      <p:transition spd="slow" p14:dur="1200">
+        <p14:prism/>
+      </p:transition>
+    </mc:Choice>
+    <mc:Fallback xmlns="">
+      <p:transition spd="slow">
+        <p:fade/>
+      </p:transition>
+    </mc:Fallback>
+  </mc:AlternateContent>
+</p:sld>
+</file>
+
+<file path=ppt/slides/slide17.xml><?xml version="1.0" encoding="utf-8"?>
+<p:sld xmlns:a="http://schemas.openxmlformats.org/drawingml/2006/main" xmlns:r="http://schemas.openxmlformats.org/officeDocument/2006/relationships" xmlns:p="http://schemas.openxmlformats.org/presentationml/2006/main">
+  <p:cSld>
+    <p:spTree>
+      <p:nvGrpSpPr>
+        <p:cNvPr id="1" name=""/>
+        <p:cNvGrpSpPr/>
+        <p:nvPr/>
+      </p:nvGrpSpPr>
+      <p:grpSpPr>
+        <a:xfrm>
+          <a:off x="0" y="0"/>
+          <a:ext cx="0" cy="0"/>
+          <a:chOff x="0" y="0"/>
+          <a:chExt cx="0" cy="0"/>
+        </a:xfrm>
+      </p:grpSpPr>
+      <p:sp>
+        <p:nvSpPr>
+          <p:cNvPr id="6" name="Rectángulo 5">
+            <a:extLst>
+              <a:ext uri="{FF2B5EF4-FFF2-40B4-BE49-F238E27FC236}">
+                <a16:creationId xmlns:a16="http://schemas.microsoft.com/office/drawing/2014/main" id="{B9BF6B8A-1DB3-C04A-9FC5-D2A10722D782}"/>
+              </a:ext>
+            </a:extLst>
+          </p:cNvPr>
+          <p:cNvSpPr/>
+          <p:nvPr/>
+        </p:nvSpPr>
+        <p:spPr>
+          <a:xfrm>
+            <a:off x="159657" y="73843"/>
+            <a:ext cx="6807202" cy="369332"/>
+          </a:xfrm>
+          <a:prstGeom prst="rect">
+            <a:avLst/>
+          </a:prstGeom>
+        </p:spPr>
+        <p:txBody>
+          <a:bodyPr wrap="square">
+            <a:spAutoFit/>
+          </a:bodyPr>
+          <a:lstStyle/>
+          <a:p>
+            <a:r>
+              <a:rPr lang="es-ES" b="1" dirty="0">
+                <a:solidFill>
+                  <a:schemeClr val="bg1"/>
+                </a:solidFill>
+                <a:latin typeface="Myriad Pro Cond" panose="020B0506030403020204" pitchFamily="34" charset="0"/>
+                <a:ea typeface="Arial Narrow" charset="0"/>
+                <a:cs typeface="Arial Narrow" charset="0"/>
+              </a:rPr>
+              <a:t>Resumen</a:t>
+            </a:r>
+            <a:endParaRPr lang="es-ES_tradnl" b="1" dirty="0">
+              <a:solidFill>
+                <a:schemeClr val="bg1"/>
+              </a:solidFill>
+              <a:latin typeface="Myriad Pro Cond" panose="020B0506030403020204" pitchFamily="34" charset="0"/>
+              <a:ea typeface="Arial Narrow" charset="0"/>
+              <a:cs typeface="Arial Narrow" charset="0"/>
+            </a:endParaRPr>
+          </a:p>
+        </p:txBody>
+      </p:sp>
+      <p:sp>
+        <p:nvSpPr>
+          <p:cNvPr id="3" name="Marcador de contenido 1">
+            <a:extLst>
+              <a:ext uri="{FF2B5EF4-FFF2-40B4-BE49-F238E27FC236}">
+                <a16:creationId xmlns:a16="http://schemas.microsoft.com/office/drawing/2014/main" id="{509E6064-0DA4-0C53-386D-947EDD127B7D}"/>
+              </a:ext>
+            </a:extLst>
+          </p:cNvPr>
+          <p:cNvSpPr>
+            <a:spLocks noGrp="1"/>
+          </p:cNvSpPr>
+          <p:nvPr>
+            <p:ph idx="1"/>
+          </p:nvPr>
+        </p:nvSpPr>
+        <p:spPr>
+          <a:xfrm>
+            <a:off x="171226" y="935916"/>
+            <a:ext cx="6238452" cy="5766097"/>
+          </a:xfrm>
+        </p:spPr>
+        <p:txBody>
+          <a:bodyPr>
+            <a:normAutofit/>
+          </a:bodyPr>
+          <a:lstStyle/>
+          <a:p>
+            <a:pPr marL="0" indent="0">
+              <a:buNone/>
+            </a:pPr>
+            <a:endParaRPr lang="es-CL" dirty="0"/>
+          </a:p>
+          <a:p>
+            <a:pPr marL="0" indent="0">
+              <a:buNone/>
+            </a:pPr>
+            <a:endParaRPr lang="es-CL" dirty="0"/>
+          </a:p>
+          <a:p>
+            <a:pPr marL="0" indent="0">
+              <a:buNone/>
+            </a:pPr>
+            <a:endParaRPr lang="es-CL" dirty="0"/>
+          </a:p>
+          <a:p>
+            <a:pPr marL="0" indent="0">
+              <a:buNone/>
+            </a:pPr>
+            <a:endParaRPr lang="es-CL" dirty="0"/>
+          </a:p>
+          <a:p>
+            <a:pPr marL="0" indent="0">
+              <a:buNone/>
+            </a:pPr>
+            <a:endParaRPr lang="es-CL" dirty="0"/>
+          </a:p>
+          <a:p>
+            <a:pPr marL="0" indent="0">
+              <a:buNone/>
+            </a:pPr>
+            <a:endParaRPr lang="es-CL" dirty="0"/>
+          </a:p>
+          <a:p>
+            <a:pPr marL="0" indent="0">
+              <a:buNone/>
+            </a:pPr>
+            <a:endParaRPr lang="es-CL" dirty="0"/>
+          </a:p>
+        </p:txBody>
+      </p:sp>
+      <p:sp>
+        <p:nvSpPr>
+          <p:cNvPr id="8" name="Marcador de contenido 1">
+            <a:extLst>
+              <a:ext uri="{FF2B5EF4-FFF2-40B4-BE49-F238E27FC236}">
+                <a16:creationId xmlns:a16="http://schemas.microsoft.com/office/drawing/2014/main" id="{F22B2A3D-7090-9A77-BBC2-684E97930BAE}"/>
+              </a:ext>
+            </a:extLst>
+          </p:cNvPr>
+          <p:cNvSpPr txBox="1">
+            <a:spLocks/>
+          </p:cNvSpPr>
+          <p:nvPr/>
+        </p:nvSpPr>
+        <p:spPr>
+          <a:xfrm>
+            <a:off x="476026" y="1240716"/>
+            <a:ext cx="11888096" cy="5766097"/>
+          </a:xfrm>
+          <a:prstGeom prst="rect">
+            <a:avLst/>
+          </a:prstGeom>
+        </p:spPr>
+        <p:txBody>
+          <a:bodyPr vert="horz" lIns="91440" tIns="45720" rIns="91440" bIns="45720" rtlCol="0">
+            <a:normAutofit/>
+          </a:bodyPr>
+          <a:lstStyle>
+            <a:lvl1pPr marL="228600" indent="-228600" algn="l" defTabSz="914400" rtl="0" eaLnBrk="1" latinLnBrk="0" hangingPunct="1">
+              <a:lnSpc>
+                <a:spcPct val="90000"/>
+              </a:lnSpc>
+              <a:spcBef>
+                <a:spcPts val="1000"/>
+              </a:spcBef>
+              <a:buFont typeface="Arial" panose="020B0604020202020204" pitchFamily="34" charset="0"/>
+              <a:buChar char="•"/>
+              <a:defRPr sz="2800" kern="1200">
+                <a:solidFill>
+                  <a:schemeClr val="tx1"/>
+                </a:solidFill>
+                <a:latin typeface="+mn-lt"/>
+                <a:ea typeface="+mn-ea"/>
+                <a:cs typeface="+mn-cs"/>
+              </a:defRPr>
+            </a:lvl1pPr>
+            <a:lvl2pPr marL="685800" indent="-228600" algn="l" defTabSz="914400" rtl="0" eaLnBrk="1" latinLnBrk="0" hangingPunct="1">
+              <a:lnSpc>
+                <a:spcPct val="90000"/>
+              </a:lnSpc>
+              <a:spcBef>
+                <a:spcPts val="500"/>
+              </a:spcBef>
+              <a:buFont typeface="Arial" panose="020B0604020202020204" pitchFamily="34" charset="0"/>
+              <a:buChar char="•"/>
+              <a:defRPr sz="2400" kern="1200">
+                <a:solidFill>
+                  <a:schemeClr val="tx1"/>
+                </a:solidFill>
+                <a:latin typeface="+mn-lt"/>
+                <a:ea typeface="+mn-ea"/>
+                <a:cs typeface="+mn-cs"/>
+              </a:defRPr>
+            </a:lvl2pPr>
+            <a:lvl3pPr marL="1143000" indent="-228600" algn="l" defTabSz="914400" rtl="0" eaLnBrk="1" latinLnBrk="0" hangingPunct="1">
+              <a:lnSpc>
+                <a:spcPct val="90000"/>
+              </a:lnSpc>
+              <a:spcBef>
+                <a:spcPts val="500"/>
+              </a:spcBef>
+              <a:buFont typeface="Arial" panose="020B0604020202020204" pitchFamily="34" charset="0"/>
+              <a:buChar char="•"/>
+              <a:defRPr sz="2000" kern="1200">
+                <a:solidFill>
+                  <a:schemeClr val="tx1"/>
+                </a:solidFill>
+                <a:latin typeface="+mn-lt"/>
+                <a:ea typeface="+mn-ea"/>
+                <a:cs typeface="+mn-cs"/>
+              </a:defRPr>
+            </a:lvl3pPr>
+            <a:lvl4pPr marL="1600200" indent="-228600" algn="l" defTabSz="914400" rtl="0" eaLnBrk="1" latinLnBrk="0" hangingPunct="1">
+              <a:lnSpc>
+                <a:spcPct val="90000"/>
+              </a:lnSpc>
+              <a:spcBef>
+                <a:spcPts val="500"/>
+              </a:spcBef>
+              <a:buFont typeface="Arial" panose="020B0604020202020204" pitchFamily="34" charset="0"/>
+              <a:buChar char="•"/>
+              <a:defRPr sz="1800" kern="1200">
+                <a:solidFill>
+                  <a:schemeClr val="tx1"/>
+                </a:solidFill>
+                <a:latin typeface="+mn-lt"/>
+                <a:ea typeface="+mn-ea"/>
+                <a:cs typeface="+mn-cs"/>
+              </a:defRPr>
+            </a:lvl4pPr>
+            <a:lvl5pPr marL="2057400" indent="-228600" algn="l" defTabSz="914400" rtl="0" eaLnBrk="1" latinLnBrk="0" hangingPunct="1">
+              <a:lnSpc>
+                <a:spcPct val="90000"/>
+              </a:lnSpc>
+              <a:spcBef>
+                <a:spcPts val="500"/>
+              </a:spcBef>
+              <a:buFont typeface="Arial" panose="020B0604020202020204" pitchFamily="34" charset="0"/>
+              <a:buChar char="•"/>
+              <a:defRPr sz="1800" kern="1200">
+                <a:solidFill>
+                  <a:schemeClr val="tx1"/>
+                </a:solidFill>
+                <a:latin typeface="+mn-lt"/>
+                <a:ea typeface="+mn-ea"/>
+                <a:cs typeface="+mn-cs"/>
+              </a:defRPr>
+            </a:lvl5pPr>
+            <a:lvl6pPr marL="2514600" indent="-228600" algn="l" defTabSz="914400" rtl="0" eaLnBrk="1" latinLnBrk="0" hangingPunct="1">
+              <a:lnSpc>
+                <a:spcPct val="90000"/>
+              </a:lnSpc>
+              <a:spcBef>
+                <a:spcPts val="500"/>
+              </a:spcBef>
+              <a:buFont typeface="Arial" panose="020B0604020202020204" pitchFamily="34" charset="0"/>
+              <a:buChar char="•"/>
+              <a:defRPr sz="1800" kern="1200">
+                <a:solidFill>
+                  <a:schemeClr val="tx1"/>
+                </a:solidFill>
+                <a:latin typeface="+mn-lt"/>
+                <a:ea typeface="+mn-ea"/>
+                <a:cs typeface="+mn-cs"/>
+              </a:defRPr>
+            </a:lvl6pPr>
+            <a:lvl7pPr marL="2971800" indent="-228600" algn="l" defTabSz="914400" rtl="0" eaLnBrk="1" latinLnBrk="0" hangingPunct="1">
+              <a:lnSpc>
+                <a:spcPct val="90000"/>
+              </a:lnSpc>
+              <a:spcBef>
+                <a:spcPts val="500"/>
+              </a:spcBef>
+              <a:buFont typeface="Arial" panose="020B0604020202020204" pitchFamily="34" charset="0"/>
+              <a:buChar char="•"/>
+              <a:defRPr sz="1800" kern="1200">
+                <a:solidFill>
+                  <a:schemeClr val="tx1"/>
+                </a:solidFill>
+                <a:latin typeface="+mn-lt"/>
+                <a:ea typeface="+mn-ea"/>
+                <a:cs typeface="+mn-cs"/>
+              </a:defRPr>
+            </a:lvl7pPr>
+            <a:lvl8pPr marL="3429000" indent="-228600" algn="l" defTabSz="914400" rtl="0" eaLnBrk="1" latinLnBrk="0" hangingPunct="1">
+              <a:lnSpc>
+                <a:spcPct val="90000"/>
+              </a:lnSpc>
+              <a:spcBef>
+                <a:spcPts val="500"/>
+              </a:spcBef>
+              <a:buFont typeface="Arial" panose="020B0604020202020204" pitchFamily="34" charset="0"/>
+              <a:buChar char="•"/>
+              <a:defRPr sz="1800" kern="1200">
+                <a:solidFill>
+                  <a:schemeClr val="tx1"/>
+                </a:solidFill>
+                <a:latin typeface="+mn-lt"/>
+                <a:ea typeface="+mn-ea"/>
+                <a:cs typeface="+mn-cs"/>
+              </a:defRPr>
+            </a:lvl8pPr>
+            <a:lvl9pPr marL="3886200" indent="-228600" algn="l" defTabSz="914400" rtl="0" eaLnBrk="1" latinLnBrk="0" hangingPunct="1">
+              <a:lnSpc>
+                <a:spcPct val="90000"/>
+              </a:lnSpc>
+              <a:spcBef>
+                <a:spcPts val="500"/>
+              </a:spcBef>
+              <a:buFont typeface="Arial" panose="020B0604020202020204" pitchFamily="34" charset="0"/>
+              <a:buChar char="•"/>
+              <a:defRPr sz="1800" kern="1200">
+                <a:solidFill>
+                  <a:schemeClr val="tx1"/>
+                </a:solidFill>
+                <a:latin typeface="+mn-lt"/>
+                <a:ea typeface="+mn-ea"/>
+                <a:cs typeface="+mn-cs"/>
+              </a:defRPr>
+            </a:lvl9pPr>
+          </a:lstStyle>
+          <a:p>
+            <a:pPr marL="0" indent="0">
+              <a:buFont typeface="Arial" panose="020B0604020202020204" pitchFamily="34" charset="0"/>
+              <a:buNone/>
+            </a:pPr>
+            <a:endParaRPr lang="es-CL"/>
+          </a:p>
+          <a:p>
+            <a:pPr marL="0" indent="0">
+              <a:buFont typeface="Arial" panose="020B0604020202020204" pitchFamily="34" charset="0"/>
+              <a:buNone/>
+            </a:pPr>
+            <a:endParaRPr lang="es-CL"/>
+          </a:p>
+          <a:p>
+            <a:pPr marL="0" indent="0">
+              <a:buFont typeface="Arial" panose="020B0604020202020204" pitchFamily="34" charset="0"/>
+              <a:buNone/>
+            </a:pPr>
+            <a:endParaRPr lang="es-CL"/>
+          </a:p>
+          <a:p>
+            <a:pPr marL="0" indent="0">
+              <a:buFont typeface="Arial" panose="020B0604020202020204" pitchFamily="34" charset="0"/>
+              <a:buNone/>
+            </a:pPr>
+            <a:endParaRPr lang="es-CL"/>
+          </a:p>
+          <a:p>
+            <a:pPr marL="0" indent="0">
+              <a:buFont typeface="Arial" panose="020B0604020202020204" pitchFamily="34" charset="0"/>
+              <a:buNone/>
+            </a:pPr>
+            <a:endParaRPr lang="es-CL" dirty="0"/>
+          </a:p>
+        </p:txBody>
+      </p:sp>
+      <p:sp>
+        <p:nvSpPr>
+          <p:cNvPr id="10" name="Marcador de contenido 1">
+            <a:extLst>
+              <a:ext uri="{FF2B5EF4-FFF2-40B4-BE49-F238E27FC236}">
+                <a16:creationId xmlns:a16="http://schemas.microsoft.com/office/drawing/2014/main" id="{DBD3B9B2-9415-82BF-01C3-1837C11C66FF}"/>
+              </a:ext>
+            </a:extLst>
+          </p:cNvPr>
+          <p:cNvSpPr txBox="1">
+            <a:spLocks/>
+          </p:cNvSpPr>
+          <p:nvPr/>
+        </p:nvSpPr>
+        <p:spPr>
+          <a:xfrm>
+            <a:off x="-69227" y="915701"/>
+            <a:ext cx="11888096" cy="5766097"/>
+          </a:xfrm>
+          <a:prstGeom prst="rect">
+            <a:avLst/>
+          </a:prstGeom>
+        </p:spPr>
+        <p:txBody>
+          <a:bodyPr vert="horz" lIns="91440" tIns="45720" rIns="91440" bIns="45720" rtlCol="0">
+            <a:normAutofit/>
+          </a:bodyPr>
+          <a:lstStyle>
+            <a:lvl1pPr marL="228600" indent="-228600" algn="l" defTabSz="914400" rtl="0" eaLnBrk="1" latinLnBrk="0" hangingPunct="1">
+              <a:lnSpc>
+                <a:spcPct val="90000"/>
+              </a:lnSpc>
+              <a:spcBef>
+                <a:spcPts val="1000"/>
+              </a:spcBef>
+              <a:buFont typeface="Arial" panose="020B0604020202020204" pitchFamily="34" charset="0"/>
+              <a:buChar char="•"/>
+              <a:defRPr sz="2800" kern="1200">
+                <a:solidFill>
+                  <a:schemeClr val="tx1"/>
+                </a:solidFill>
+                <a:latin typeface="+mn-lt"/>
+                <a:ea typeface="+mn-ea"/>
+                <a:cs typeface="+mn-cs"/>
+              </a:defRPr>
+            </a:lvl1pPr>
+            <a:lvl2pPr marL="685800" indent="-228600" algn="l" defTabSz="914400" rtl="0" eaLnBrk="1" latinLnBrk="0" hangingPunct="1">
+              <a:lnSpc>
+                <a:spcPct val="90000"/>
+              </a:lnSpc>
+              <a:spcBef>
+                <a:spcPts val="500"/>
+              </a:spcBef>
+              <a:buFont typeface="Arial" panose="020B0604020202020204" pitchFamily="34" charset="0"/>
+              <a:buChar char="•"/>
+              <a:defRPr sz="2400" kern="1200">
+                <a:solidFill>
+                  <a:schemeClr val="tx1"/>
+                </a:solidFill>
+                <a:latin typeface="+mn-lt"/>
+                <a:ea typeface="+mn-ea"/>
+                <a:cs typeface="+mn-cs"/>
+              </a:defRPr>
+            </a:lvl2pPr>
+            <a:lvl3pPr marL="1143000" indent="-228600" algn="l" defTabSz="914400" rtl="0" eaLnBrk="1" latinLnBrk="0" hangingPunct="1">
+              <a:lnSpc>
+                <a:spcPct val="90000"/>
+              </a:lnSpc>
+              <a:spcBef>
+                <a:spcPts val="500"/>
+              </a:spcBef>
+              <a:buFont typeface="Arial" panose="020B0604020202020204" pitchFamily="34" charset="0"/>
+              <a:buChar char="•"/>
+              <a:defRPr sz="2000" kern="1200">
+                <a:solidFill>
+                  <a:schemeClr val="tx1"/>
+                </a:solidFill>
+                <a:latin typeface="+mn-lt"/>
+                <a:ea typeface="+mn-ea"/>
+                <a:cs typeface="+mn-cs"/>
+              </a:defRPr>
+            </a:lvl3pPr>
+            <a:lvl4pPr marL="1600200" indent="-228600" algn="l" defTabSz="914400" rtl="0" eaLnBrk="1" latinLnBrk="0" hangingPunct="1">
+              <a:lnSpc>
+                <a:spcPct val="90000"/>
+              </a:lnSpc>
+              <a:spcBef>
+                <a:spcPts val="500"/>
+              </a:spcBef>
+              <a:buFont typeface="Arial" panose="020B0604020202020204" pitchFamily="34" charset="0"/>
+              <a:buChar char="•"/>
+              <a:defRPr sz="1800" kern="1200">
+                <a:solidFill>
+                  <a:schemeClr val="tx1"/>
+                </a:solidFill>
+                <a:latin typeface="+mn-lt"/>
+                <a:ea typeface="+mn-ea"/>
+                <a:cs typeface="+mn-cs"/>
+              </a:defRPr>
+            </a:lvl4pPr>
+            <a:lvl5pPr marL="2057400" indent="-228600" algn="l" defTabSz="914400" rtl="0" eaLnBrk="1" latinLnBrk="0" hangingPunct="1">
+              <a:lnSpc>
+                <a:spcPct val="90000"/>
+              </a:lnSpc>
+              <a:spcBef>
+                <a:spcPts val="500"/>
+              </a:spcBef>
+              <a:buFont typeface="Arial" panose="020B0604020202020204" pitchFamily="34" charset="0"/>
+              <a:buChar char="•"/>
+              <a:defRPr sz="1800" kern="1200">
+                <a:solidFill>
+                  <a:schemeClr val="tx1"/>
+                </a:solidFill>
+                <a:latin typeface="+mn-lt"/>
+                <a:ea typeface="+mn-ea"/>
+                <a:cs typeface="+mn-cs"/>
+              </a:defRPr>
+            </a:lvl5pPr>
+            <a:lvl6pPr marL="2514600" indent="-228600" algn="l" defTabSz="914400" rtl="0" eaLnBrk="1" latinLnBrk="0" hangingPunct="1">
+              <a:lnSpc>
+                <a:spcPct val="90000"/>
+              </a:lnSpc>
+              <a:spcBef>
+                <a:spcPts val="500"/>
+              </a:spcBef>
+              <a:buFont typeface="Arial" panose="020B0604020202020204" pitchFamily="34" charset="0"/>
+              <a:buChar char="•"/>
+              <a:defRPr sz="1800" kern="1200">
+                <a:solidFill>
+                  <a:schemeClr val="tx1"/>
+                </a:solidFill>
+                <a:latin typeface="+mn-lt"/>
+                <a:ea typeface="+mn-ea"/>
+                <a:cs typeface="+mn-cs"/>
+              </a:defRPr>
+            </a:lvl6pPr>
+            <a:lvl7pPr marL="2971800" indent="-228600" algn="l" defTabSz="914400" rtl="0" eaLnBrk="1" latinLnBrk="0" hangingPunct="1">
+              <a:lnSpc>
+                <a:spcPct val="90000"/>
+              </a:lnSpc>
+              <a:spcBef>
+                <a:spcPts val="500"/>
+              </a:spcBef>
+              <a:buFont typeface="Arial" panose="020B0604020202020204" pitchFamily="34" charset="0"/>
+              <a:buChar char="•"/>
+              <a:defRPr sz="1800" kern="1200">
+                <a:solidFill>
+                  <a:schemeClr val="tx1"/>
+                </a:solidFill>
+                <a:latin typeface="+mn-lt"/>
+                <a:ea typeface="+mn-ea"/>
+                <a:cs typeface="+mn-cs"/>
+              </a:defRPr>
+            </a:lvl7pPr>
+            <a:lvl8pPr marL="3429000" indent="-228600" algn="l" defTabSz="914400" rtl="0" eaLnBrk="1" latinLnBrk="0" hangingPunct="1">
+              <a:lnSpc>
+                <a:spcPct val="90000"/>
+              </a:lnSpc>
+              <a:spcBef>
+                <a:spcPts val="500"/>
+              </a:spcBef>
+              <a:buFont typeface="Arial" panose="020B0604020202020204" pitchFamily="34" charset="0"/>
+              <a:buChar char="•"/>
+              <a:defRPr sz="1800" kern="1200">
+                <a:solidFill>
+                  <a:schemeClr val="tx1"/>
+                </a:solidFill>
+                <a:latin typeface="+mn-lt"/>
+                <a:ea typeface="+mn-ea"/>
+                <a:cs typeface="+mn-cs"/>
+              </a:defRPr>
+            </a:lvl8pPr>
+            <a:lvl9pPr marL="3886200" indent="-228600" algn="l" defTabSz="914400" rtl="0" eaLnBrk="1" latinLnBrk="0" hangingPunct="1">
+              <a:lnSpc>
+                <a:spcPct val="90000"/>
+              </a:lnSpc>
+              <a:spcBef>
+                <a:spcPts val="500"/>
+              </a:spcBef>
+              <a:buFont typeface="Arial" panose="020B0604020202020204" pitchFamily="34" charset="0"/>
+              <a:buChar char="•"/>
+              <a:defRPr sz="1800" kern="1200">
+                <a:solidFill>
+                  <a:schemeClr val="tx1"/>
+                </a:solidFill>
+                <a:latin typeface="+mn-lt"/>
+                <a:ea typeface="+mn-ea"/>
+                <a:cs typeface="+mn-cs"/>
+              </a:defRPr>
+            </a:lvl9pPr>
+          </a:lstStyle>
+          <a:p>
+            <a:pPr marL="0" indent="0">
+              <a:buFont typeface="Arial" panose="020B0604020202020204" pitchFamily="34" charset="0"/>
+              <a:buNone/>
+            </a:pPr>
+            <a:endParaRPr lang="es-CL"/>
+          </a:p>
+          <a:p>
+            <a:pPr marL="0" indent="0">
+              <a:buFont typeface="Arial" panose="020B0604020202020204" pitchFamily="34" charset="0"/>
+              <a:buNone/>
+            </a:pPr>
+            <a:endParaRPr lang="es-CL"/>
+          </a:p>
+          <a:p>
+            <a:pPr marL="0" indent="0">
+              <a:buFont typeface="Arial" panose="020B0604020202020204" pitchFamily="34" charset="0"/>
+              <a:buNone/>
+            </a:pPr>
+            <a:endParaRPr lang="es-CL"/>
+          </a:p>
+          <a:p>
+            <a:pPr marL="0" indent="0">
+              <a:buFont typeface="Arial" panose="020B0604020202020204" pitchFamily="34" charset="0"/>
+              <a:buNone/>
+            </a:pPr>
+            <a:endParaRPr lang="es-CL"/>
+          </a:p>
+          <a:p>
+            <a:pPr marL="0" indent="0">
+              <a:buFont typeface="Arial" panose="020B0604020202020204" pitchFamily="34" charset="0"/>
+              <a:buNone/>
+            </a:pPr>
+            <a:endParaRPr lang="es-CL" dirty="0"/>
+          </a:p>
+        </p:txBody>
+      </p:sp>
+    </p:spTree>
+    <p:extLst>
+      <p:ext uri="{BB962C8B-B14F-4D97-AF65-F5344CB8AC3E}">
+        <p14:creationId xmlns:p14="http://schemas.microsoft.com/office/powerpoint/2010/main" val="2892188802"/>
       </p:ext>
     </p:extLst>
   </p:cSld>
@@ -10829,8 +16085,8 @@
           </a:p>
         </p:txBody>
       </p:sp>
-      <mc:AlternateContent xmlns:mc="http://schemas.openxmlformats.org/markup-compatibility/2006">
-        <mc:Choice xmlns:a14="http://schemas.microsoft.com/office/drawing/2010/main" Requires="a14">
+      <mc:AlternateContent xmlns:mc="http://schemas.openxmlformats.org/markup-compatibility/2006" xmlns:a14="http://schemas.microsoft.com/office/drawing/2010/main">
+        <mc:Choice Requires="a14">
           <p:sp>
             <p:nvSpPr>
               <p:cNvPr id="2" name="Marcador de contenido 1">
@@ -11397,7 +16653,7 @@
             </p:txBody>
           </p:sp>
         </mc:Choice>
-        <mc:Fallback>
+        <mc:Fallback xmlns="">
           <p:sp>
             <p:nvSpPr>
               <p:cNvPr id="2" name="Marcador de contenido 1">
